--- a/텀프로젝트_결과발표_20205220이바다20205262최예찬.pptx
+++ b/텀프로젝트_결과발표_20205220이바다20205262최예찬.pptx
@@ -2,7 +2,7 @@
 <file path=ppt/presentation.xml><?xml version="1.0" encoding="utf-8"?>
 <p:presentation xmlns:r="http://schemas.openxmlformats.org/officeDocument/2006/relationships" xmlns:c="http://schemas.openxmlformats.org/drawingml/2006/chart" xmlns:a="http://schemas.openxmlformats.org/drawingml/2006/main" xmlns:dgm="http://schemas.openxmlformats.org/drawingml/2006/diagram" xmlns:dsp="http://schemas.microsoft.com/office/drawing/2008/diagram" xmlns:p="http://schemas.openxmlformats.org/presentationml/2006/main">
   <p:sldMasterIdLst>
-    <p:sldMasterId id="2147483658" r:id="rId1"/>
+    <p:sldMasterId id="2147483663" r:id="rId1"/>
   </p:sldMasterIdLst>
   <p:notesMasterIdLst>
     <p:notesMasterId r:id="rId2"/>
@@ -12837,13 +12837,13 @@
         </p:nvSpPr>
         <p:spPr>
           <a:xfrm>
-            <a:off x="810204" y="1747722"/>
-            <a:ext cx="10571591" cy="4413204"/>
+            <a:off x="6096000" y="1730055"/>
+            <a:ext cx="2934657" cy="1297470"/>
           </a:xfrm>
         </p:spPr>
         <p:txBody>
           <a:bodyPr anchor="t">
-            <a:normAutofit/>
+            <a:normAutofit lnSpcReduction="10000"/>
           </a:bodyPr>
           <a:lstStyle/>
           <a:p>
@@ -12854,7 +12854,7 @@
               <a:defRPr/>
             </a:pPr>
             <a:r>
-              <a:rPr lang="ko-KR" altLang="en-US" sz="1800" b="1">
+              <a:rPr lang="ko-KR" altLang="en-US" sz="1800">
                 <a:solidFill>
                   <a:schemeClr val="tx1">
                     <a:lumMod val="50000"/>
@@ -12864,28 +12864,10 @@
                 <a:latin typeface="맑은 고딕"/>
                 <a:ea typeface="맑은 고딕"/>
               </a:rPr>
-              <a:t>구현 기능</a:t>
-            </a:r>
-            <a:endParaRPr lang="ko-KR" altLang="en-US" sz="1800" b="1">
-              <a:solidFill>
-                <a:schemeClr val="tx1">
-                  <a:lumMod val="50000"/>
-                  <a:lumOff val="50000"/>
-                </a:schemeClr>
-              </a:solidFill>
-              <a:latin typeface="맑은 고딕"/>
-              <a:ea typeface="맑은 고딕"/>
-            </a:endParaRPr>
-          </a:p>
-          <a:p>
-            <a:pPr algn="l">
-              <a:lnSpc>
-                <a:spcPct val="200000"/>
-              </a:lnSpc>
-              <a:defRPr/>
-            </a:pPr>
-            <a:r>
-              <a:rPr lang="ko-KR" altLang="en-US" sz="1800">
+              <a:t>바다 </a:t>
+            </a:r>
+            <a:r>
+              <a:rPr lang="en-US" altLang="ko-KR" sz="1800">
                 <a:solidFill>
                   <a:schemeClr val="tx1">
                     <a:lumMod val="50000"/>
@@ -12895,10 +12877,10 @@
                 <a:latin typeface="맑은 고딕"/>
                 <a:ea typeface="맑은 고딕"/>
               </a:rPr>
-              <a:t>버튼을 누르면 총을 발사</a:t>
-            </a:r>
-            <a:r>
-              <a:rPr lang="en-US" altLang="ko-KR" sz="1800">
+              <a:t>:</a:t>
+            </a:r>
+            <a:r>
+              <a:rPr lang="ko-KR" altLang="en-US" sz="1800">
                 <a:solidFill>
                   <a:schemeClr val="tx1">
                     <a:lumMod val="50000"/>
@@ -12908,10 +12890,10 @@
                 <a:latin typeface="맑은 고딕"/>
                 <a:ea typeface="맑은 고딕"/>
               </a:rPr>
-              <a:t>, </a:t>
-            </a:r>
-            <a:r>
-              <a:rPr lang="ko-KR" altLang="en-US" sz="1800">
+              <a:t> 지상 적</a:t>
+            </a:r>
+            <a:r>
+              <a:rPr lang="en-US" altLang="ko-KR" sz="1800">
                 <a:solidFill>
                   <a:schemeClr val="tx1">
                     <a:lumMod val="50000"/>
@@ -12921,10 +12903,10 @@
                 <a:latin typeface="맑은 고딕"/>
                 <a:ea typeface="맑은 고딕"/>
               </a:rPr>
-              <a:t>뒤를 보면 헬기 내부가 있고</a:t>
-            </a:r>
-            <a:r>
-              <a:rPr lang="en-US" altLang="ko-KR" sz="1800">
+              <a:t>(</a:t>
+            </a:r>
+            <a:r>
+              <a:rPr lang="ko-KR" altLang="en-US" sz="1800">
                 <a:solidFill>
                   <a:schemeClr val="tx1">
                     <a:lumMod val="50000"/>
@@ -12934,10 +12916,10 @@
                 <a:latin typeface="맑은 고딕"/>
                 <a:ea typeface="맑은 고딕"/>
               </a:rPr>
-              <a:t>, </a:t>
-            </a:r>
-            <a:r>
-              <a:rPr lang="ko-KR" altLang="en-US" sz="1800">
+              <a:t>터렛</a:t>
+            </a:r>
+            <a:r>
+              <a:rPr lang="en-US" altLang="ko-KR" sz="1800">
                 <a:solidFill>
                   <a:schemeClr val="tx1">
                     <a:lumMod val="50000"/>
@@ -12947,28 +12929,8 @@
                 <a:latin typeface="맑은 고딕"/>
                 <a:ea typeface="맑은 고딕"/>
               </a:rPr>
-              <a:t>상호작용 가능</a:t>
-            </a:r>
-            <a:endParaRPr lang="ko-KR" altLang="en-US" sz="1800">
-              <a:solidFill>
-                <a:schemeClr val="tx1">
-                  <a:lumMod val="50000"/>
-                  <a:lumOff val="50000"/>
-                </a:schemeClr>
-              </a:solidFill>
-              <a:latin typeface="맑은 고딕"/>
-              <a:ea typeface="맑은 고딕"/>
-            </a:endParaRPr>
-          </a:p>
-          <a:p>
-            <a:pPr marL="171450" indent="-171450" algn="l">
-              <a:lnSpc>
-                <a:spcPct val="200000"/>
-              </a:lnSpc>
-              <a:buFontTx/>
-              <a:buChar char="-"/>
-              <a:defRPr/>
-            </a:pPr>
+              <a:t>),</a:t>
+            </a:r>
             <a:r>
               <a:rPr lang="ko-KR" altLang="en-US" sz="1800">
                 <a:solidFill>
@@ -12980,7 +12942,7 @@
                 <a:latin typeface="맑은 고딕"/>
                 <a:ea typeface="맑은 고딕"/>
               </a:rPr>
-              <a:t>동료한테 특별 탄약 받기</a:t>
+              <a:t> 지상 폭발물</a:t>
             </a:r>
             <a:r>
               <a:rPr lang="en-US" altLang="ko-KR" sz="1800">
@@ -12993,7 +12955,7 @@
                 <a:latin typeface="맑은 고딕"/>
                 <a:ea typeface="맑은 고딕"/>
               </a:rPr>
-              <a:t>, </a:t>
+              <a:t>,</a:t>
             </a:r>
             <a:r>
               <a:rPr lang="ko-KR" altLang="en-US" sz="1800">
@@ -13006,28 +12968,10 @@
                 <a:latin typeface="맑은 고딕"/>
                 <a:ea typeface="맑은 고딕"/>
               </a:rPr>
-              <a:t>폭탄 지원 버튼 누르기 등등</a:t>
-            </a:r>
-            <a:endParaRPr lang="ko-KR" altLang="en-US" sz="1800">
-              <a:solidFill>
-                <a:schemeClr val="tx1">
-                  <a:lumMod val="50000"/>
-                  <a:lumOff val="50000"/>
-                </a:schemeClr>
-              </a:solidFill>
-              <a:latin typeface="맑은 고딕"/>
-              <a:ea typeface="맑은 고딕"/>
-            </a:endParaRPr>
-          </a:p>
-          <a:p>
-            <a:pPr algn="l">
-              <a:lnSpc>
-                <a:spcPct val="200000"/>
-              </a:lnSpc>
-              <a:defRPr/>
-            </a:pPr>
-            <a:r>
-              <a:rPr lang="ko-KR" altLang="en-US" sz="1800">
+              <a:t> 건물</a:t>
+            </a:r>
+            <a:r>
+              <a:rPr lang="en-US" altLang="ko-KR" sz="1800">
                 <a:solidFill>
                   <a:schemeClr val="tx1">
                     <a:lumMod val="50000"/>
@@ -13037,28 +12981,8 @@
                 <a:latin typeface="맑은 고딕"/>
                 <a:ea typeface="맑은 고딕"/>
               </a:rPr>
-              <a:t>지상의 물체들을 공격하여 상호작용</a:t>
-            </a:r>
-            <a:endParaRPr lang="ko-KR" altLang="en-US" sz="1800">
-              <a:solidFill>
-                <a:schemeClr val="tx1">
-                  <a:lumMod val="50000"/>
-                  <a:lumOff val="50000"/>
-                </a:schemeClr>
-              </a:solidFill>
-              <a:latin typeface="맑은 고딕"/>
-              <a:ea typeface="맑은 고딕"/>
-            </a:endParaRPr>
-          </a:p>
-          <a:p>
-            <a:pPr marL="171450" indent="-171450" algn="l">
-              <a:lnSpc>
-                <a:spcPct val="200000"/>
-              </a:lnSpc>
-              <a:buFontTx/>
-              <a:buChar char="-"/>
-              <a:defRPr/>
-            </a:pPr>
+              <a:t>,</a:t>
+            </a:r>
             <a:r>
               <a:rPr lang="ko-KR" altLang="en-US" sz="1800">
                 <a:solidFill>
@@ -13070,92 +12994,9 @@
                 <a:latin typeface="맑은 고딕"/>
                 <a:ea typeface="맑은 고딕"/>
               </a:rPr>
-              <a:t>지상의 기름통을 쏘면 폭발 발생</a:t>
-            </a:r>
-            <a:r>
-              <a:rPr lang="en-US" altLang="ko-KR" sz="1800">
-                <a:solidFill>
-                  <a:schemeClr val="tx1">
-                    <a:lumMod val="50000"/>
-                    <a:lumOff val="50000"/>
-                  </a:schemeClr>
-                </a:solidFill>
-                <a:latin typeface="맑은 고딕"/>
-                <a:ea typeface="맑은 고딕"/>
-              </a:rPr>
-              <a:t>, </a:t>
-            </a:r>
-            <a:r>
-              <a:rPr lang="ko-KR" altLang="en-US" sz="1800">
-                <a:solidFill>
-                  <a:schemeClr val="tx1">
-                    <a:lumMod val="50000"/>
-                    <a:lumOff val="50000"/>
-                  </a:schemeClr>
-                </a:solidFill>
-                <a:latin typeface="맑은 고딕"/>
-                <a:ea typeface="맑은 고딕"/>
-              </a:rPr>
-              <a:t>정해진 오브젝트를 파괴하면 스테이지 진행 방식 변경 등</a:t>
+              <a:t> 맵 구현 </a:t>
             </a:r>
             <a:endParaRPr lang="ko-KR" altLang="en-US" sz="1800">
-              <a:solidFill>
-                <a:schemeClr val="tx1">
-                  <a:lumMod val="50000"/>
-                  <a:lumOff val="50000"/>
-                </a:schemeClr>
-              </a:solidFill>
-              <a:latin typeface="맑은 고딕"/>
-              <a:ea typeface="맑은 고딕"/>
-            </a:endParaRPr>
-          </a:p>
-          <a:p>
-            <a:pPr algn="l">
-              <a:lnSpc>
-                <a:spcPct val="200000"/>
-              </a:lnSpc>
-              <a:defRPr/>
-            </a:pPr>
-            <a:r>
-              <a:rPr lang="ko-KR" altLang="en-US" sz="1800">
-                <a:solidFill>
-                  <a:schemeClr val="tx1">
-                    <a:lumMod val="50000"/>
-                    <a:lumOff val="50000"/>
-                  </a:schemeClr>
-                </a:solidFill>
-                <a:latin typeface="맑은 고딕"/>
-                <a:ea typeface="맑은 고딕"/>
-              </a:rPr>
-              <a:t>적을 제거하면 점수 획득</a:t>
-            </a:r>
-            <a:r>
-              <a:rPr lang="en-US" altLang="ko-KR" sz="1800">
-                <a:solidFill>
-                  <a:schemeClr val="tx1">
-                    <a:lumMod val="50000"/>
-                    <a:lumOff val="50000"/>
-                  </a:schemeClr>
-                </a:solidFill>
-                <a:latin typeface="맑은 고딕"/>
-                <a:ea typeface="맑은 고딕"/>
-              </a:rPr>
-              <a:t>, </a:t>
-            </a:r>
-            <a:r>
-              <a:rPr lang="ko-KR" altLang="en-US" sz="1800">
-                <a:solidFill>
-                  <a:schemeClr val="tx1">
-                    <a:lumMod val="50000"/>
-                    <a:lumOff val="50000"/>
-                  </a:schemeClr>
-                </a:solidFill>
-                <a:latin typeface="맑은 고딕"/>
-                <a:ea typeface="맑은 고딕"/>
-              </a:rPr>
-              <a:t>스테이지 구분을 두어서 플레이어를 강화하는 방식으로 점수를 소모</a:t>
-            </a:r>
-            <a:endParaRPr lang="en-US" altLang="ko-KR" sz="1800">
               <a:solidFill>
                 <a:schemeClr val="tx1">
                   <a:lumMod val="50000"/>
@@ -13250,6 +13091,261 @@
           </a:fontRef>
         </p:style>
       </p:cxnSp>
+      <p:pic>
+        <p:nvPicPr>
+          <p:cNvPr id="19" name=""/>
+          <p:cNvPicPr>
+            <a:picLocks noChangeAspect="1"/>
+          </p:cNvPicPr>
+          <p:nvPr/>
+        </p:nvPicPr>
+        <p:blipFill rotWithShape="1">
+          <a:blip r:embed="rId2"/>
+          <a:stretch>
+            <a:fillRect/>
+          </a:stretch>
+        </p:blipFill>
+        <p:spPr>
+          <a:xfrm>
+            <a:off x="757546" y="1701474"/>
+            <a:ext cx="1868767" cy="1427122"/>
+          </a:xfrm>
+          <a:prstGeom prst="rect">
+            <a:avLst/>
+          </a:prstGeom>
+        </p:spPr>
+      </p:pic>
+      <p:pic>
+        <p:nvPicPr>
+          <p:cNvPr id="20" name=""/>
+          <p:cNvPicPr>
+            <a:picLocks noChangeAspect="1"/>
+          </p:cNvPicPr>
+          <p:nvPr/>
+        </p:nvPicPr>
+        <p:blipFill rotWithShape="1">
+          <a:blip r:embed="rId3"/>
+          <a:stretch>
+            <a:fillRect/>
+          </a:stretch>
+        </p:blipFill>
+        <p:spPr>
+          <a:xfrm>
+            <a:off x="2765338" y="1645301"/>
+            <a:ext cx="1531130" cy="1556564"/>
+          </a:xfrm>
+          <a:prstGeom prst="rect">
+            <a:avLst/>
+          </a:prstGeom>
+        </p:spPr>
+      </p:pic>
+      <p:pic>
+        <p:nvPicPr>
+          <p:cNvPr id="21" name=""/>
+          <p:cNvPicPr>
+            <a:picLocks noChangeAspect="1"/>
+          </p:cNvPicPr>
+          <p:nvPr/>
+        </p:nvPicPr>
+        <p:blipFill rotWithShape="1">
+          <a:blip r:embed="rId4"/>
+          <a:stretch>
+            <a:fillRect/>
+          </a:stretch>
+        </p:blipFill>
+        <p:spPr>
+          <a:xfrm>
+            <a:off x="4388750" y="1715315"/>
+            <a:ext cx="1484225" cy="1274069"/>
+          </a:xfrm>
+          <a:prstGeom prst="rect">
+            <a:avLst/>
+          </a:prstGeom>
+        </p:spPr>
+      </p:pic>
+      <p:pic>
+        <p:nvPicPr>
+          <p:cNvPr id="22" name=""/>
+          <p:cNvPicPr>
+            <a:picLocks noChangeAspect="1"/>
+          </p:cNvPicPr>
+          <p:nvPr/>
+        </p:nvPicPr>
+        <p:blipFill rotWithShape="1">
+          <a:blip r:embed="rId5"/>
+          <a:stretch>
+            <a:fillRect/>
+          </a:stretch>
+        </p:blipFill>
+        <p:spPr>
+          <a:xfrm>
+            <a:off x="800507" y="4447443"/>
+            <a:ext cx="2065704" cy="1396979"/>
+          </a:xfrm>
+          <a:prstGeom prst="rect">
+            <a:avLst/>
+          </a:prstGeom>
+        </p:spPr>
+      </p:pic>
+      <p:sp>
+        <p:nvSpPr>
+          <p:cNvPr id="23" name="텍스트 개체 틀 8"/>
+          <p:cNvSpPr>
+            <a:spLocks noGrp="1"/>
+          </p:cNvSpPr>
+          <p:nvPr/>
+        </p:nvSpPr>
+        <p:spPr>
+          <a:xfrm>
+            <a:off x="6096000" y="4417249"/>
+            <a:ext cx="2401257" cy="1259370"/>
+          </a:xfrm>
+          <a:prstGeom prst="rect">
+            <a:avLst/>
+          </a:prstGeom>
+          <a:solidFill>
+            <a:schemeClr val="bg1"/>
+          </a:solidFill>
+          <a:ln w="3175">
+            <a:solidFill>
+              <a:schemeClr val="bg1">
+                <a:lumMod val="50000"/>
+                <a:alpha val="5000"/>
+              </a:schemeClr>
+            </a:solidFill>
+          </a:ln>
+        </p:spPr>
+        <p:style>
+          <a:lnRef idx="2">
+            <a:schemeClr val="accent1">
+              <a:shade val="50000"/>
+            </a:schemeClr>
+          </a:lnRef>
+          <a:fillRef idx="1">
+            <a:schemeClr val="accent1"/>
+          </a:fillRef>
+          <a:effectRef idx="0">
+            <a:schemeClr val="accent1"/>
+          </a:effectRef>
+          <a:fontRef idx="minor">
+            <a:schemeClr val="lt1"/>
+          </a:fontRef>
+        </p:style>
+        <p:txBody>
+          <a:bodyPr vert="horz" lIns="91440" tIns="45720" rIns="91440" bIns="45720" anchor="t" anchorCtr="0">
+            <a:normAutofit lnSpcReduction="10000"/>
+          </a:bodyPr>
+          <a:p>
+            <a:pPr marL="0" indent="0" algn="l" defTabSz="914400" rtl="0" eaLnBrk="1" latinLnBrk="1" hangingPunct="1">
+              <a:lnSpc>
+                <a:spcPct val="200000"/>
+              </a:lnSpc>
+              <a:spcBef>
+                <a:spcPts val="0"/>
+              </a:spcBef>
+              <a:spcAft>
+                <a:spcPts val="0"/>
+              </a:spcAft>
+              <a:buFont typeface="Arial"/>
+              <a:buNone/>
+              <a:defRPr/>
+            </a:pPr>
+            <a:r>
+              <a:rPr xmlns:mc="http://schemas.openxmlformats.org/markup-compatibility/2006" xmlns:hp="http://schemas.haansoft.com/office/presentation/8.0" kumimoji="0" lang="ko-KR" altLang="en-US" sz="1800" b="0" i="0" u="none" strike="noStrike" kern="1200" cap="none" spc="-60" normalizeH="0" baseline="0" mc:Ignorable="hp" hp:hslEmbossed="0">
+                <a:ln w="9525" cap="flat" cmpd="sng" algn="ctr">
+                  <a:solidFill>
+                    <a:schemeClr val="accent1">
+                      <a:alpha val="0"/>
+                    </a:schemeClr>
+                  </a:solidFill>
+                  <a:prstDash val="solid"/>
+                  <a:round/>
+                  <a:headEnd w="med" len="med"/>
+                  <a:tailEnd w="med" len="med"/>
+                </a:ln>
+                <a:solidFill>
+                  <a:schemeClr val="tx1">
+                    <a:lumMod val="50000"/>
+                    <a:lumOff val="50000"/>
+                  </a:schemeClr>
+                </a:solidFill>
+                <a:latin typeface="맑은 고딕"/>
+                <a:ea typeface="맑은 고딕"/>
+              </a:rPr>
+              <a:t>예찬 </a:t>
+            </a:r>
+            <a:r>
+              <a:rPr xmlns:mc="http://schemas.openxmlformats.org/markup-compatibility/2006" xmlns:hp="http://schemas.haansoft.com/office/presentation/8.0" kumimoji="0" lang="en-US" altLang="ko-KR" sz="1800" b="0" i="0" u="none" strike="noStrike" kern="1200" cap="none" spc="-60" normalizeH="0" baseline="0" mc:Ignorable="hp" hp:hslEmbossed="0">
+                <a:ln w="9525" cap="flat" cmpd="sng" algn="ctr">
+                  <a:solidFill>
+                    <a:schemeClr val="accent1">
+                      <a:alpha val="0"/>
+                    </a:schemeClr>
+                  </a:solidFill>
+                  <a:prstDash val="solid"/>
+                  <a:round/>
+                  <a:headEnd w="med" len="med"/>
+                  <a:tailEnd w="med" len="med"/>
+                </a:ln>
+                <a:solidFill>
+                  <a:schemeClr val="tx1">
+                    <a:lumMod val="50000"/>
+                    <a:lumOff val="50000"/>
+                  </a:schemeClr>
+                </a:solidFill>
+                <a:latin typeface="맑은 고딕"/>
+                <a:ea typeface="맑은 고딕"/>
+              </a:rPr>
+              <a:t>:</a:t>
+            </a:r>
+            <a:r>
+              <a:rPr xmlns:mc="http://schemas.openxmlformats.org/markup-compatibility/2006" xmlns:hp="http://schemas.haansoft.com/office/presentation/8.0" kumimoji="0" lang="ko-KR" altLang="en-US" sz="1800" b="0" i="0" u="none" strike="noStrike" kern="1200" cap="none" spc="-60" normalizeH="0" baseline="0" mc:Ignorable="hp" hp:hslEmbossed="0">
+                <a:ln w="9525" cap="flat" cmpd="sng" algn="ctr">
+                  <a:solidFill>
+                    <a:schemeClr val="accent1">
+                      <a:alpha val="0"/>
+                    </a:schemeClr>
+                  </a:solidFill>
+                  <a:prstDash val="solid"/>
+                  <a:round/>
+                  <a:headEnd w="med" len="med"/>
+                  <a:tailEnd w="med" len="med"/>
+                </a:ln>
+                <a:solidFill>
+                  <a:schemeClr val="tx1">
+                    <a:lumMod val="50000"/>
+                    <a:lumOff val="50000"/>
+                  </a:schemeClr>
+                </a:solidFill>
+                <a:latin typeface="맑은 고딕"/>
+                <a:ea typeface="맑은 고딕"/>
+              </a:rPr>
+              <a:t> </a:t>
+            </a:r>
+            <a:endParaRPr xmlns:mc="http://schemas.openxmlformats.org/markup-compatibility/2006" xmlns:hp="http://schemas.haansoft.com/office/presentation/8.0" kumimoji="0" lang="ko-KR" altLang="en-US" sz="1800" b="0" i="0" u="none" strike="noStrike" kern="1200" cap="none" spc="-60" normalizeH="0" baseline="0" mc:Ignorable="hp" hp:hslEmbossed="0">
+              <a:ln w="9525" cap="flat" cmpd="sng" algn="ctr">
+                <a:solidFill>
+                  <a:schemeClr val="accent1">
+                    <a:alpha val="0"/>
+                  </a:schemeClr>
+                </a:solidFill>
+                <a:prstDash val="solid"/>
+                <a:round/>
+                <a:headEnd w="med" len="med"/>
+                <a:tailEnd w="med" len="med"/>
+              </a:ln>
+              <a:solidFill>
+                <a:schemeClr val="tx1">
+                  <a:lumMod val="50000"/>
+                  <a:lumOff val="50000"/>
+                </a:schemeClr>
+              </a:solidFill>
+              <a:latin typeface="맑은 고딕"/>
+              <a:ea typeface="맑은 고딕"/>
+            </a:endParaRPr>
+          </a:p>
+        </p:txBody>
+      </p:sp>
     </p:spTree>
   </p:cSld>
   <p:clrMapOvr>

--- a/텀프로젝트_결과발표_20205220이바다20205262최예찬.pptx
+++ b/텀프로젝트_결과발표_20205220이바다20205262최예찬.pptx
@@ -2,7 +2,7 @@
 <file path=ppt/presentation.xml><?xml version="1.0" encoding="utf-8"?>
 <p:presentation xmlns:r="http://schemas.openxmlformats.org/officeDocument/2006/relationships" xmlns:c="http://schemas.openxmlformats.org/drawingml/2006/chart" xmlns:a="http://schemas.openxmlformats.org/drawingml/2006/main" xmlns:dgm="http://schemas.openxmlformats.org/drawingml/2006/diagram" xmlns:dsp="http://schemas.microsoft.com/office/drawing/2008/diagram" xmlns:p="http://schemas.openxmlformats.org/presentationml/2006/main">
   <p:sldMasterIdLst>
-    <p:sldMasterId id="2147483663" r:id="rId1"/>
+    <p:sldMasterId id="2147483670" r:id="rId1"/>
   </p:sldMasterIdLst>
   <p:notesMasterIdLst>
     <p:notesMasterId r:id="rId2"/>
@@ -11241,8 +11241,8 @@
         </p:nvSpPr>
         <p:spPr>
           <a:xfrm>
-            <a:off x="7013268" y="1863759"/>
-            <a:ext cx="3886995" cy="4319873"/>
+            <a:off x="737790" y="2261428"/>
+            <a:ext cx="10716420" cy="3710272"/>
           </a:xfrm>
         </p:spPr>
         <p:txBody>
@@ -11352,89 +11352,6 @@
                 <a:ea typeface="맑은 고딕"/>
               </a:rPr>
               <a:t>”</a:t>
-            </a:r>
-            <a:endParaRPr lang="en-US" altLang="ko-KR" sz="1600">
-              <a:solidFill>
-                <a:schemeClr val="tx1">
-                  <a:lumMod val="50000"/>
-                  <a:lumOff val="50000"/>
-                </a:schemeClr>
-              </a:solidFill>
-              <a:latin typeface="맑은 고딕"/>
-              <a:ea typeface="맑은 고딕"/>
-            </a:endParaRPr>
-          </a:p>
-          <a:p>
-            <a:pPr algn="l">
-              <a:lnSpc>
-                <a:spcPct val="150000"/>
-              </a:lnSpc>
-              <a:defRPr/>
-            </a:pPr>
-            <a:r>
-              <a:rPr lang="ko-KR" altLang="en-US" sz="1600">
-                <a:solidFill>
-                  <a:schemeClr val="tx1">
-                    <a:lumMod val="50000"/>
-                    <a:lumOff val="50000"/>
-                  </a:schemeClr>
-                </a:solidFill>
-                <a:latin typeface="맑은 고딕"/>
-                <a:ea typeface="맑은 고딕"/>
-              </a:rPr>
-              <a:t>게임 진행 방식 </a:t>
-            </a:r>
-            <a:r>
-              <a:rPr lang="en-US" altLang="ko-KR" sz="1600">
-                <a:solidFill>
-                  <a:schemeClr val="tx1">
-                    <a:lumMod val="50000"/>
-                    <a:lumOff val="50000"/>
-                  </a:schemeClr>
-                </a:solidFill>
-                <a:latin typeface="맑은 고딕"/>
-                <a:ea typeface="맑은 고딕"/>
-              </a:rPr>
-              <a:t>-&gt; </a:t>
-            </a:r>
-            <a:r>
-              <a:rPr lang="ko-KR" altLang="en-US" sz="1600">
-                <a:solidFill>
-                  <a:schemeClr val="tx1">
-                    <a:lumMod val="50000"/>
-                    <a:lumOff val="50000"/>
-                  </a:schemeClr>
-                </a:solidFill>
-                <a:latin typeface="맑은 고딕"/>
-                <a:ea typeface="맑은 고딕"/>
-              </a:rPr>
-              <a:t>런앤건 형태 </a:t>
-            </a:r>
-            <a:r>
-              <a:rPr lang="en-US" altLang="ko-KR" sz="1600">
-                <a:solidFill>
-                  <a:schemeClr val="tx1">
-                    <a:lumMod val="50000"/>
-                    <a:lumOff val="50000"/>
-                  </a:schemeClr>
-                </a:solidFill>
-                <a:latin typeface="맑은 고딕"/>
-                <a:ea typeface="맑은 고딕"/>
-              </a:rPr>
-              <a:t>/ </a:t>
-            </a:r>
-            <a:r>
-              <a:rPr lang="ko-KR" altLang="en-US" sz="1600">
-                <a:solidFill>
-                  <a:schemeClr val="tx1">
-                    <a:lumMod val="50000"/>
-                    <a:lumOff val="50000"/>
-                  </a:schemeClr>
-                </a:solidFill>
-                <a:latin typeface="맑은 고딕"/>
-                <a:ea typeface="맑은 고딕"/>
-              </a:rPr>
-              <a:t>디펜스 형태</a:t>
             </a:r>
             <a:endParaRPr lang="ko-KR" altLang="en-US" sz="1600">
               <a:solidFill>
@@ -11514,7 +11431,7 @@
                 <a:latin typeface="맑은 고딕"/>
                 <a:ea typeface="맑은 고딕"/>
               </a:rPr>
-              <a:t>플레이어를 방해하는 적들을 제거하며 자동으로 이동하는 헬기를 타고 최종 목적지에 도착하는 것</a:t>
+              <a:t>플레이어를 방해하는 적들과 특정 건물을 공격하는 지상 적들을 제거하며 자동으로 이동하는 헬기를 타고 최종 목적지에 도착하는 것</a:t>
             </a:r>
             <a:endParaRPr lang="ko-KR" altLang="en-US" sz="1600">
               <a:solidFill>
@@ -11612,7 +11529,51 @@
               </a:rPr>
               <a:t>이 되면 패배</a:t>
             </a:r>
-            <a:endParaRPr lang="en-US" altLang="ko-KR" sz="1600">
+            <a:endParaRPr lang="ko-KR" altLang="en-US" sz="1600">
+              <a:solidFill>
+                <a:schemeClr val="tx1">
+                  <a:lumMod val="50000"/>
+                  <a:lumOff val="50000"/>
+                </a:schemeClr>
+              </a:solidFill>
+              <a:latin typeface="맑은 고딕"/>
+              <a:ea typeface="맑은 고딕"/>
+            </a:endParaRPr>
+          </a:p>
+          <a:p>
+            <a:pPr algn="l">
+              <a:lnSpc>
+                <a:spcPct val="150000"/>
+              </a:lnSpc>
+              <a:defRPr/>
+            </a:pPr>
+            <a:r>
+              <a:rPr lang="en-US" altLang="ko-KR" sz="1600">
+                <a:solidFill>
+                  <a:schemeClr val="tx1">
+                    <a:lumMod val="50000"/>
+                    <a:lumOff val="50000"/>
+                  </a:schemeClr>
+                </a:solidFill>
+                <a:latin typeface="맑은 고딕"/>
+                <a:ea typeface="맑은 고딕"/>
+              </a:rPr>
+              <a:t>-</a:t>
+            </a:r>
+            <a:r>
+              <a:rPr lang="ko-KR" altLang="en-US" sz="1600">
+                <a:solidFill>
+                  <a:schemeClr val="tx1">
+                    <a:lumMod val="50000"/>
+                    <a:lumOff val="50000"/>
+                  </a:schemeClr>
+                </a:solidFill>
+                <a:latin typeface="맑은 고딕"/>
+                <a:ea typeface="맑은 고딕"/>
+              </a:rPr>
+              <a:t> 특정 건물이 지상 적의 공격으로 인해 폭파되면 패배</a:t>
+            </a:r>
+            <a:endParaRPr lang="ko-KR" altLang="en-US" sz="1600">
               <a:solidFill>
                 <a:schemeClr val="tx1">
                   <a:lumMod val="50000"/>
@@ -11674,7 +11635,7 @@
         </p:nvSpPr>
         <p:spPr>
           <a:xfrm>
-            <a:off x="7013268" y="1319793"/>
+            <a:off x="800099" y="1500768"/>
             <a:ext cx="2369573" cy="567808"/>
           </a:xfrm>
           <a:prstGeom prst="rect">
@@ -12041,624 +12002,6 @@
           </a:fontRef>
         </p:style>
       </p:cxnSp>
-      <p:pic>
-        <p:nvPicPr>
-          <p:cNvPr id="3" name="그림 2"/>
-          <p:cNvPicPr>
-            <a:picLocks noChangeAspect="1"/>
-          </p:cNvPicPr>
-          <p:nvPr/>
-        </p:nvPicPr>
-        <p:blipFill rotWithShape="1">
-          <a:blip r:embed="rId2"/>
-          <a:stretch>
-            <a:fillRect/>
-          </a:stretch>
-        </p:blipFill>
-        <p:spPr>
-          <a:xfrm>
-            <a:off x="777501" y="1319793"/>
-            <a:ext cx="4775512" cy="2453960"/>
-          </a:xfrm>
-          <a:prstGeom prst="rect">
-            <a:avLst/>
-          </a:prstGeom>
-        </p:spPr>
-      </p:pic>
-      <p:pic>
-        <p:nvPicPr>
-          <p:cNvPr id="11" name="그림 10"/>
-          <p:cNvPicPr>
-            <a:picLocks noChangeAspect="1"/>
-          </p:cNvPicPr>
-          <p:nvPr/>
-        </p:nvPicPr>
-        <p:blipFill rotWithShape="1">
-          <a:blip r:embed="rId3"/>
-          <a:stretch>
-            <a:fillRect/>
-          </a:stretch>
-        </p:blipFill>
-        <p:spPr>
-          <a:xfrm>
-            <a:off x="777501" y="3954324"/>
-            <a:ext cx="3155280" cy="2366460"/>
-          </a:xfrm>
-          <a:prstGeom prst="rect">
-            <a:avLst/>
-          </a:prstGeom>
-        </p:spPr>
-      </p:pic>
-      <p:sp>
-        <p:nvSpPr>
-          <p:cNvPr id="19" name="텍스트 개체 틀 8"/>
-          <p:cNvSpPr txBox="1"/>
-          <p:nvPr/>
-        </p:nvSpPr>
-        <p:spPr>
-          <a:xfrm>
-            <a:off x="4062786" y="5898455"/>
-            <a:ext cx="2369573" cy="567808"/>
-          </a:xfrm>
-          <a:prstGeom prst="rect">
-            <a:avLst/>
-          </a:prstGeom>
-          <a:noFill/>
-          <a:ln w="3175" cap="flat" cmpd="sng" algn="ctr">
-            <a:solidFill>
-              <a:schemeClr val="bg1">
-                <a:lumMod val="50000"/>
-                <a:alpha val="5000"/>
-              </a:schemeClr>
-            </a:solidFill>
-            <a:prstDash val="solid"/>
-            <a:miter/>
-          </a:ln>
-          <a:effectLst/>
-        </p:spPr>
-        <p:txBody>
-          <a:bodyPr vert="horz" lIns="91440" tIns="45720" rIns="91440" bIns="45720" anchor="t" anchorCtr="0">
-            <a:normAutofit fontScale="92500" lnSpcReduction="20000"/>
-          </a:bodyPr>
-          <a:lstStyle>
-            <a:lvl1pPr marL="0" indent="0" algn="ctr" defTabSz="914400" rtl="0" eaLnBrk="1" latinLnBrk="1" hangingPunct="1">
-              <a:lnSpc>
-                <a:spcPct val="120000"/>
-              </a:lnSpc>
-              <a:spcBef>
-                <a:spcPts val="0"/>
-              </a:spcBef>
-              <a:buFont typeface="Arial"/>
-              <a:buNone/>
-              <a:defRPr lang="ko-KR" altLang="en-US" sz="1400" b="0" kern="1200" spc="-60" baseline="0" dirty="0" smtClean="0">
-                <a:ln w="9525">
-                  <a:solidFill>
-                    <a:schemeClr val="accent1">
-                      <a:alpha val="0"/>
-                    </a:schemeClr>
-                  </a:solidFill>
-                </a:ln>
-                <a:solidFill>
-                  <a:schemeClr val="bg1">
-                    <a:lumMod val="65000"/>
-                  </a:schemeClr>
-                </a:solidFill>
-                <a:latin typeface="+mn-lt"/>
-                <a:ea typeface="+mn-ea"/>
-                <a:cs typeface="+mn-cs"/>
-              </a:defRPr>
-            </a:lvl1pPr>
-            <a:lvl2pPr marL="0" indent="0" algn="ctr" defTabSz="914400" rtl="0" eaLnBrk="1" latinLnBrk="1" hangingPunct="1">
-              <a:lnSpc>
-                <a:spcPct val="120000"/>
-              </a:lnSpc>
-              <a:spcBef>
-                <a:spcPts val="0"/>
-              </a:spcBef>
-              <a:buFont typeface="Arial"/>
-              <a:buNone/>
-              <a:defRPr lang="ko-KR" altLang="en-US" sz="1800" b="0" kern="1200" spc="-60" baseline="0" smtClean="0">
-                <a:ln w="9525">
-                  <a:solidFill>
-                    <a:schemeClr val="accent1">
-                      <a:alpha val="0"/>
-                    </a:schemeClr>
-                  </a:solidFill>
-                </a:ln>
-                <a:solidFill>
-                  <a:schemeClr val="lt1"/>
-                </a:solidFill>
-                <a:latin typeface="+mn-lt"/>
-                <a:ea typeface="+mn-ea"/>
-                <a:cs typeface="+mn-cs"/>
-              </a:defRPr>
-            </a:lvl2pPr>
-            <a:lvl3pPr marL="0" indent="0" algn="ctr" defTabSz="914400" rtl="0" eaLnBrk="1" latinLnBrk="1" hangingPunct="1">
-              <a:lnSpc>
-                <a:spcPct val="120000"/>
-              </a:lnSpc>
-              <a:spcBef>
-                <a:spcPts val="0"/>
-              </a:spcBef>
-              <a:buFont typeface="Arial"/>
-              <a:buNone/>
-              <a:defRPr lang="ko-KR" altLang="en-US" sz="1800" b="0" kern="1200" spc="-60" baseline="0" smtClean="0">
-                <a:ln w="9525">
-                  <a:solidFill>
-                    <a:schemeClr val="accent1">
-                      <a:alpha val="0"/>
-                    </a:schemeClr>
-                  </a:solidFill>
-                </a:ln>
-                <a:solidFill>
-                  <a:schemeClr val="lt1"/>
-                </a:solidFill>
-                <a:latin typeface="+mn-lt"/>
-                <a:ea typeface="+mn-ea"/>
-                <a:cs typeface="+mn-cs"/>
-              </a:defRPr>
-            </a:lvl3pPr>
-            <a:lvl4pPr marL="0" indent="0" algn="ctr" defTabSz="914400" rtl="0" eaLnBrk="1" latinLnBrk="1" hangingPunct="1">
-              <a:lnSpc>
-                <a:spcPct val="120000"/>
-              </a:lnSpc>
-              <a:spcBef>
-                <a:spcPts val="0"/>
-              </a:spcBef>
-              <a:buFont typeface="Arial"/>
-              <a:buNone/>
-              <a:defRPr lang="ko-KR" altLang="en-US" sz="1800" b="0" kern="1200" spc="-60" baseline="0" smtClean="0">
-                <a:ln w="9525">
-                  <a:solidFill>
-                    <a:schemeClr val="accent1">
-                      <a:alpha val="0"/>
-                    </a:schemeClr>
-                  </a:solidFill>
-                </a:ln>
-                <a:solidFill>
-                  <a:schemeClr val="lt1"/>
-                </a:solidFill>
-                <a:latin typeface="+mn-lt"/>
-                <a:ea typeface="+mn-ea"/>
-                <a:cs typeface="+mn-cs"/>
-              </a:defRPr>
-            </a:lvl4pPr>
-            <a:lvl5pPr marL="0" indent="0" algn="ctr" defTabSz="914400" rtl="0" eaLnBrk="1" latinLnBrk="1" hangingPunct="1">
-              <a:lnSpc>
-                <a:spcPct val="120000"/>
-              </a:lnSpc>
-              <a:spcBef>
-                <a:spcPts val="0"/>
-              </a:spcBef>
-              <a:buFont typeface="Arial"/>
-              <a:buNone/>
-              <a:defRPr lang="ko-KR" altLang="en-US" sz="1800" b="0" kern="1200" spc="-60" baseline="0">
-                <a:ln w="9525">
-                  <a:solidFill>
-                    <a:schemeClr val="accent1">
-                      <a:alpha val="0"/>
-                    </a:schemeClr>
-                  </a:solidFill>
-                </a:ln>
-                <a:solidFill>
-                  <a:schemeClr val="lt1"/>
-                </a:solidFill>
-                <a:latin typeface="+mn-lt"/>
-                <a:ea typeface="+mn-ea"/>
-                <a:cs typeface="+mn-cs"/>
-              </a:defRPr>
-            </a:lvl5pPr>
-            <a:lvl6pPr marL="2514600" indent="-228600" algn="l" defTabSz="914400" rtl="0" eaLnBrk="1" latinLnBrk="1" hangingPunct="1">
-              <a:lnSpc>
-                <a:spcPct val="90000"/>
-              </a:lnSpc>
-              <a:spcBef>
-                <a:spcPts val="500"/>
-              </a:spcBef>
-              <a:buFont typeface="Arial"/>
-              <a:buChar char="•"/>
-              <a:defRPr sz="1800" kern="1200">
-                <a:solidFill>
-                  <a:schemeClr val="lt1"/>
-                </a:solidFill>
-                <a:latin typeface="+mn-lt"/>
-                <a:ea typeface="+mn-ea"/>
-                <a:cs typeface="+mn-cs"/>
-              </a:defRPr>
-            </a:lvl6pPr>
-            <a:lvl7pPr marL="2971800" indent="-228600" algn="l" defTabSz="914400" rtl="0" eaLnBrk="1" latinLnBrk="1" hangingPunct="1">
-              <a:lnSpc>
-                <a:spcPct val="90000"/>
-              </a:lnSpc>
-              <a:spcBef>
-                <a:spcPts val="500"/>
-              </a:spcBef>
-              <a:buFont typeface="Arial"/>
-              <a:buChar char="•"/>
-              <a:defRPr sz="1800" kern="1200">
-                <a:solidFill>
-                  <a:schemeClr val="lt1"/>
-                </a:solidFill>
-                <a:latin typeface="+mn-lt"/>
-                <a:ea typeface="+mn-ea"/>
-                <a:cs typeface="+mn-cs"/>
-              </a:defRPr>
-            </a:lvl7pPr>
-            <a:lvl8pPr marL="3429000" indent="-228600" algn="l" defTabSz="914400" rtl="0" eaLnBrk="1" latinLnBrk="1" hangingPunct="1">
-              <a:lnSpc>
-                <a:spcPct val="90000"/>
-              </a:lnSpc>
-              <a:spcBef>
-                <a:spcPts val="500"/>
-              </a:spcBef>
-              <a:buFont typeface="Arial"/>
-              <a:buChar char="•"/>
-              <a:defRPr sz="1800" kern="1200">
-                <a:solidFill>
-                  <a:schemeClr val="lt1"/>
-                </a:solidFill>
-                <a:latin typeface="+mn-lt"/>
-                <a:ea typeface="+mn-ea"/>
-                <a:cs typeface="+mn-cs"/>
-              </a:defRPr>
-            </a:lvl8pPr>
-            <a:lvl9pPr marL="3886200" indent="-228600" algn="l" defTabSz="914400" rtl="0" eaLnBrk="1" latinLnBrk="1" hangingPunct="1">
-              <a:lnSpc>
-                <a:spcPct val="90000"/>
-              </a:lnSpc>
-              <a:spcBef>
-                <a:spcPts val="500"/>
-              </a:spcBef>
-              <a:buFont typeface="Arial"/>
-              <a:buChar char="•"/>
-              <a:defRPr sz="1800" kern="1200">
-                <a:solidFill>
-                  <a:schemeClr val="lt1"/>
-                </a:solidFill>
-                <a:latin typeface="+mn-lt"/>
-                <a:ea typeface="+mn-ea"/>
-                <a:cs typeface="+mn-cs"/>
-              </a:defRPr>
-            </a:lvl9pPr>
-          </a:lstStyle>
-          <a:p>
-            <a:pPr algn="l">
-              <a:defRPr/>
-            </a:pPr>
-            <a:r>
-              <a:rPr lang="en-US" altLang="ko-KR" sz="1600" b="1">
-                <a:solidFill>
-                  <a:schemeClr val="bg1">
-                    <a:lumMod val="75000"/>
-                  </a:schemeClr>
-                </a:solidFill>
-                <a:latin typeface="맑은 고딕"/>
-                <a:ea typeface="맑은 고딕"/>
-              </a:rPr>
-              <a:t>-&gt; Metal Slug 3</a:t>
-            </a:r>
-            <a:endParaRPr lang="en-US" altLang="ko-KR" sz="1600" b="1">
-              <a:solidFill>
-                <a:schemeClr val="bg1">
-                  <a:lumMod val="75000"/>
-                </a:schemeClr>
-              </a:solidFill>
-              <a:latin typeface="맑은 고딕"/>
-              <a:ea typeface="맑은 고딕"/>
-            </a:endParaRPr>
-          </a:p>
-          <a:p>
-            <a:pPr algn="l">
-              <a:defRPr/>
-            </a:pPr>
-            <a:r>
-              <a:rPr lang="ko-KR" altLang="en-US" sz="1600" b="1">
-                <a:solidFill>
-                  <a:schemeClr val="bg1">
-                    <a:lumMod val="75000"/>
-                  </a:schemeClr>
-                </a:solidFill>
-                <a:latin typeface="맑은 고딕"/>
-                <a:ea typeface="맑은 고딕"/>
-              </a:rPr>
-              <a:t>스테이지 진행 방식</a:t>
-            </a:r>
-            <a:endParaRPr lang="en-US" altLang="ko-KR" sz="2000">
-              <a:solidFill>
-                <a:schemeClr val="bg1">
-                  <a:lumMod val="75000"/>
-                </a:schemeClr>
-              </a:solidFill>
-              <a:latin typeface="맑은 고딕"/>
-              <a:ea typeface="맑은 고딕"/>
-            </a:endParaRPr>
-          </a:p>
-        </p:txBody>
-      </p:sp>
-      <p:sp>
-        <p:nvSpPr>
-          <p:cNvPr id="21" name="텍스트 개체 틀 8"/>
-          <p:cNvSpPr txBox="1"/>
-          <p:nvPr/>
-        </p:nvSpPr>
-        <p:spPr>
-          <a:xfrm>
-            <a:off x="4062785" y="3891884"/>
-            <a:ext cx="2369573" cy="567808"/>
-          </a:xfrm>
-          <a:prstGeom prst="rect">
-            <a:avLst/>
-          </a:prstGeom>
-          <a:noFill/>
-          <a:ln w="3175" cap="flat" cmpd="sng" algn="ctr">
-            <a:solidFill>
-              <a:schemeClr val="bg1">
-                <a:lumMod val="50000"/>
-                <a:alpha val="5000"/>
-              </a:schemeClr>
-            </a:solidFill>
-            <a:prstDash val="solid"/>
-            <a:miter/>
-          </a:ln>
-          <a:effectLst/>
-        </p:spPr>
-        <p:txBody>
-          <a:bodyPr vert="horz" lIns="91440" tIns="45720" rIns="91440" bIns="45720" anchor="t" anchorCtr="0">
-            <a:normAutofit fontScale="70000" lnSpcReduction="20000"/>
-          </a:bodyPr>
-          <a:lstStyle>
-            <a:lvl1pPr marL="0" indent="0" algn="ctr" defTabSz="914400" rtl="0" eaLnBrk="1" latinLnBrk="1" hangingPunct="1">
-              <a:lnSpc>
-                <a:spcPct val="120000"/>
-              </a:lnSpc>
-              <a:spcBef>
-                <a:spcPts val="0"/>
-              </a:spcBef>
-              <a:buFont typeface="Arial"/>
-              <a:buNone/>
-              <a:defRPr lang="ko-KR" altLang="en-US" sz="1400" b="0" kern="1200" spc="-60" baseline="0" dirty="0" smtClean="0">
-                <a:ln w="9525">
-                  <a:solidFill>
-                    <a:schemeClr val="accent1">
-                      <a:alpha val="0"/>
-                    </a:schemeClr>
-                  </a:solidFill>
-                </a:ln>
-                <a:solidFill>
-                  <a:schemeClr val="bg1">
-                    <a:lumMod val="65000"/>
-                  </a:schemeClr>
-                </a:solidFill>
-                <a:latin typeface="+mn-lt"/>
-                <a:ea typeface="+mn-ea"/>
-                <a:cs typeface="+mn-cs"/>
-              </a:defRPr>
-            </a:lvl1pPr>
-            <a:lvl2pPr marL="0" indent="0" algn="ctr" defTabSz="914400" rtl="0" eaLnBrk="1" latinLnBrk="1" hangingPunct="1">
-              <a:lnSpc>
-                <a:spcPct val="120000"/>
-              </a:lnSpc>
-              <a:spcBef>
-                <a:spcPts val="0"/>
-              </a:spcBef>
-              <a:buFont typeface="Arial"/>
-              <a:buNone/>
-              <a:defRPr lang="ko-KR" altLang="en-US" sz="1800" b="0" kern="1200" spc="-60" baseline="0" smtClean="0">
-                <a:ln w="9525">
-                  <a:solidFill>
-                    <a:schemeClr val="accent1">
-                      <a:alpha val="0"/>
-                    </a:schemeClr>
-                  </a:solidFill>
-                </a:ln>
-                <a:solidFill>
-                  <a:schemeClr val="lt1"/>
-                </a:solidFill>
-                <a:latin typeface="+mn-lt"/>
-                <a:ea typeface="+mn-ea"/>
-                <a:cs typeface="+mn-cs"/>
-              </a:defRPr>
-            </a:lvl2pPr>
-            <a:lvl3pPr marL="0" indent="0" algn="ctr" defTabSz="914400" rtl="0" eaLnBrk="1" latinLnBrk="1" hangingPunct="1">
-              <a:lnSpc>
-                <a:spcPct val="120000"/>
-              </a:lnSpc>
-              <a:spcBef>
-                <a:spcPts val="0"/>
-              </a:spcBef>
-              <a:buFont typeface="Arial"/>
-              <a:buNone/>
-              <a:defRPr lang="ko-KR" altLang="en-US" sz="1800" b="0" kern="1200" spc="-60" baseline="0" smtClean="0">
-                <a:ln w="9525">
-                  <a:solidFill>
-                    <a:schemeClr val="accent1">
-                      <a:alpha val="0"/>
-                    </a:schemeClr>
-                  </a:solidFill>
-                </a:ln>
-                <a:solidFill>
-                  <a:schemeClr val="lt1"/>
-                </a:solidFill>
-                <a:latin typeface="+mn-lt"/>
-                <a:ea typeface="+mn-ea"/>
-                <a:cs typeface="+mn-cs"/>
-              </a:defRPr>
-            </a:lvl3pPr>
-            <a:lvl4pPr marL="0" indent="0" algn="ctr" defTabSz="914400" rtl="0" eaLnBrk="1" latinLnBrk="1" hangingPunct="1">
-              <a:lnSpc>
-                <a:spcPct val="120000"/>
-              </a:lnSpc>
-              <a:spcBef>
-                <a:spcPts val="0"/>
-              </a:spcBef>
-              <a:buFont typeface="Arial"/>
-              <a:buNone/>
-              <a:defRPr lang="ko-KR" altLang="en-US" sz="1800" b="0" kern="1200" spc="-60" baseline="0" smtClean="0">
-                <a:ln w="9525">
-                  <a:solidFill>
-                    <a:schemeClr val="accent1">
-                      <a:alpha val="0"/>
-                    </a:schemeClr>
-                  </a:solidFill>
-                </a:ln>
-                <a:solidFill>
-                  <a:schemeClr val="lt1"/>
-                </a:solidFill>
-                <a:latin typeface="+mn-lt"/>
-                <a:ea typeface="+mn-ea"/>
-                <a:cs typeface="+mn-cs"/>
-              </a:defRPr>
-            </a:lvl4pPr>
-            <a:lvl5pPr marL="0" indent="0" algn="ctr" defTabSz="914400" rtl="0" eaLnBrk="1" latinLnBrk="1" hangingPunct="1">
-              <a:lnSpc>
-                <a:spcPct val="120000"/>
-              </a:lnSpc>
-              <a:spcBef>
-                <a:spcPts val="0"/>
-              </a:spcBef>
-              <a:buFont typeface="Arial"/>
-              <a:buNone/>
-              <a:defRPr lang="ko-KR" altLang="en-US" sz="1800" b="0" kern="1200" spc="-60" baseline="0">
-                <a:ln w="9525">
-                  <a:solidFill>
-                    <a:schemeClr val="accent1">
-                      <a:alpha val="0"/>
-                    </a:schemeClr>
-                  </a:solidFill>
-                </a:ln>
-                <a:solidFill>
-                  <a:schemeClr val="lt1"/>
-                </a:solidFill>
-                <a:latin typeface="+mn-lt"/>
-                <a:ea typeface="+mn-ea"/>
-                <a:cs typeface="+mn-cs"/>
-              </a:defRPr>
-            </a:lvl5pPr>
-            <a:lvl6pPr marL="2514600" indent="-228600" algn="l" defTabSz="914400" rtl="0" eaLnBrk="1" latinLnBrk="1" hangingPunct="1">
-              <a:lnSpc>
-                <a:spcPct val="90000"/>
-              </a:lnSpc>
-              <a:spcBef>
-                <a:spcPts val="500"/>
-              </a:spcBef>
-              <a:buFont typeface="Arial"/>
-              <a:buChar char="•"/>
-              <a:defRPr sz="1800" kern="1200">
-                <a:solidFill>
-                  <a:schemeClr val="lt1"/>
-                </a:solidFill>
-                <a:latin typeface="+mn-lt"/>
-                <a:ea typeface="+mn-ea"/>
-                <a:cs typeface="+mn-cs"/>
-              </a:defRPr>
-            </a:lvl6pPr>
-            <a:lvl7pPr marL="2971800" indent="-228600" algn="l" defTabSz="914400" rtl="0" eaLnBrk="1" latinLnBrk="1" hangingPunct="1">
-              <a:lnSpc>
-                <a:spcPct val="90000"/>
-              </a:lnSpc>
-              <a:spcBef>
-                <a:spcPts val="500"/>
-              </a:spcBef>
-              <a:buFont typeface="Arial"/>
-              <a:buChar char="•"/>
-              <a:defRPr sz="1800" kern="1200">
-                <a:solidFill>
-                  <a:schemeClr val="lt1"/>
-                </a:solidFill>
-                <a:latin typeface="+mn-lt"/>
-                <a:ea typeface="+mn-ea"/>
-                <a:cs typeface="+mn-cs"/>
-              </a:defRPr>
-            </a:lvl7pPr>
-            <a:lvl8pPr marL="3429000" indent="-228600" algn="l" defTabSz="914400" rtl="0" eaLnBrk="1" latinLnBrk="1" hangingPunct="1">
-              <a:lnSpc>
-                <a:spcPct val="90000"/>
-              </a:lnSpc>
-              <a:spcBef>
-                <a:spcPts val="500"/>
-              </a:spcBef>
-              <a:buFont typeface="Arial"/>
-              <a:buChar char="•"/>
-              <a:defRPr sz="1800" kern="1200">
-                <a:solidFill>
-                  <a:schemeClr val="lt1"/>
-                </a:solidFill>
-                <a:latin typeface="+mn-lt"/>
-                <a:ea typeface="+mn-ea"/>
-                <a:cs typeface="+mn-cs"/>
-              </a:defRPr>
-            </a:lvl8pPr>
-            <a:lvl9pPr marL="3886200" indent="-228600" algn="l" defTabSz="914400" rtl="0" eaLnBrk="1" latinLnBrk="1" hangingPunct="1">
-              <a:lnSpc>
-                <a:spcPct val="90000"/>
-              </a:lnSpc>
-              <a:spcBef>
-                <a:spcPts val="500"/>
-              </a:spcBef>
-              <a:buFont typeface="Arial"/>
-              <a:buChar char="•"/>
-              <a:defRPr sz="1800" kern="1200">
-                <a:solidFill>
-                  <a:schemeClr val="lt1"/>
-                </a:solidFill>
-                <a:latin typeface="+mn-lt"/>
-                <a:ea typeface="+mn-ea"/>
-                <a:cs typeface="+mn-cs"/>
-              </a:defRPr>
-            </a:lvl9pPr>
-          </a:lstStyle>
-          <a:p>
-            <a:pPr algn="l">
-              <a:defRPr/>
-            </a:pPr>
-            <a:r>
-              <a:rPr lang="ko-KR" altLang="en-US" sz="1600" b="1">
-                <a:solidFill>
-                  <a:schemeClr val="bg1">
-                    <a:lumMod val="75000"/>
-                  </a:schemeClr>
-                </a:solidFill>
-                <a:latin typeface="맑은 고딕"/>
-                <a:ea typeface="맑은 고딕"/>
-              </a:rPr>
-              <a:t>ㄴ</a:t>
-            </a:r>
-            <a:r>
-              <a:rPr lang="en-US" altLang="ko-KR" sz="1600" b="1">
-                <a:solidFill>
-                  <a:schemeClr val="bg1">
-                    <a:lumMod val="75000"/>
-                  </a:schemeClr>
-                </a:solidFill>
-                <a:latin typeface="맑은 고딕"/>
-                <a:ea typeface="맑은 고딕"/>
-              </a:rPr>
-              <a:t> </a:t>
-            </a:r>
-            <a:r>
-              <a:rPr lang="en-US" altLang="ko-KR" sz="2000" b="1">
-                <a:solidFill>
-                  <a:schemeClr val="bg1">
-                    <a:lumMod val="75000"/>
-                  </a:schemeClr>
-                </a:solidFill>
-                <a:latin typeface="맑은 고딕"/>
-                <a:ea typeface="맑은 고딕"/>
-              </a:rPr>
-              <a:t>FAR CRY 3 Blood Dragon</a:t>
-            </a:r>
-            <a:endParaRPr lang="en-US" altLang="ko-KR" sz="2000" b="1">
-              <a:solidFill>
-                <a:schemeClr val="bg1">
-                  <a:lumMod val="75000"/>
-                </a:schemeClr>
-              </a:solidFill>
-              <a:latin typeface="맑은 고딕"/>
-              <a:ea typeface="맑은 고딕"/>
-            </a:endParaRPr>
-          </a:p>
-        </p:txBody>
-      </p:sp>
     </p:spTree>
   </p:cSld>
   <p:clrMapOvr>
@@ -12837,8 +12180,8 @@
         </p:nvSpPr>
         <p:spPr>
           <a:xfrm>
-            <a:off x="6096000" y="1730055"/>
-            <a:ext cx="2934657" cy="1297470"/>
+            <a:off x="8001001" y="1801493"/>
+            <a:ext cx="3494251" cy="1321283"/>
           </a:xfrm>
         </p:spPr>
         <p:txBody>
@@ -12994,7 +12337,7 @@
                 <a:latin typeface="맑은 고딕"/>
                 <a:ea typeface="맑은 고딕"/>
               </a:rPr>
-              <a:t> 맵 구현 </a:t>
+              <a:t> 전체적인 맵 구현 </a:t>
             </a:r>
             <a:endParaRPr lang="ko-KR" altLang="en-US" sz="1800">
               <a:solidFill>
@@ -13197,7 +12540,7 @@
         </p:nvSpPr>
         <p:spPr>
           <a:xfrm>
-            <a:off x="6096000" y="4417249"/>
+            <a:off x="8858251" y="4369624"/>
             <a:ext cx="2401257" cy="1259370"/>
           </a:xfrm>
           <a:prstGeom prst="rect">
@@ -13524,13 +12867,13 @@
         </p:nvSpPr>
         <p:spPr>
           <a:xfrm>
-            <a:off x="810204" y="1421837"/>
+            <a:off x="810204" y="1871893"/>
             <a:ext cx="10571591" cy="4116370"/>
           </a:xfrm>
         </p:spPr>
         <p:txBody>
           <a:bodyPr anchor="t">
-            <a:normAutofit fontScale="85000" lnSpcReduction="10000"/>
+            <a:normAutofit fontScale="62500" lnSpcReduction="20000"/>
           </a:bodyPr>
           <a:lstStyle/>
           <a:p>
@@ -13551,7 +12894,7 @@
                 <a:latin typeface="맑은 고딕"/>
                 <a:ea typeface="맑은 고딕"/>
               </a:rPr>
-              <a:t>디자인</a:t>
+              <a:t>이동</a:t>
             </a:r>
             <a:endParaRPr lang="ko-KR" altLang="en-US" sz="2000" b="1">
               <a:solidFill>
@@ -13582,7 +12925,7 @@
                 <a:latin typeface="맑은 고딕"/>
                 <a:ea typeface="맑은 고딕"/>
               </a:rPr>
-              <a:t>80</a:t>
+              <a:t>waypoint</a:t>
             </a:r>
             <a:r>
               <a:rPr lang="ko-KR" altLang="en-US" sz="2000">
@@ -13595,59 +12938,7 @@
                 <a:latin typeface="맑은 고딕"/>
                 <a:ea typeface="맑은 고딕"/>
               </a:rPr>
-              <a:t>년대 미래 도시 </a:t>
-            </a:r>
-            <a:r>
-              <a:rPr lang="en-US" altLang="ko-KR" sz="2000">
-                <a:solidFill>
-                  <a:schemeClr val="tx1">
-                    <a:lumMod val="50000"/>
-                    <a:lumOff val="50000"/>
-                  </a:schemeClr>
-                </a:solidFill>
-                <a:latin typeface="맑은 고딕"/>
-                <a:ea typeface="맑은 고딕"/>
-              </a:rPr>
-              <a:t>/ </a:t>
-            </a:r>
-            <a:r>
-              <a:rPr lang="ko-KR" altLang="en-US" sz="2000">
-                <a:solidFill>
-                  <a:schemeClr val="tx1">
-                    <a:lumMod val="50000"/>
-                    <a:lumOff val="50000"/>
-                  </a:schemeClr>
-                </a:solidFill>
-                <a:latin typeface="맑은 고딕"/>
-                <a:ea typeface="맑은 고딕"/>
-              </a:rPr>
-              <a:t>사이버펑크 </a:t>
-            </a:r>
-            <a:r>
-              <a:rPr lang="en-US" altLang="ko-KR" sz="2000">
-                <a:solidFill>
-                  <a:schemeClr val="tx1">
-                    <a:lumMod val="50000"/>
-                    <a:lumOff val="50000"/>
-                  </a:schemeClr>
-                </a:solidFill>
-                <a:latin typeface="맑은 고딕"/>
-                <a:ea typeface="맑은 고딕"/>
-              </a:rPr>
-              <a:t>/ </a:t>
-            </a:r>
-            <a:r>
-              <a:rPr lang="ko-KR" altLang="en-US" sz="2000">
-                <a:solidFill>
-                  <a:schemeClr val="tx1">
-                    <a:lumMod val="50000"/>
-                    <a:lumOff val="50000"/>
-                  </a:schemeClr>
-                </a:solidFill>
-                <a:latin typeface="맑은 고딕"/>
-                <a:ea typeface="맑은 고딕"/>
-              </a:rPr>
-              <a:t>레트로 웨이브 느낌의 그래픽</a:t>
+              <a:t>를 이용하여 자동으로 이동</a:t>
             </a:r>
             <a:endParaRPr lang="ko-KR" altLang="en-US" sz="2000">
               <a:solidFill>
@@ -13668,7 +12959,7 @@
               <a:defRPr/>
             </a:pPr>
             <a:r>
-              <a:rPr lang="ko-KR" altLang="en-US" sz="2000">
+              <a:rPr lang="ko-KR" altLang="en-US" sz="2000" b="1">
                 <a:solidFill>
                   <a:schemeClr val="tx1">
                     <a:lumMod val="50000"/>
@@ -13678,7 +12969,90 @@
                 <a:latin typeface="맑은 고딕"/>
                 <a:ea typeface="맑은 고딕"/>
               </a:rPr>
-              <a:t>현실과 비슷한 그래픽</a:t>
+              <a:t>공격</a:t>
+            </a:r>
+            <a:endParaRPr lang="ko-KR" altLang="en-US" sz="2000" b="1">
+              <a:solidFill>
+                <a:schemeClr val="tx1">
+                  <a:lumMod val="50000"/>
+                  <a:lumOff val="50000"/>
+                </a:schemeClr>
+              </a:solidFill>
+              <a:latin typeface="맑은 고딕"/>
+              <a:ea typeface="맑은 고딕"/>
+            </a:endParaRPr>
+          </a:p>
+          <a:p>
+            <a:pPr algn="l">
+              <a:lnSpc>
+                <a:spcPct val="200000"/>
+              </a:lnSpc>
+              <a:defRPr/>
+            </a:pPr>
+            <a:r>
+              <a:rPr lang="ko-KR" altLang="en-US" sz="2000">
+                <a:solidFill>
+                  <a:schemeClr val="tx1">
+                    <a:lumMod val="50000"/>
+                    <a:lumOff val="50000"/>
+                  </a:schemeClr>
+                </a:solidFill>
+                <a:latin typeface="맑은 고딕"/>
+                <a:ea typeface="맑은 고딕"/>
+              </a:rPr>
+              <a:t>화면 터치 </a:t>
+            </a:r>
+            <a:r>
+              <a:rPr lang="en-US" altLang="ko-KR" sz="2000">
+                <a:solidFill>
+                  <a:schemeClr val="tx1">
+                    <a:lumMod val="50000"/>
+                    <a:lumOff val="50000"/>
+                  </a:schemeClr>
+                </a:solidFill>
+                <a:latin typeface="맑은 고딕"/>
+                <a:ea typeface="맑은 고딕"/>
+              </a:rPr>
+              <a:t>-</a:t>
+            </a:r>
+            <a:r>
+              <a:rPr lang="ko-KR" altLang="en-US" sz="2000">
+                <a:solidFill>
+                  <a:schemeClr val="tx1">
+                    <a:lumMod val="50000"/>
+                    <a:lumOff val="50000"/>
+                  </a:schemeClr>
+                </a:solidFill>
+                <a:latin typeface="맑은 고딕"/>
+                <a:ea typeface="맑은 고딕"/>
+              </a:rPr>
+              <a:t> 꾹 누르고 있으면 </a:t>
+            </a:r>
+            <a:r>
+              <a:rPr lang="en-US" altLang="ko-KR" sz="2000">
+                <a:solidFill>
+                  <a:schemeClr val="tx1">
+                    <a:lumMod val="50000"/>
+                    <a:lumOff val="50000"/>
+                  </a:schemeClr>
+                </a:solidFill>
+                <a:latin typeface="맑은 고딕"/>
+                <a:ea typeface="맑은 고딕"/>
+              </a:rPr>
+              <a:t>150</a:t>
+            </a:r>
+            <a:r>
+              <a:rPr lang="ko-KR" altLang="en-US" sz="2000">
+                <a:solidFill>
+                  <a:schemeClr val="tx1">
+                    <a:lumMod val="50000"/>
+                    <a:lumOff val="50000"/>
+                  </a:schemeClr>
+                </a:solidFill>
+                <a:latin typeface="맑은 고딕"/>
+                <a:ea typeface="맑은 고딕"/>
+              </a:rPr>
+              <a:t>발까지 계속 총알 발사</a:t>
             </a:r>
             <a:endParaRPr lang="ko-KR" altLang="en-US" sz="2000">
               <a:solidFill>
@@ -13709,7 +13083,46 @@
                 <a:latin typeface="맑은 고딕"/>
                 <a:ea typeface="맑은 고딕"/>
               </a:rPr>
-              <a:t>복셀 그래픽 중 어떤 그래픽으로 제작할 지 구상 중</a:t>
+              <a:t>총알 부족하면 </a:t>
+            </a:r>
+            <a:r>
+              <a:rPr lang="en-US" altLang="ko-KR" sz="2000">
+                <a:solidFill>
+                  <a:schemeClr val="tx1">
+                    <a:lumMod val="50000"/>
+                    <a:lumOff val="50000"/>
+                  </a:schemeClr>
+                </a:solidFill>
+                <a:latin typeface="맑은 고딕"/>
+                <a:ea typeface="맑은 고딕"/>
+              </a:rPr>
+              <a:t>1.5</a:t>
+            </a:r>
+            <a:r>
+              <a:rPr lang="ko-KR" altLang="en-US" sz="2000">
+                <a:solidFill>
+                  <a:schemeClr val="tx1">
+                    <a:lumMod val="50000"/>
+                    <a:lumOff val="50000"/>
+                  </a:schemeClr>
+                </a:solidFill>
+                <a:latin typeface="맑은 고딕"/>
+                <a:ea typeface="맑은 고딕"/>
+              </a:rPr>
+              <a:t>초 동안 </a:t>
+            </a:r>
+            <a:r>
+              <a:rPr lang="en-US" altLang="ko-KR" sz="2000">
+                <a:solidFill>
+                  <a:schemeClr val="tx1">
+                    <a:lumMod val="50000"/>
+                    <a:lumOff val="50000"/>
+                  </a:schemeClr>
+                </a:solidFill>
+                <a:latin typeface="맑은 고딕"/>
+                <a:ea typeface="맑은 고딕"/>
+              </a:rPr>
+              <a:t>Reloding</a:t>
             </a:r>
             <a:endParaRPr lang="ko-KR" altLang="en-US" sz="2000">
               <a:solidFill>
@@ -13729,6 +13142,260 @@
               </a:lnSpc>
               <a:defRPr/>
             </a:pPr>
+            <a:r>
+              <a:rPr lang="ko-KR" altLang="en-US" sz="2000">
+                <a:solidFill>
+                  <a:schemeClr val="tx1">
+                    <a:lumMod val="50000"/>
+                    <a:lumOff val="50000"/>
+                  </a:schemeClr>
+                </a:solidFill>
+                <a:latin typeface="맑은 고딕"/>
+                <a:ea typeface="맑은 고딕"/>
+              </a:rPr>
+              <a:t>총알은 화면의 중앙으로 발사됨</a:t>
+            </a:r>
+            <a:endParaRPr lang="ko-KR" altLang="en-US" sz="2000">
+              <a:solidFill>
+                <a:schemeClr val="tx1">
+                  <a:lumMod val="50000"/>
+                  <a:lumOff val="50000"/>
+                </a:schemeClr>
+              </a:solidFill>
+              <a:latin typeface="맑은 고딕"/>
+              <a:ea typeface="맑은 고딕"/>
+            </a:endParaRPr>
+          </a:p>
+          <a:p>
+            <a:pPr algn="l">
+              <a:lnSpc>
+                <a:spcPct val="200000"/>
+              </a:lnSpc>
+              <a:defRPr/>
+            </a:pPr>
+            <a:r>
+              <a:rPr lang="ko-KR" altLang="en-US" sz="2000" b="1">
+                <a:solidFill>
+                  <a:schemeClr val="tx1">
+                    <a:lumMod val="50000"/>
+                    <a:lumOff val="50000"/>
+                  </a:schemeClr>
+                </a:solidFill>
+                <a:latin typeface="맑은 고딕"/>
+                <a:ea typeface="맑은 고딕"/>
+              </a:rPr>
+              <a:t>특수 공격</a:t>
+            </a:r>
+            <a:endParaRPr lang="ko-KR" altLang="en-US" sz="2000" b="1">
+              <a:solidFill>
+                <a:schemeClr val="tx1">
+                  <a:lumMod val="50000"/>
+                  <a:lumOff val="50000"/>
+                </a:schemeClr>
+              </a:solidFill>
+              <a:latin typeface="맑은 고딕"/>
+              <a:ea typeface="맑은 고딕"/>
+            </a:endParaRPr>
+          </a:p>
+          <a:p>
+            <a:pPr algn="l">
+              <a:lnSpc>
+                <a:spcPct val="200000"/>
+              </a:lnSpc>
+              <a:defRPr/>
+            </a:pPr>
+            <a:r>
+              <a:rPr lang="ko-KR" altLang="en-US" sz="2000">
+                <a:solidFill>
+                  <a:schemeClr val="tx1">
+                    <a:lumMod val="50000"/>
+                    <a:lumOff val="50000"/>
+                  </a:schemeClr>
+                </a:solidFill>
+                <a:latin typeface="맑은 고딕"/>
+                <a:ea typeface="맑은 고딕"/>
+              </a:rPr>
+              <a:t>플레이어가 총 쏘는 곳 뒤를 보면 동료 </a:t>
+            </a:r>
+            <a:r>
+              <a:rPr lang="en-US" altLang="ko-KR" sz="2000">
+                <a:solidFill>
+                  <a:schemeClr val="tx1">
+                    <a:lumMod val="50000"/>
+                    <a:lumOff val="50000"/>
+                  </a:schemeClr>
+                </a:solidFill>
+                <a:latin typeface="맑은 고딕"/>
+                <a:ea typeface="맑은 고딕"/>
+              </a:rPr>
+              <a:t>1</a:t>
+            </a:r>
+            <a:r>
+              <a:rPr lang="ko-KR" altLang="en-US" sz="2000">
+                <a:solidFill>
+                  <a:schemeClr val="tx1">
+                    <a:lumMod val="50000"/>
+                    <a:lumOff val="50000"/>
+                  </a:schemeClr>
+                </a:solidFill>
+                <a:latin typeface="맑은 고딕"/>
+                <a:ea typeface="맑은 고딕"/>
+              </a:rPr>
+              <a:t>명과 </a:t>
+            </a:r>
+            <a:r>
+              <a:rPr lang="en-US" altLang="ko-KR" sz="2000">
+                <a:solidFill>
+                  <a:schemeClr val="tx1">
+                    <a:lumMod val="50000"/>
+                    <a:lumOff val="50000"/>
+                  </a:schemeClr>
+                </a:solidFill>
+                <a:latin typeface="맑은 고딕"/>
+                <a:ea typeface="맑은 고딕"/>
+              </a:rPr>
+              <a:t>2</a:t>
+            </a:r>
+            <a:r>
+              <a:rPr lang="ko-KR" altLang="en-US" sz="2000">
+                <a:solidFill>
+                  <a:schemeClr val="tx1">
+                    <a:lumMod val="50000"/>
+                    <a:lumOff val="50000"/>
+                  </a:schemeClr>
+                </a:solidFill>
+                <a:latin typeface="맑은 고딕"/>
+                <a:ea typeface="맑은 고딕"/>
+              </a:rPr>
+              <a:t>개의 버튼이 있음</a:t>
+            </a:r>
+            <a:endParaRPr lang="ko-KR" altLang="en-US" sz="2000">
+              <a:solidFill>
+                <a:schemeClr val="tx1">
+                  <a:lumMod val="50000"/>
+                  <a:lumOff val="50000"/>
+                </a:schemeClr>
+              </a:solidFill>
+              <a:latin typeface="맑은 고딕"/>
+              <a:ea typeface="맑은 고딕"/>
+            </a:endParaRPr>
+          </a:p>
+          <a:p>
+            <a:pPr algn="l">
+              <a:lnSpc>
+                <a:spcPct val="200000"/>
+              </a:lnSpc>
+              <a:defRPr/>
+            </a:pPr>
+            <a:r>
+              <a:rPr lang="ko-KR" altLang="en-US" sz="2000">
+                <a:solidFill>
+                  <a:schemeClr val="tx1">
+                    <a:lumMod val="50000"/>
+                    <a:lumOff val="50000"/>
+                  </a:schemeClr>
+                </a:solidFill>
+                <a:latin typeface="맑은 고딕"/>
+                <a:ea typeface="맑은 고딕"/>
+              </a:rPr>
+              <a:t>동료 </a:t>
+            </a:r>
+            <a:r>
+              <a:rPr lang="en-US" altLang="ko-KR" sz="2000">
+                <a:solidFill>
+                  <a:schemeClr val="tx1">
+                    <a:lumMod val="50000"/>
+                    <a:lumOff val="50000"/>
+                  </a:schemeClr>
+                </a:solidFill>
+                <a:latin typeface="맑은 고딕"/>
+                <a:ea typeface="맑은 고딕"/>
+              </a:rPr>
+              <a:t>-</a:t>
+            </a:r>
+            <a:r>
+              <a:rPr lang="ko-KR" altLang="en-US" sz="2000">
+                <a:solidFill>
+                  <a:schemeClr val="tx1">
+                    <a:lumMod val="50000"/>
+                    <a:lumOff val="50000"/>
+                  </a:schemeClr>
+                </a:solidFill>
+                <a:latin typeface="맑은 고딕"/>
+                <a:ea typeface="맑은 고딕"/>
+              </a:rPr>
+              <a:t> </a:t>
+            </a:r>
+            <a:endParaRPr lang="ko-KR" altLang="en-US" sz="2000">
+              <a:solidFill>
+                <a:schemeClr val="tx1">
+                  <a:lumMod val="50000"/>
+                  <a:lumOff val="50000"/>
+                </a:schemeClr>
+              </a:solidFill>
+              <a:latin typeface="맑은 고딕"/>
+              <a:ea typeface="맑은 고딕"/>
+            </a:endParaRPr>
+          </a:p>
+          <a:p>
+            <a:pPr algn="l">
+              <a:lnSpc>
+                <a:spcPct val="200000"/>
+              </a:lnSpc>
+              <a:defRPr/>
+            </a:pPr>
+            <a:r>
+              <a:rPr lang="ko-KR" altLang="en-US" sz="2000">
+                <a:solidFill>
+                  <a:schemeClr val="tx1">
+                    <a:lumMod val="50000"/>
+                    <a:lumOff val="50000"/>
+                  </a:schemeClr>
+                </a:solidFill>
+                <a:latin typeface="맑은 고딕"/>
+                <a:ea typeface="맑은 고딕"/>
+              </a:rPr>
+              <a:t>위버튼 </a:t>
+            </a:r>
+            <a:r>
+              <a:rPr lang="en-US" altLang="ko-KR" sz="2000">
+                <a:solidFill>
+                  <a:schemeClr val="tx1">
+                    <a:lumMod val="50000"/>
+                    <a:lumOff val="50000"/>
+                  </a:schemeClr>
+                </a:solidFill>
+                <a:latin typeface="맑은 고딕"/>
+                <a:ea typeface="맑은 고딕"/>
+              </a:rPr>
+              <a:t>-</a:t>
+            </a:r>
+            <a:r>
+              <a:rPr lang="ko-KR" altLang="en-US" sz="2000">
+                <a:solidFill>
+                  <a:schemeClr val="tx1">
+                    <a:lumMod val="50000"/>
+                    <a:lumOff val="50000"/>
+                  </a:schemeClr>
+                </a:solidFill>
+                <a:latin typeface="맑은 고딕"/>
+                <a:ea typeface="맑은 고딕"/>
+              </a:rPr>
+              <a:t> 시간 딜레이</a:t>
+            </a:r>
+            <a:r>
+              <a:rPr lang="en-US" altLang="ko-KR" sz="2000">
+                <a:solidFill>
+                  <a:schemeClr val="tx1">
+                    <a:lumMod val="50000"/>
+                    <a:lumOff val="50000"/>
+                  </a:schemeClr>
+                </a:solidFill>
+                <a:latin typeface="맑은 고딕"/>
+                <a:ea typeface="맑은 고딕"/>
+              </a:rPr>
+              <a:t>?</a:t>
+            </a:r>
             <a:endParaRPr lang="en-US" altLang="ko-KR" sz="2000">
               <a:solidFill>
                 <a:schemeClr val="tx1">
@@ -13748,7 +13415,7 @@
               <a:defRPr/>
             </a:pPr>
             <a:r>
-              <a:rPr lang="ko-KR" altLang="en-US" sz="2000" b="1">
+              <a:rPr lang="ko-KR" altLang="en-US" sz="2000">
                 <a:solidFill>
                   <a:schemeClr val="tx1">
                     <a:lumMod val="50000"/>
@@ -13758,28 +13425,10 @@
                 <a:latin typeface="맑은 고딕"/>
                 <a:ea typeface="맑은 고딕"/>
               </a:rPr>
-              <a:t>스토리</a:t>
-            </a:r>
-            <a:endParaRPr lang="ko-KR" altLang="en-US" sz="2000" b="1">
-              <a:solidFill>
-                <a:schemeClr val="tx1">
-                  <a:lumMod val="50000"/>
-                  <a:lumOff val="50000"/>
-                </a:schemeClr>
-              </a:solidFill>
-              <a:latin typeface="맑은 고딕"/>
-              <a:ea typeface="맑은 고딕"/>
-            </a:endParaRPr>
-          </a:p>
-          <a:p>
-            <a:pPr algn="l">
-              <a:lnSpc>
-                <a:spcPct val="200000"/>
-              </a:lnSpc>
-              <a:defRPr/>
-            </a:pPr>
-            <a:r>
-              <a:rPr lang="ko-KR" altLang="en-US" sz="2000">
+              <a:t>아래버튼 </a:t>
+            </a:r>
+            <a:r>
+              <a:rPr lang="en-US" altLang="ko-KR" sz="2000">
                 <a:solidFill>
                   <a:schemeClr val="tx1">
                     <a:lumMod val="50000"/>
@@ -13789,10 +13438,10 @@
                 <a:latin typeface="맑은 고딕"/>
                 <a:ea typeface="맑은 고딕"/>
               </a:rPr>
-              <a:t>게임의 시작에 추상적인 목표를 플레이어에게 쥐어주고</a:t>
-            </a:r>
-            <a:r>
-              <a:rPr lang="en-US" altLang="ko-KR" sz="2000">
+              <a:t>-</a:t>
+            </a:r>
+            <a:r>
+              <a:rPr lang="ko-KR" altLang="en-US" sz="2000">
                 <a:solidFill>
                   <a:schemeClr val="tx1">
                     <a:lumMod val="50000"/>
@@ -13802,10 +13451,10 @@
                 <a:latin typeface="맑은 고딕"/>
                 <a:ea typeface="맑은 고딕"/>
               </a:rPr>
-              <a:t>, </a:t>
-            </a:r>
-            <a:r>
-              <a:rPr lang="ko-KR" altLang="en-US" sz="2000">
+              <a:t> 특별탄약 </a:t>
+            </a:r>
+            <a:r>
+              <a:rPr lang="en-US" altLang="ko-KR" sz="2000">
                 <a:solidFill>
                   <a:schemeClr val="tx1">
                     <a:lumMod val="50000"/>
@@ -13815,10 +13464,10 @@
                 <a:latin typeface="맑은 고딕"/>
                 <a:ea typeface="맑은 고딕"/>
               </a:rPr>
-              <a:t>게임 도중 캐릭터의 대사 혹은 스테이지마다 나오는 텍스트로 세부 스토리 전달 </a:t>
-            </a:r>
-            <a:r>
-              <a:rPr lang="en-US" altLang="ko-KR" sz="2000">
+              <a:t>(</a:t>
+            </a:r>
+            <a:r>
+              <a:rPr lang="ko-KR" altLang="en-US" sz="2000">
                 <a:solidFill>
                   <a:schemeClr val="tx1">
                     <a:lumMod val="50000"/>
@@ -13828,20 +13477,7 @@
                 <a:latin typeface="맑은 고딕"/>
                 <a:ea typeface="맑은 고딕"/>
               </a:rPr>
-              <a:t>(</a:t>
-            </a:r>
-            <a:r>
-              <a:rPr lang="ko-KR" altLang="en-US" sz="2000">
-                <a:solidFill>
-                  <a:schemeClr val="tx1">
-                    <a:lumMod val="50000"/>
-                    <a:lumOff val="50000"/>
-                  </a:schemeClr>
-                </a:solidFill>
-                <a:latin typeface="맑은 고딕"/>
-                <a:ea typeface="맑은 고딕"/>
-              </a:rPr>
-              <a:t>아직 구체화 되지 않음</a:t>
+              <a:t>설명</a:t>
             </a:r>
             <a:r>
               <a:rPr lang="en-US" altLang="ko-KR" sz="2000">
@@ -14755,269 +14391,6 @@
               <a:t>7</a:t>
             </a:fld>
             <a:endParaRPr lang="en-US" altLang="en-US"/>
-          </a:p>
-        </p:txBody>
-      </p:sp>
-      <p:sp>
-        <p:nvSpPr>
-          <p:cNvPr id="15" name="텍스트 개체 틀 8"/>
-          <p:cNvSpPr txBox="1"/>
-          <p:nvPr/>
-        </p:nvSpPr>
-        <p:spPr>
-          <a:xfrm>
-            <a:off x="4882051" y="1402990"/>
-            <a:ext cx="2427896" cy="371024"/>
-          </a:xfrm>
-          <a:prstGeom prst="rect">
-            <a:avLst/>
-          </a:prstGeom>
-          <a:noFill/>
-          <a:ln w="3175" cap="flat" cmpd="sng" algn="ctr">
-            <a:solidFill>
-              <a:schemeClr val="bg1">
-                <a:lumMod val="50000"/>
-                <a:alpha val="5000"/>
-              </a:schemeClr>
-            </a:solidFill>
-            <a:prstDash val="solid"/>
-            <a:miter/>
-          </a:ln>
-          <a:effectLst/>
-        </p:spPr>
-        <p:txBody>
-          <a:bodyPr vert="horz" lIns="91440" tIns="45720" rIns="91440" bIns="45720" anchor="t" anchorCtr="0">
-            <a:normAutofit/>
-          </a:bodyPr>
-          <a:lstStyle>
-            <a:lvl1pPr marL="0" indent="0" algn="ctr" defTabSz="914400" rtl="0" eaLnBrk="1" latinLnBrk="1" hangingPunct="1">
-              <a:lnSpc>
-                <a:spcPct val="120000"/>
-              </a:lnSpc>
-              <a:spcBef>
-                <a:spcPts val="0"/>
-              </a:spcBef>
-              <a:buFont typeface="Arial"/>
-              <a:buNone/>
-              <a:defRPr lang="ko-KR" altLang="en-US" sz="1400" b="0" kern="1200" spc="-60" baseline="0" dirty="0" smtClean="0">
-                <a:ln w="9525">
-                  <a:solidFill>
-                    <a:schemeClr val="accent1">
-                      <a:alpha val="0"/>
-                    </a:schemeClr>
-                  </a:solidFill>
-                </a:ln>
-                <a:solidFill>
-                  <a:schemeClr val="tx1">
-                    <a:lumMod val="50000"/>
-                    <a:lumOff val="50000"/>
-                  </a:schemeClr>
-                </a:solidFill>
-                <a:latin typeface="+mn-lt"/>
-                <a:ea typeface="+mn-ea"/>
-                <a:cs typeface="+mn-cs"/>
-              </a:defRPr>
-            </a:lvl1pPr>
-            <a:lvl2pPr marL="0" indent="0" algn="ctr" defTabSz="914400" rtl="0" eaLnBrk="1" latinLnBrk="1" hangingPunct="1">
-              <a:lnSpc>
-                <a:spcPct val="120000"/>
-              </a:lnSpc>
-              <a:spcBef>
-                <a:spcPts val="0"/>
-              </a:spcBef>
-              <a:buFont typeface="Arial"/>
-              <a:buNone/>
-              <a:defRPr lang="ko-KR" altLang="en-US" sz="1800" b="0" kern="1200" spc="-60" baseline="0" smtClean="0">
-                <a:ln w="9525">
-                  <a:solidFill>
-                    <a:schemeClr val="accent1">
-                      <a:alpha val="0"/>
-                    </a:schemeClr>
-                  </a:solidFill>
-                </a:ln>
-                <a:solidFill>
-                  <a:schemeClr val="lt1"/>
-                </a:solidFill>
-                <a:latin typeface="+mn-lt"/>
-                <a:ea typeface="+mn-ea"/>
-                <a:cs typeface="+mn-cs"/>
-              </a:defRPr>
-            </a:lvl2pPr>
-            <a:lvl3pPr marL="0" indent="0" algn="ctr" defTabSz="914400" rtl="0" eaLnBrk="1" latinLnBrk="1" hangingPunct="1">
-              <a:lnSpc>
-                <a:spcPct val="120000"/>
-              </a:lnSpc>
-              <a:spcBef>
-                <a:spcPts val="0"/>
-              </a:spcBef>
-              <a:buFont typeface="Arial"/>
-              <a:buNone/>
-              <a:defRPr lang="ko-KR" altLang="en-US" sz="1800" b="0" kern="1200" spc="-60" baseline="0" smtClean="0">
-                <a:ln w="9525">
-                  <a:solidFill>
-                    <a:schemeClr val="accent1">
-                      <a:alpha val="0"/>
-                    </a:schemeClr>
-                  </a:solidFill>
-                </a:ln>
-                <a:solidFill>
-                  <a:schemeClr val="lt1"/>
-                </a:solidFill>
-                <a:latin typeface="+mn-lt"/>
-                <a:ea typeface="+mn-ea"/>
-                <a:cs typeface="+mn-cs"/>
-              </a:defRPr>
-            </a:lvl3pPr>
-            <a:lvl4pPr marL="0" indent="0" algn="ctr" defTabSz="914400" rtl="0" eaLnBrk="1" latinLnBrk="1" hangingPunct="1">
-              <a:lnSpc>
-                <a:spcPct val="120000"/>
-              </a:lnSpc>
-              <a:spcBef>
-                <a:spcPts val="0"/>
-              </a:spcBef>
-              <a:buFont typeface="Arial"/>
-              <a:buNone/>
-              <a:defRPr lang="ko-KR" altLang="en-US" sz="1800" b="0" kern="1200" spc="-60" baseline="0" smtClean="0">
-                <a:ln w="9525">
-                  <a:solidFill>
-                    <a:schemeClr val="accent1">
-                      <a:alpha val="0"/>
-                    </a:schemeClr>
-                  </a:solidFill>
-                </a:ln>
-                <a:solidFill>
-                  <a:schemeClr val="lt1"/>
-                </a:solidFill>
-                <a:latin typeface="+mn-lt"/>
-                <a:ea typeface="+mn-ea"/>
-                <a:cs typeface="+mn-cs"/>
-              </a:defRPr>
-            </a:lvl4pPr>
-            <a:lvl5pPr marL="0" indent="0" algn="ctr" defTabSz="914400" rtl="0" eaLnBrk="1" latinLnBrk="1" hangingPunct="1">
-              <a:lnSpc>
-                <a:spcPct val="120000"/>
-              </a:lnSpc>
-              <a:spcBef>
-                <a:spcPts val="0"/>
-              </a:spcBef>
-              <a:buFont typeface="Arial"/>
-              <a:buNone/>
-              <a:defRPr lang="ko-KR" altLang="en-US" sz="1800" b="0" kern="1200" spc="-60" baseline="0">
-                <a:ln w="9525">
-                  <a:solidFill>
-                    <a:schemeClr val="accent1">
-                      <a:alpha val="0"/>
-                    </a:schemeClr>
-                  </a:solidFill>
-                </a:ln>
-                <a:solidFill>
-                  <a:schemeClr val="lt1"/>
-                </a:solidFill>
-                <a:latin typeface="+mn-lt"/>
-                <a:ea typeface="+mn-ea"/>
-                <a:cs typeface="+mn-cs"/>
-              </a:defRPr>
-            </a:lvl5pPr>
-            <a:lvl6pPr marL="2514600" indent="-228600" algn="l" defTabSz="914400" rtl="0" eaLnBrk="1" latinLnBrk="1" hangingPunct="1">
-              <a:lnSpc>
-                <a:spcPct val="90000"/>
-              </a:lnSpc>
-              <a:spcBef>
-                <a:spcPts val="500"/>
-              </a:spcBef>
-              <a:buFont typeface="Arial"/>
-              <a:buChar char="•"/>
-              <a:defRPr sz="1800" kern="1200">
-                <a:solidFill>
-                  <a:schemeClr val="lt1"/>
-                </a:solidFill>
-                <a:latin typeface="+mn-lt"/>
-                <a:ea typeface="+mn-ea"/>
-                <a:cs typeface="+mn-cs"/>
-              </a:defRPr>
-            </a:lvl6pPr>
-            <a:lvl7pPr marL="2971800" indent="-228600" algn="l" defTabSz="914400" rtl="0" eaLnBrk="1" latinLnBrk="1" hangingPunct="1">
-              <a:lnSpc>
-                <a:spcPct val="90000"/>
-              </a:lnSpc>
-              <a:spcBef>
-                <a:spcPts val="500"/>
-              </a:spcBef>
-              <a:buFont typeface="Arial"/>
-              <a:buChar char="•"/>
-              <a:defRPr sz="1800" kern="1200">
-                <a:solidFill>
-                  <a:schemeClr val="lt1"/>
-                </a:solidFill>
-                <a:latin typeface="+mn-lt"/>
-                <a:ea typeface="+mn-ea"/>
-                <a:cs typeface="+mn-cs"/>
-              </a:defRPr>
-            </a:lvl7pPr>
-            <a:lvl8pPr marL="3429000" indent="-228600" algn="l" defTabSz="914400" rtl="0" eaLnBrk="1" latinLnBrk="1" hangingPunct="1">
-              <a:lnSpc>
-                <a:spcPct val="90000"/>
-              </a:lnSpc>
-              <a:spcBef>
-                <a:spcPts val="500"/>
-              </a:spcBef>
-              <a:buFont typeface="Arial"/>
-              <a:buChar char="•"/>
-              <a:defRPr sz="1800" kern="1200">
-                <a:solidFill>
-                  <a:schemeClr val="lt1"/>
-                </a:solidFill>
-                <a:latin typeface="+mn-lt"/>
-                <a:ea typeface="+mn-ea"/>
-                <a:cs typeface="+mn-cs"/>
-              </a:defRPr>
-            </a:lvl8pPr>
-            <a:lvl9pPr marL="3886200" indent="-228600" algn="l" defTabSz="914400" rtl="0" eaLnBrk="1" latinLnBrk="1" hangingPunct="1">
-              <a:lnSpc>
-                <a:spcPct val="90000"/>
-              </a:lnSpc>
-              <a:spcBef>
-                <a:spcPts val="500"/>
-              </a:spcBef>
-              <a:buFont typeface="Arial"/>
-              <a:buChar char="•"/>
-              <a:defRPr sz="1800" kern="1200">
-                <a:solidFill>
-                  <a:schemeClr val="lt1"/>
-                </a:solidFill>
-                <a:latin typeface="+mn-lt"/>
-                <a:ea typeface="+mn-ea"/>
-                <a:cs typeface="+mn-cs"/>
-              </a:defRPr>
-            </a:lvl9pPr>
-          </a:lstStyle>
-          <a:p>
-            <a:pPr>
-              <a:lnSpc>
-                <a:spcPct val="100000"/>
-              </a:lnSpc>
-              <a:defRPr/>
-            </a:pPr>
-            <a:r>
-              <a:rPr lang="en-US" altLang="ko-KR" sz="1800">
-                <a:latin typeface="맑은 고딕"/>
-                <a:ea typeface="맑은 고딕"/>
-              </a:rPr>
-              <a:t>2022.05.01~2022.06.02</a:t>
-            </a:r>
-            <a:endParaRPr lang="en-US" altLang="ko-KR" sz="1800">
-              <a:latin typeface="맑은 고딕"/>
-              <a:ea typeface="맑은 고딕"/>
-            </a:endParaRPr>
-          </a:p>
-          <a:p>
-            <a:pPr lvl="0">
-              <a:defRPr/>
-            </a:pPr>
-            <a:endParaRPr lang="en-US" altLang="ko-KR" sz="1800">
-              <a:latin typeface="맑은 고딕"/>
-              <a:ea typeface="맑은 고딕"/>
-            </a:endParaRPr>
           </a:p>
         </p:txBody>
       </p:sp>

--- a/텀프로젝트_결과발표_20205220이바다20205262최예찬.pptx
+++ b/텀프로젝트_결과발표_20205220이바다20205262최예찬.pptx
@@ -2,7 +2,7 @@
 <file path=ppt/presentation.xml><?xml version="1.0" encoding="utf-8"?>
 <p:presentation xmlns:r="http://schemas.openxmlformats.org/officeDocument/2006/relationships" xmlns:c="http://schemas.openxmlformats.org/drawingml/2006/chart" xmlns:a="http://schemas.openxmlformats.org/drawingml/2006/main" xmlns:dgm="http://schemas.openxmlformats.org/drawingml/2006/diagram" xmlns:dsp="http://schemas.microsoft.com/office/drawing/2008/diagram" xmlns:p="http://schemas.openxmlformats.org/presentationml/2006/main">
   <p:sldMasterIdLst>
-    <p:sldMasterId id="2147483670" r:id="rId1"/>
+    <p:sldMasterId id="2147483679" r:id="rId1"/>
   </p:sldMasterIdLst>
   <p:notesMasterIdLst>
     <p:notesMasterId r:id="rId2"/>
@@ -19,7 +19,9 @@
     <p:sldId id="261" r:id="rId9"/>
     <p:sldId id="262" r:id="rId10"/>
     <p:sldId id="257" r:id="rId11"/>
-    <p:sldId id="264" r:id="rId12"/>
+    <p:sldId id="265" r:id="rId12"/>
+    <p:sldId id="266" r:id="rId13"/>
+    <p:sldId id="264" r:id="rId14"/>
   </p:sldIdLst>
   <p:sldSz cx="12192000" cy="6858000"/>
   <p:notesSz cx="6858000" cy="9144000"/>
@@ -6923,6 +6925,2311 @@
 </p:sld>
 </file>
 
+<file path=ppt/slides/slide10.xml><?xml version="1.0" encoding="utf-8"?>
+<p:sld xmlns:r="http://schemas.openxmlformats.org/officeDocument/2006/relationships" xmlns:c="http://schemas.openxmlformats.org/drawingml/2006/chart" xmlns:a="http://schemas.openxmlformats.org/drawingml/2006/main" xmlns:dgm="http://schemas.openxmlformats.org/drawingml/2006/diagram" xmlns:dsp="http://schemas.microsoft.com/office/drawing/2008/diagram" xmlns:p="http://schemas.openxmlformats.org/presentationml/2006/main">
+  <p:cSld>
+    <p:spTree>
+      <p:nvGrpSpPr>
+        <p:cNvPr id="1" name=""/>
+        <p:cNvGrpSpPr/>
+        <p:nvPr/>
+      </p:nvGrpSpPr>
+      <p:grpSpPr>
+        <a:xfrm>
+          <a:off x="0" y="0"/>
+          <a:ext cx="0" cy="0"/>
+          <a:chOff x="0" y="0"/>
+          <a:chExt cx="0" cy="0"/>
+        </a:xfrm>
+      </p:grpSpPr>
+      <p:sp>
+        <p:nvSpPr>
+          <p:cNvPr id="7" name="제목 6"/>
+          <p:cNvSpPr>
+            <a:spLocks noGrp="1"/>
+          </p:cNvSpPr>
+          <p:nvPr>
+            <p:ph type="title" idx="0"/>
+          </p:nvPr>
+        </p:nvSpPr>
+        <p:spPr>
+          <a:xfrm>
+            <a:off x="2504851" y="675641"/>
+            <a:ext cx="7182297" cy="567808"/>
+          </a:xfrm>
+        </p:spPr>
+        <p:txBody>
+          <a:bodyPr/>
+          <a:lstStyle/>
+          <a:p>
+            <a:pPr lvl="0">
+              <a:defRPr/>
+            </a:pPr>
+            <a:r>
+              <a:rPr lang="ko-KR" altLang="en-US">
+                <a:latin typeface="맑은 고딕"/>
+                <a:ea typeface="맑은 고딕"/>
+              </a:rPr>
+              <a:t>사용한 에셋 및 출처</a:t>
+            </a:r>
+            <a:endParaRPr lang="ko-KR" altLang="en-US">
+              <a:latin typeface="맑은 고딕"/>
+              <a:ea typeface="맑은 고딕"/>
+            </a:endParaRPr>
+          </a:p>
+        </p:txBody>
+      </p:sp>
+      <p:sp>
+        <p:nvSpPr>
+          <p:cNvPr id="8" name="내용 개체 틀 7"/>
+          <p:cNvSpPr>
+            <a:spLocks noGrp="1"/>
+          </p:cNvSpPr>
+          <p:nvPr>
+            <p:ph idx="1"/>
+          </p:nvPr>
+        </p:nvSpPr>
+        <p:spPr>
+          <a:xfrm>
+            <a:off x="4837325" y="287381"/>
+            <a:ext cx="2517351" cy="380641"/>
+          </a:xfrm>
+        </p:spPr>
+        <p:txBody>
+          <a:bodyPr>
+            <a:normAutofit/>
+          </a:bodyPr>
+          <a:lstStyle/>
+          <a:p>
+            <a:pPr algn="dist">
+              <a:defRPr/>
+            </a:pPr>
+            <a:r>
+              <a:rPr lang="ko-KR" altLang="en-US" sz="700">
+                <a:latin typeface="맑은 고딕"/>
+                <a:ea typeface="맑은 고딕"/>
+              </a:rPr>
+              <a:t>가상현실기초및실습</a:t>
+            </a:r>
+            <a:endParaRPr lang="ko-KR" altLang="en-US" sz="700">
+              <a:latin typeface="맑은 고딕"/>
+              <a:ea typeface="맑은 고딕"/>
+            </a:endParaRPr>
+          </a:p>
+        </p:txBody>
+      </p:sp>
+      <p:cxnSp>
+        <p:nvCxnSpPr>
+          <p:cNvPr id="10" name="직선 연결선 9"/>
+          <p:cNvCxnSpPr/>
+          <p:nvPr/>
+        </p:nvCxnSpPr>
+        <p:spPr>
+          <a:xfrm>
+            <a:off x="4851206" y="654076"/>
+            <a:ext cx="2519835" cy="0"/>
+          </a:xfrm>
+          <a:prstGeom prst="line">
+            <a:avLst/>
+          </a:prstGeom>
+          <a:noFill/>
+          <a:ln w="9525">
+            <a:solidFill>
+              <a:schemeClr val="bg1">
+                <a:lumMod val="75000"/>
+              </a:schemeClr>
+            </a:solidFill>
+          </a:ln>
+        </p:spPr>
+        <p:style>
+          <a:lnRef idx="2">
+            <a:schemeClr val="accent1">
+              <a:shade val="50000"/>
+            </a:schemeClr>
+          </a:lnRef>
+          <a:fillRef idx="1">
+            <a:schemeClr val="accent1"/>
+          </a:fillRef>
+          <a:effectRef idx="0">
+            <a:schemeClr val="accent1"/>
+          </a:effectRef>
+          <a:fontRef idx="minor">
+            <a:schemeClr val="lt1"/>
+          </a:fontRef>
+        </p:style>
+      </p:cxnSp>
+      <p:cxnSp>
+        <p:nvCxnSpPr>
+          <p:cNvPr id="11" name="직선 연결선 10"/>
+          <p:cNvCxnSpPr/>
+          <p:nvPr/>
+        </p:nvCxnSpPr>
+        <p:spPr>
+          <a:xfrm rot="5400000">
+            <a:off x="3713359" y="1304957"/>
+            <a:ext cx="469761" cy="0"/>
+          </a:xfrm>
+          <a:prstGeom prst="line">
+            <a:avLst/>
+          </a:prstGeom>
+          <a:noFill/>
+          <a:ln w="3175">
+            <a:solidFill>
+              <a:schemeClr val="bg1">
+                <a:lumMod val="50000"/>
+                <a:alpha val="30000"/>
+              </a:schemeClr>
+            </a:solidFill>
+          </a:ln>
+        </p:spPr>
+        <p:style>
+          <a:lnRef idx="2">
+            <a:schemeClr val="accent1">
+              <a:shade val="50000"/>
+            </a:schemeClr>
+          </a:lnRef>
+          <a:fillRef idx="1">
+            <a:schemeClr val="accent1"/>
+          </a:fillRef>
+          <a:effectRef idx="0">
+            <a:schemeClr val="accent1"/>
+          </a:effectRef>
+          <a:fontRef idx="minor">
+            <a:schemeClr val="lt1"/>
+          </a:fontRef>
+        </p:style>
+      </p:cxnSp>
+      <p:cxnSp>
+        <p:nvCxnSpPr>
+          <p:cNvPr id="12" name="직선 연결선 11"/>
+          <p:cNvCxnSpPr/>
+          <p:nvPr/>
+        </p:nvCxnSpPr>
+        <p:spPr>
+          <a:xfrm rot="5400000">
+            <a:off x="7987817" y="696451"/>
+            <a:ext cx="469761" cy="0"/>
+          </a:xfrm>
+          <a:prstGeom prst="line">
+            <a:avLst/>
+          </a:prstGeom>
+          <a:noFill/>
+          <a:ln w="9525">
+            <a:solidFill>
+              <a:schemeClr val="bg1">
+                <a:lumMod val="75000"/>
+              </a:schemeClr>
+            </a:solidFill>
+          </a:ln>
+        </p:spPr>
+        <p:style>
+          <a:lnRef idx="2">
+            <a:schemeClr val="accent1">
+              <a:shade val="50000"/>
+            </a:schemeClr>
+          </a:lnRef>
+          <a:fillRef idx="1">
+            <a:schemeClr val="accent1"/>
+          </a:fillRef>
+          <a:effectRef idx="0">
+            <a:schemeClr val="accent1"/>
+          </a:effectRef>
+          <a:fontRef idx="minor">
+            <a:schemeClr val="lt1"/>
+          </a:fontRef>
+        </p:style>
+      </p:cxnSp>
+      <p:cxnSp>
+        <p:nvCxnSpPr>
+          <p:cNvPr id="13" name="직선 연결선 12"/>
+          <p:cNvCxnSpPr/>
+          <p:nvPr/>
+        </p:nvCxnSpPr>
+        <p:spPr>
+          <a:xfrm rot="10800000">
+            <a:off x="7888228" y="656868"/>
+            <a:ext cx="469761" cy="0"/>
+          </a:xfrm>
+          <a:prstGeom prst="line">
+            <a:avLst/>
+          </a:prstGeom>
+          <a:noFill/>
+          <a:ln w="3175">
+            <a:solidFill>
+              <a:schemeClr val="bg1">
+                <a:lumMod val="50000"/>
+                <a:alpha val="30000"/>
+              </a:schemeClr>
+            </a:solidFill>
+          </a:ln>
+        </p:spPr>
+        <p:style>
+          <a:lnRef idx="2">
+            <a:schemeClr val="accent1">
+              <a:shade val="50000"/>
+            </a:schemeClr>
+          </a:lnRef>
+          <a:fillRef idx="1">
+            <a:schemeClr val="accent1"/>
+          </a:fillRef>
+          <a:effectRef idx="0">
+            <a:schemeClr val="accent1"/>
+          </a:effectRef>
+          <a:fontRef idx="minor">
+            <a:schemeClr val="lt1"/>
+          </a:fontRef>
+        </p:style>
+      </p:cxnSp>
+      <p:cxnSp>
+        <p:nvCxnSpPr>
+          <p:cNvPr id="14" name="직선 연결선 13"/>
+          <p:cNvCxnSpPr/>
+          <p:nvPr/>
+        </p:nvCxnSpPr>
+        <p:spPr>
+          <a:xfrm>
+            <a:off x="5738123" y="1316837"/>
+            <a:ext cx="715754" cy="0"/>
+          </a:xfrm>
+          <a:prstGeom prst="line">
+            <a:avLst/>
+          </a:prstGeom>
+          <a:noFill/>
+          <a:ln w="25400">
+            <a:solidFill>
+              <a:schemeClr val="bg1">
+                <a:lumMod val="50000"/>
+              </a:schemeClr>
+            </a:solidFill>
+          </a:ln>
+        </p:spPr>
+        <p:style>
+          <a:lnRef idx="2">
+            <a:schemeClr val="accent1">
+              <a:shade val="50000"/>
+            </a:schemeClr>
+          </a:lnRef>
+          <a:fillRef idx="1">
+            <a:schemeClr val="accent1"/>
+          </a:fillRef>
+          <a:effectRef idx="0">
+            <a:schemeClr val="accent1"/>
+          </a:effectRef>
+          <a:fontRef idx="minor">
+            <a:schemeClr val="lt1"/>
+          </a:fontRef>
+        </p:style>
+      </p:cxnSp>
+      <p:sp>
+        <p:nvSpPr>
+          <p:cNvPr id="16" name="바닥글 개체 틀 15"/>
+          <p:cNvSpPr>
+            <a:spLocks noGrp="1"/>
+          </p:cNvSpPr>
+          <p:nvPr>
+            <p:ph type="ftr" sz="quarter" idx="11"/>
+          </p:nvPr>
+        </p:nvSpPr>
+        <p:spPr/>
+        <p:txBody>
+          <a:bodyPr/>
+          <a:lstStyle/>
+          <a:p>
+            <a:pPr lvl="0">
+              <a:defRPr/>
+            </a:pPr>
+            <a:r>
+              <a:rPr lang="en-US" altLang="ko-KR">
+                <a:latin typeface="맑은 고딕"/>
+                <a:ea typeface="맑은 고딕"/>
+              </a:rPr>
+              <a:t>Designed By L@rgo. ADSTORE</a:t>
+            </a:r>
+            <a:endParaRPr lang="ko-KR" altLang="en-US">
+              <a:latin typeface="맑은 고딕"/>
+              <a:ea typeface="맑은 고딕"/>
+            </a:endParaRPr>
+          </a:p>
+        </p:txBody>
+      </p:sp>
+      <p:sp>
+        <p:nvSpPr>
+          <p:cNvPr id="17" name="슬라이드 번호 개체 틀 16"/>
+          <p:cNvSpPr>
+            <a:spLocks noGrp="1"/>
+          </p:cNvSpPr>
+          <p:nvPr>
+            <p:ph type="sldNum" sz="quarter" idx="12"/>
+          </p:nvPr>
+        </p:nvSpPr>
+        <p:spPr/>
+        <p:txBody>
+          <a:bodyPr/>
+          <a:lstStyle/>
+          <a:p>
+            <a:pPr lvl="0">
+              <a:defRPr/>
+            </a:pPr>
+            <a:fld id="{15812C5A-9CF7-4A8D-A41D-9E74470054A5}" type="slidenum">
+              <a:rPr lang="en-US" altLang="en-US"/>
+              <a:pPr lvl="0">
+                <a:defRPr/>
+              </a:pPr>
+              <a:t>10</a:t>
+            </a:fld>
+            <a:endParaRPr lang="en-US" altLang="en-US"/>
+          </a:p>
+        </p:txBody>
+      </p:sp>
+      <p:sp>
+        <p:nvSpPr>
+          <p:cNvPr id="1027" name="텍스트 개체 틀 36"/>
+          <p:cNvSpPr>
+            <a:spLocks noGrp="1"/>
+          </p:cNvSpPr>
+          <p:nvPr>
+            <p:ph type="body" sz="quarter" idx="13"/>
+          </p:nvPr>
+        </p:nvSpPr>
+        <p:spPr/>
+        <p:txBody>
+          <a:bodyPr/>
+          <a:lstStyle/>
+          <a:p>
+            <a:pPr>
+              <a:defRPr/>
+            </a:pPr>
+            <a:r>
+              <a:rPr lang="en-US" altLang="ko-KR"/>
+              <a:t>SOUND</a:t>
+            </a:r>
+            <a:endParaRPr lang="ko-KR" altLang="en-US"/>
+          </a:p>
+          <a:p>
+            <a:pPr>
+              <a:defRPr/>
+            </a:pPr>
+            <a:r>
+              <a:rPr lang="ko-KR" altLang="en-US"/>
+              <a:t>헬리콥터 소리 </a:t>
+            </a:r>
+            <a:r>
+              <a:rPr lang="en-US" altLang="ko-KR"/>
+              <a:t>:</a:t>
+            </a:r>
+            <a:r>
+              <a:rPr lang="ko-KR" altLang="en-US"/>
+              <a:t> </a:t>
+            </a:r>
+            <a:r>
+              <a:rPr lang="ko-KR" altLang="en-US">
+                <a:hlinkClick r:id="rId2"/>
+              </a:rPr>
+              <a:t>https://freesound.org/people/deleted_user_3544904/sounds/194250/</a:t>
+            </a:r>
+            <a:endParaRPr lang="ko-KR" altLang="en-US"/>
+          </a:p>
+          <a:p>
+            <a:pPr>
+              <a:defRPr/>
+            </a:pPr>
+            <a:r>
+              <a:rPr lang="ko-KR" altLang="en-US"/>
+              <a:t>기관총 회전 소리 </a:t>
+            </a:r>
+            <a:r>
+              <a:rPr lang="en-US" altLang="ko-KR"/>
+              <a:t>:</a:t>
+            </a:r>
+            <a:r>
+              <a:rPr lang="ko-KR" altLang="en-US"/>
+              <a:t> </a:t>
+            </a:r>
+            <a:r>
+              <a:rPr lang="ko-KR" altLang="en-US">
+                <a:hlinkClick r:id="rId3"/>
+              </a:rPr>
+              <a:t>https://www.youtube.com/watch?v=gFG1TA1ZcYE</a:t>
+            </a:r>
+            <a:endParaRPr lang="ko-KR" altLang="en-US"/>
+          </a:p>
+          <a:p>
+            <a:pPr>
+              <a:defRPr/>
+            </a:pPr>
+            <a:r>
+              <a:rPr lang="ko-KR" altLang="en-US"/>
+              <a:t>동료 지원사격 사운드 </a:t>
+            </a:r>
+            <a:r>
+              <a:rPr lang="en-US" altLang="ko-KR"/>
+              <a:t>:</a:t>
+            </a:r>
+            <a:r>
+              <a:rPr lang="ko-KR" altLang="en-US"/>
+              <a:t> </a:t>
+            </a:r>
+            <a:r>
+              <a:rPr lang="ko-KR" altLang="en-US">
+                <a:hlinkClick r:id="rId4"/>
+              </a:rPr>
+              <a:t>https://assetstore.unity.com/packages/audio/sound-fx/weapons/ultra-sci-fi-game-audio-weapons-pack-vol-1-113047</a:t>
+            </a:r>
+            <a:endParaRPr lang="ko-KR" altLang="en-US"/>
+          </a:p>
+          <a:p>
+            <a:pPr>
+              <a:defRPr/>
+            </a:pPr>
+            <a:r>
+              <a:rPr lang="ko-KR" altLang="en-US"/>
+              <a:t>시작화면 </a:t>
+            </a:r>
+            <a:r>
+              <a:rPr lang="en-US" altLang="ko-KR"/>
+              <a:t>BGM - Press Start : </a:t>
+            </a:r>
+            <a:r>
+              <a:rPr lang="en-US" altLang="ko-KR">
+                <a:hlinkClick r:id="rId5"/>
+              </a:rPr>
+              <a:t>https://www.youtube.com/watch?v=XoLouT7TqZY</a:t>
+            </a:r>
+            <a:endParaRPr lang="en-US" altLang="ko-KR"/>
+          </a:p>
+          <a:p>
+            <a:pPr>
+              <a:defRPr/>
+            </a:pPr>
+            <a:r>
+              <a:rPr lang="en-US" altLang="ko-KR"/>
+              <a:t>Stage01 BGM - Do Be Do Be Do : </a:t>
+            </a:r>
+            <a:r>
+              <a:rPr lang="en-US" altLang="ko-KR">
+                <a:hlinkClick r:id="rId6"/>
+              </a:rPr>
+              <a:t>https://www.youtube.com/watch?v=Ue7U67ENudQ&amp;t=83s</a:t>
+            </a:r>
+            <a:endParaRPr lang="en-US" altLang="ko-KR"/>
+          </a:p>
+          <a:p>
+            <a:pPr>
+              <a:defRPr/>
+            </a:pPr>
+            <a:r>
+              <a:rPr lang="ko-KR" altLang="en-US"/>
+              <a:t>특수 공격 발동</a:t>
+            </a:r>
+            <a:r>
+              <a:rPr lang="en-US" altLang="ko-KR"/>
+              <a:t>,</a:t>
+            </a:r>
+            <a:r>
+              <a:rPr lang="ko-KR" altLang="en-US"/>
+              <a:t> 발사 소리 </a:t>
+            </a:r>
+            <a:r>
+              <a:rPr lang="en-US" altLang="ko-KR"/>
+              <a:t>:</a:t>
+            </a:r>
+            <a:r>
+              <a:rPr lang="ko-KR" altLang="en-US"/>
+              <a:t> </a:t>
+            </a:r>
+            <a:r>
+              <a:rPr lang="en-US" altLang="ko-KR">
+                <a:hlinkClick r:id="rId7"/>
+              </a:rPr>
+              <a:t>https://assetstore.unity.com/packages/audio/sound-fx/weapons/sci-fi-gun-sounds-pack-lite-141125</a:t>
+            </a:r>
+            <a:endParaRPr lang="en-US" altLang="ko-KR"/>
+          </a:p>
+          <a:p>
+            <a:pPr>
+              <a:defRPr/>
+            </a:pPr>
+            <a:r>
+              <a:rPr lang="ko-KR" altLang="en-US"/>
+              <a:t>지상적 포탄 발사 소리 </a:t>
+            </a:r>
+            <a:r>
+              <a:rPr lang="en-US" altLang="ko-KR"/>
+              <a:t>:</a:t>
+            </a:r>
+            <a:r>
+              <a:rPr lang="ko-KR" altLang="en-US"/>
+              <a:t> </a:t>
+            </a:r>
+            <a:r>
+              <a:rPr lang="ko-KR" altLang="en-US">
+                <a:hlinkClick r:id="rId8"/>
+              </a:rPr>
+              <a:t>https://soundbible.com/538-Blast.html</a:t>
+            </a:r>
+            <a:endParaRPr lang="en-US" altLang="ko-KR"/>
+          </a:p>
+          <a:p>
+            <a:pPr>
+              <a:defRPr/>
+            </a:pPr>
+            <a:r>
+              <a:rPr lang="en-US" altLang="ko-KR"/>
+              <a:t>(</a:t>
+            </a:r>
+            <a:r>
+              <a:rPr lang="ko-KR" altLang="en-US"/>
+              <a:t>건물</a:t>
+            </a:r>
+            <a:r>
+              <a:rPr lang="en-US" altLang="ko-KR"/>
+              <a:t>,</a:t>
+            </a:r>
+            <a:r>
+              <a:rPr lang="ko-KR" altLang="en-US"/>
+              <a:t> 폭발물</a:t>
+            </a:r>
+            <a:r>
+              <a:rPr lang="en-US" altLang="ko-KR"/>
+              <a:t>)</a:t>
+            </a:r>
+            <a:r>
+              <a:rPr lang="ko-KR" altLang="en-US"/>
+              <a:t> 폭발 소리 </a:t>
+            </a:r>
+            <a:r>
+              <a:rPr lang="en-US" altLang="ko-KR"/>
+              <a:t>:</a:t>
+            </a:r>
+            <a:r>
+              <a:rPr lang="ko-KR" altLang="en-US"/>
+              <a:t> </a:t>
+            </a:r>
+            <a:r>
+              <a:rPr lang="ko-KR" altLang="en-US">
+                <a:hlinkClick r:id="rId9"/>
+              </a:rPr>
+              <a:t>https://assetstore.unity.com/packages/audio/sound-fx/free-sound-effects-pack-155776#content</a:t>
+            </a:r>
+            <a:endParaRPr lang="ko-KR" altLang="en-US"/>
+          </a:p>
+          <a:p>
+            <a:pPr>
+              <a:defRPr/>
+            </a:pPr>
+            <a:r>
+              <a:rPr lang="ko-KR" altLang="en-US"/>
+              <a:t>공중적 사망 시 폭발 소리 </a:t>
+            </a:r>
+            <a:r>
+              <a:rPr lang="en-US" altLang="ko-KR"/>
+              <a:t>-</a:t>
+            </a:r>
+            <a:r>
+              <a:rPr lang="ko-KR" altLang="en-US"/>
+              <a:t> </a:t>
+            </a:r>
+            <a:r>
+              <a:rPr lang="en-US" altLang="ko-KR"/>
+              <a:t>MP_Barrel Exploding :</a:t>
+            </a:r>
+            <a:r>
+              <a:rPr lang="ko-KR" altLang="en-US"/>
+              <a:t> </a:t>
+            </a:r>
+            <a:r>
+              <a:rPr lang="ko-KR" altLang="en-US">
+                <a:hlinkClick r:id="rId10"/>
+              </a:rPr>
+              <a:t>https://www.mewpot.com/sound-effects/1300</a:t>
+            </a:r>
+            <a:endParaRPr lang="ko-KR" altLang="en-US"/>
+          </a:p>
+        </p:txBody>
+      </p:sp>
+    </p:spTree>
+  </p:cSld>
+  <p:clrMapOvr>
+    <a:masterClrMapping/>
+  </p:clrMapOvr>
+  <mc:AlternateContent xmlns:mc="http://schemas.openxmlformats.org/markup-compatibility/2006">
+    <mc:Choice xmlns:p14="http://schemas.microsoft.com/office/powerpoint/2010/main" Requires="p14">
+      <p:transition xmlns:mc="http://schemas.openxmlformats.org/markup-compatibility/2006" xmlns:p14="http://schemas.microsoft.com/office/powerpoint/2010/main" mc:Ignorable="p14" p14:dur="500"/>
+    </mc:Choice>
+    <mc:Fallback>
+      <p:transition/>
+    </mc:Fallback>
+  </mc:AlternateContent>
+</p:sld>
+</file>
+
+<file path=ppt/slides/slide11.xml><?xml version="1.0" encoding="utf-8"?>
+<p:sld xmlns:a="http://schemas.openxmlformats.org/drawingml/2006/main" xmlns:r="http://schemas.openxmlformats.org/officeDocument/2006/relationships" xmlns:p="http://schemas.openxmlformats.org/presentationml/2006/main">
+  <p:cSld>
+    <p:spTree>
+      <p:nvGrpSpPr>
+        <p:cNvPr id="1" name=""/>
+        <p:cNvGrpSpPr/>
+        <p:nvPr/>
+      </p:nvGrpSpPr>
+      <p:grpSpPr>
+        <a:xfrm>
+          <a:off x="0" y="0"/>
+          <a:ext cx="0" cy="0"/>
+          <a:chOff x="0" y="0"/>
+          <a:chExt cx="0" cy="0"/>
+        </a:xfrm>
+      </p:grpSpPr>
+      <p:sp>
+        <p:nvSpPr>
+          <p:cNvPr id="2" name="제목 1"/>
+          <p:cNvSpPr>
+            <a:spLocks noGrp="1"/>
+          </p:cNvSpPr>
+          <p:nvPr>
+            <p:ph type="ctrTitle"/>
+          </p:nvPr>
+        </p:nvSpPr>
+        <p:spPr/>
+        <p:txBody>
+          <a:bodyPr/>
+          <a:lstStyle/>
+          <a:p>
+            <a:pPr lvl="0">
+              <a:defRPr/>
+            </a:pPr>
+            <a:r>
+              <a:rPr lang="ko-KR" altLang="en-US" dirty="0">
+                <a:latin typeface="맑은 고딕" panose="020B0503020000020004" pitchFamily="50" charset="-127"/>
+                <a:ea typeface="맑은 고딕" panose="020B0503020000020004" pitchFamily="50" charset="-127"/>
+              </a:rPr>
+              <a:t>감사합니다</a:t>
+            </a:r>
+            <a:endParaRPr lang="ko-KR" altLang="en-US" sz="8800" dirty="0">
+              <a:latin typeface="맑은 고딕" panose="020B0503020000020004" pitchFamily="50" charset="-127"/>
+              <a:ea typeface="맑은 고딕" panose="020B0503020000020004" pitchFamily="50" charset="-127"/>
+            </a:endParaRPr>
+          </a:p>
+        </p:txBody>
+      </p:sp>
+      <p:sp>
+        <p:nvSpPr>
+          <p:cNvPr id="3" name="부제목 2"/>
+          <p:cNvSpPr>
+            <a:spLocks noGrp="1"/>
+          </p:cNvSpPr>
+          <p:nvPr>
+            <p:ph type="subTitle" idx="1"/>
+          </p:nvPr>
+        </p:nvSpPr>
+        <p:spPr/>
+        <p:txBody>
+          <a:bodyPr/>
+          <a:lstStyle/>
+          <a:p>
+            <a:pPr lvl="0">
+              <a:defRPr/>
+            </a:pPr>
+            <a:r>
+              <a:rPr lang="en-US" altLang="ko-KR" dirty="0">
+                <a:latin typeface="맑은 고딕" panose="020B0503020000020004" pitchFamily="50" charset="-127"/>
+                <a:ea typeface="맑은 고딕" panose="020B0503020000020004" pitchFamily="50" charset="-127"/>
+              </a:rPr>
+              <a:t>20205220</a:t>
+            </a:r>
+            <a:r>
+              <a:rPr lang="ko-KR" altLang="en-US" dirty="0">
+                <a:latin typeface="맑은 고딕" panose="020B0503020000020004" pitchFamily="50" charset="-127"/>
+                <a:ea typeface="맑은 고딕" panose="020B0503020000020004" pitchFamily="50" charset="-127"/>
+              </a:rPr>
+              <a:t> 이바다 </a:t>
+            </a:r>
+            <a:r>
+              <a:rPr lang="en-US" altLang="ko-KR" dirty="0">
+                <a:latin typeface="맑은 고딕" panose="020B0503020000020004" pitchFamily="50" charset="-127"/>
+                <a:ea typeface="맑은 고딕" panose="020B0503020000020004" pitchFamily="50" charset="-127"/>
+              </a:rPr>
+              <a:t>/</a:t>
+            </a:r>
+            <a:r>
+              <a:rPr lang="ko-KR" altLang="en-US" dirty="0">
+                <a:latin typeface="맑은 고딕" panose="020B0503020000020004" pitchFamily="50" charset="-127"/>
+                <a:ea typeface="맑은 고딕" panose="020B0503020000020004" pitchFamily="50" charset="-127"/>
+              </a:rPr>
+              <a:t> </a:t>
+            </a:r>
+            <a:r>
+              <a:rPr lang="en-US" altLang="ko-KR" dirty="0">
+                <a:latin typeface="맑은 고딕" panose="020B0503020000020004" pitchFamily="50" charset="-127"/>
+                <a:ea typeface="맑은 고딕" panose="020B0503020000020004" pitchFamily="50" charset="-127"/>
+              </a:rPr>
+              <a:t>20205262</a:t>
+            </a:r>
+            <a:r>
+              <a:rPr lang="ko-KR" altLang="en-US" dirty="0">
+                <a:latin typeface="맑은 고딕" panose="020B0503020000020004" pitchFamily="50" charset="-127"/>
+                <a:ea typeface="맑은 고딕" panose="020B0503020000020004" pitchFamily="50" charset="-127"/>
+              </a:rPr>
+              <a:t> </a:t>
+            </a:r>
+            <a:r>
+              <a:rPr lang="ko-KR" altLang="en-US" dirty="0" err="1">
+                <a:latin typeface="맑은 고딕" panose="020B0503020000020004" pitchFamily="50" charset="-127"/>
+                <a:ea typeface="맑은 고딕" panose="020B0503020000020004" pitchFamily="50" charset="-127"/>
+              </a:rPr>
+              <a:t>최예찬</a:t>
+            </a:r>
+            <a:endParaRPr lang="ko-KR" altLang="en-US" dirty="0">
+              <a:latin typeface="맑은 고딕" panose="020B0503020000020004" pitchFamily="50" charset="-127"/>
+              <a:ea typeface="맑은 고딕" panose="020B0503020000020004" pitchFamily="50" charset="-127"/>
+            </a:endParaRPr>
+          </a:p>
+        </p:txBody>
+      </p:sp>
+      <p:sp>
+        <p:nvSpPr>
+          <p:cNvPr id="4" name="바닥글 개체 틀 3"/>
+          <p:cNvSpPr>
+            <a:spLocks noGrp="1"/>
+          </p:cNvSpPr>
+          <p:nvPr>
+            <p:ph type="ftr" sz="quarter" idx="11"/>
+          </p:nvPr>
+        </p:nvSpPr>
+        <p:spPr/>
+        <p:txBody>
+          <a:bodyPr/>
+          <a:lstStyle/>
+          <a:p>
+            <a:pPr lvl="0">
+              <a:defRPr/>
+            </a:pPr>
+            <a:r>
+              <a:rPr lang="en-US" altLang="ko-KR" dirty="0">
+                <a:latin typeface="맑은 고딕" panose="020B0503020000020004" pitchFamily="50" charset="-127"/>
+                <a:ea typeface="맑은 고딕" panose="020B0503020000020004" pitchFamily="50" charset="-127"/>
+              </a:rPr>
+              <a:t>Designed By </a:t>
+            </a:r>
+            <a:r>
+              <a:rPr lang="en-US" altLang="ko-KR" dirty="0" err="1">
+                <a:latin typeface="맑은 고딕" panose="020B0503020000020004" pitchFamily="50" charset="-127"/>
+                <a:ea typeface="맑은 고딕" panose="020B0503020000020004" pitchFamily="50" charset="-127"/>
+              </a:rPr>
+              <a:t>L@rgo</a:t>
+            </a:r>
+            <a:r>
+              <a:rPr lang="en-US" altLang="ko-KR" dirty="0">
+                <a:latin typeface="맑은 고딕" panose="020B0503020000020004" pitchFamily="50" charset="-127"/>
+                <a:ea typeface="맑은 고딕" panose="020B0503020000020004" pitchFamily="50" charset="-127"/>
+              </a:rPr>
+              <a:t>. ADSTORE</a:t>
+            </a:r>
+            <a:endParaRPr lang="ko-KR" altLang="en-US" dirty="0">
+              <a:latin typeface="맑은 고딕" panose="020B0503020000020004" pitchFamily="50" charset="-127"/>
+              <a:ea typeface="맑은 고딕" panose="020B0503020000020004" pitchFamily="50" charset="-127"/>
+            </a:endParaRPr>
+          </a:p>
+        </p:txBody>
+      </p:sp>
+      <p:grpSp>
+        <p:nvGrpSpPr>
+          <p:cNvPr id="6" name="그룹 5"/>
+          <p:cNvGrpSpPr/>
+          <p:nvPr/>
+        </p:nvGrpSpPr>
+        <p:grpSpPr>
+          <a:xfrm>
+            <a:off x="3902044" y="0"/>
+            <a:ext cx="4379675" cy="6858000"/>
+            <a:chOff x="3902044" y="0"/>
+            <a:chExt cx="4379675" cy="6858000"/>
+          </a:xfrm>
+        </p:grpSpPr>
+        <p:cxnSp>
+          <p:nvCxnSpPr>
+            <p:cNvPr id="7" name="직선 연결선 6"/>
+            <p:cNvCxnSpPr/>
+            <p:nvPr userDrawn="1"/>
+          </p:nvCxnSpPr>
+          <p:spPr>
+            <a:xfrm flipH="1">
+              <a:off x="4157026" y="1034351"/>
+              <a:ext cx="504748" cy="0"/>
+            </a:xfrm>
+            <a:prstGeom prst="line">
+              <a:avLst/>
+            </a:prstGeom>
+            <a:noFill/>
+            <a:ln w="9525">
+              <a:solidFill>
+                <a:schemeClr val="bg1">
+                  <a:lumMod val="75000"/>
+                </a:schemeClr>
+              </a:solidFill>
+            </a:ln>
+          </p:spPr>
+          <p:style>
+            <a:lnRef idx="2">
+              <a:schemeClr val="accent1">
+                <a:shade val="50000"/>
+              </a:schemeClr>
+            </a:lnRef>
+            <a:fillRef idx="1">
+              <a:schemeClr val="accent1"/>
+            </a:fillRef>
+            <a:effectRef idx="0">
+              <a:schemeClr val="accent1"/>
+            </a:effectRef>
+            <a:fontRef idx="minor">
+              <a:schemeClr val="lt1"/>
+            </a:fontRef>
+          </p:style>
+        </p:cxnSp>
+        <p:cxnSp>
+          <p:nvCxnSpPr>
+            <p:cNvPr id="8" name="직선 연결선 7"/>
+            <p:cNvCxnSpPr/>
+            <p:nvPr userDrawn="1"/>
+          </p:nvCxnSpPr>
+          <p:spPr>
+            <a:xfrm>
+              <a:off x="4420277" y="821094"/>
+              <a:ext cx="0" cy="452673"/>
+            </a:xfrm>
+            <a:prstGeom prst="line">
+              <a:avLst/>
+            </a:prstGeom>
+            <a:noFill/>
+            <a:ln w="3175">
+              <a:solidFill>
+                <a:schemeClr val="bg1">
+                  <a:lumMod val="50000"/>
+                  <a:alpha val="41000"/>
+                </a:schemeClr>
+              </a:solidFill>
+            </a:ln>
+          </p:spPr>
+          <p:style>
+            <a:lnRef idx="2">
+              <a:schemeClr val="accent1">
+                <a:shade val="50000"/>
+              </a:schemeClr>
+            </a:lnRef>
+            <a:fillRef idx="1">
+              <a:schemeClr val="accent1"/>
+            </a:fillRef>
+            <a:effectRef idx="0">
+              <a:schemeClr val="accent1"/>
+            </a:effectRef>
+            <a:fontRef idx="minor">
+              <a:schemeClr val="lt1"/>
+            </a:fontRef>
+          </p:style>
+        </p:cxnSp>
+        <p:cxnSp>
+          <p:nvCxnSpPr>
+            <p:cNvPr id="9" name="직선 연결선 8"/>
+            <p:cNvCxnSpPr/>
+            <p:nvPr userDrawn="1"/>
+          </p:nvCxnSpPr>
+          <p:spPr>
+            <a:xfrm rot="5400000" flipH="1">
+              <a:off x="3904652" y="1283291"/>
+              <a:ext cx="504748" cy="0"/>
+            </a:xfrm>
+            <a:prstGeom prst="line">
+              <a:avLst/>
+            </a:prstGeom>
+            <a:noFill/>
+            <a:ln w="9525">
+              <a:solidFill>
+                <a:schemeClr val="bg1">
+                  <a:lumMod val="75000"/>
+                </a:schemeClr>
+              </a:solidFill>
+            </a:ln>
+          </p:spPr>
+          <p:style>
+            <a:lnRef idx="2">
+              <a:schemeClr val="accent1">
+                <a:shade val="50000"/>
+              </a:schemeClr>
+            </a:lnRef>
+            <a:fillRef idx="1">
+              <a:schemeClr val="accent1"/>
+            </a:fillRef>
+            <a:effectRef idx="0">
+              <a:schemeClr val="accent1"/>
+            </a:effectRef>
+            <a:fontRef idx="minor">
+              <a:schemeClr val="lt1"/>
+            </a:fontRef>
+          </p:style>
+        </p:cxnSp>
+        <p:cxnSp>
+          <p:nvCxnSpPr>
+            <p:cNvPr id="10" name="직선 연결선 9"/>
+            <p:cNvCxnSpPr/>
+            <p:nvPr userDrawn="1"/>
+          </p:nvCxnSpPr>
+          <p:spPr>
+            <a:xfrm flipH="1">
+              <a:off x="4151395" y="4633361"/>
+              <a:ext cx="258005" cy="258005"/>
+            </a:xfrm>
+            <a:prstGeom prst="line">
+              <a:avLst/>
+            </a:prstGeom>
+            <a:noFill/>
+            <a:ln w="3175">
+              <a:solidFill>
+                <a:schemeClr val="bg1">
+                  <a:lumMod val="50000"/>
+                  <a:alpha val="20000"/>
+                </a:schemeClr>
+              </a:solidFill>
+            </a:ln>
+          </p:spPr>
+          <p:style>
+            <a:lnRef idx="2">
+              <a:schemeClr val="accent1">
+                <a:shade val="50000"/>
+              </a:schemeClr>
+            </a:lnRef>
+            <a:fillRef idx="1">
+              <a:schemeClr val="accent1"/>
+            </a:fillRef>
+            <a:effectRef idx="0">
+              <a:schemeClr val="accent1"/>
+            </a:effectRef>
+            <a:fontRef idx="minor">
+              <a:schemeClr val="lt1"/>
+            </a:fontRef>
+          </p:style>
+        </p:cxnSp>
+        <p:cxnSp>
+          <p:nvCxnSpPr>
+            <p:cNvPr id="11" name="직선 연결선 10"/>
+            <p:cNvCxnSpPr/>
+            <p:nvPr userDrawn="1"/>
+          </p:nvCxnSpPr>
+          <p:spPr>
+            <a:xfrm flipH="1">
+              <a:off x="7776970" y="1046111"/>
+              <a:ext cx="258005" cy="258005"/>
+            </a:xfrm>
+            <a:prstGeom prst="line">
+              <a:avLst/>
+            </a:prstGeom>
+            <a:noFill/>
+            <a:ln w="3175">
+              <a:solidFill>
+                <a:schemeClr val="bg1">
+                  <a:lumMod val="50000"/>
+                  <a:alpha val="20000"/>
+                </a:schemeClr>
+              </a:solidFill>
+            </a:ln>
+          </p:spPr>
+          <p:style>
+            <a:lnRef idx="2">
+              <a:schemeClr val="accent1">
+                <a:shade val="50000"/>
+              </a:schemeClr>
+            </a:lnRef>
+            <a:fillRef idx="1">
+              <a:schemeClr val="accent1"/>
+            </a:fillRef>
+            <a:effectRef idx="0">
+              <a:schemeClr val="accent1"/>
+            </a:effectRef>
+            <a:fontRef idx="minor">
+              <a:schemeClr val="lt1"/>
+            </a:fontRef>
+          </p:style>
+        </p:cxnSp>
+        <p:cxnSp>
+          <p:nvCxnSpPr>
+            <p:cNvPr id="12" name="직선 연결선 11"/>
+            <p:cNvCxnSpPr/>
+            <p:nvPr userDrawn="1"/>
+          </p:nvCxnSpPr>
+          <p:spPr>
+            <a:xfrm>
+              <a:off x="4151395" y="3189176"/>
+              <a:ext cx="0" cy="3668824"/>
+            </a:xfrm>
+            <a:prstGeom prst="line">
+              <a:avLst/>
+            </a:prstGeom>
+            <a:noFill/>
+            <a:ln w="3175">
+              <a:solidFill>
+                <a:schemeClr val="bg1">
+                  <a:lumMod val="50000"/>
+                  <a:alpha val="41000"/>
+                </a:schemeClr>
+              </a:solidFill>
+            </a:ln>
+          </p:spPr>
+          <p:style>
+            <a:lnRef idx="2">
+              <a:schemeClr val="accent1">
+                <a:shade val="50000"/>
+              </a:schemeClr>
+            </a:lnRef>
+            <a:fillRef idx="1">
+              <a:schemeClr val="accent1"/>
+            </a:fillRef>
+            <a:effectRef idx="0">
+              <a:schemeClr val="accent1"/>
+            </a:effectRef>
+            <a:fontRef idx="minor">
+              <a:schemeClr val="lt1"/>
+            </a:fontRef>
+          </p:style>
+        </p:cxnSp>
+        <p:cxnSp>
+          <p:nvCxnSpPr>
+            <p:cNvPr id="13" name="직선 연결선 12"/>
+            <p:cNvCxnSpPr/>
+            <p:nvPr userDrawn="1"/>
+          </p:nvCxnSpPr>
+          <p:spPr>
+            <a:xfrm>
+              <a:off x="8046226" y="0"/>
+              <a:ext cx="0" cy="3668824"/>
+            </a:xfrm>
+            <a:prstGeom prst="line">
+              <a:avLst/>
+            </a:prstGeom>
+            <a:noFill/>
+            <a:ln w="3175">
+              <a:solidFill>
+                <a:schemeClr val="bg1">
+                  <a:lumMod val="50000"/>
+                  <a:alpha val="41000"/>
+                </a:schemeClr>
+              </a:solidFill>
+            </a:ln>
+          </p:spPr>
+          <p:style>
+            <a:lnRef idx="2">
+              <a:schemeClr val="accent1">
+                <a:shade val="50000"/>
+              </a:schemeClr>
+            </a:lnRef>
+            <a:fillRef idx="1">
+              <a:schemeClr val="accent1"/>
+            </a:fillRef>
+            <a:effectRef idx="0">
+              <a:schemeClr val="accent1"/>
+            </a:effectRef>
+            <a:fontRef idx="minor">
+              <a:schemeClr val="lt1"/>
+            </a:fontRef>
+          </p:style>
+        </p:cxnSp>
+        <p:cxnSp>
+          <p:nvCxnSpPr>
+            <p:cNvPr id="15" name="직선 연결선 14"/>
+            <p:cNvCxnSpPr/>
+            <p:nvPr userDrawn="1"/>
+          </p:nvCxnSpPr>
+          <p:spPr>
+            <a:xfrm>
+              <a:off x="8040221" y="5140880"/>
+              <a:ext cx="0" cy="380641"/>
+            </a:xfrm>
+            <a:prstGeom prst="line">
+              <a:avLst/>
+            </a:prstGeom>
+            <a:noFill/>
+            <a:ln w="3175">
+              <a:solidFill>
+                <a:schemeClr val="bg1">
+                  <a:lumMod val="50000"/>
+                  <a:alpha val="15000"/>
+                </a:schemeClr>
+              </a:solidFill>
+            </a:ln>
+          </p:spPr>
+          <p:style>
+            <a:lnRef idx="2">
+              <a:schemeClr val="accent1">
+                <a:shade val="50000"/>
+              </a:schemeClr>
+            </a:lnRef>
+            <a:fillRef idx="1">
+              <a:schemeClr val="accent1"/>
+            </a:fillRef>
+            <a:effectRef idx="0">
+              <a:schemeClr val="accent1"/>
+            </a:effectRef>
+            <a:fontRef idx="minor">
+              <a:schemeClr val="lt1"/>
+            </a:fontRef>
+          </p:style>
+        </p:cxnSp>
+        <p:grpSp>
+          <p:nvGrpSpPr>
+            <p:cNvPr id="16" name="그룹 15"/>
+            <p:cNvGrpSpPr/>
+            <p:nvPr userDrawn="1"/>
+          </p:nvGrpSpPr>
+          <p:grpSpPr>
+            <a:xfrm>
+              <a:off x="7776970" y="4688207"/>
+              <a:ext cx="504748" cy="452673"/>
+              <a:chOff x="333451" y="0"/>
+              <a:chExt cx="504748" cy="452673"/>
+            </a:xfrm>
+          </p:grpSpPr>
+          <p:cxnSp>
+            <p:nvCxnSpPr>
+              <p:cNvPr id="32" name="직선 연결선 31"/>
+              <p:cNvCxnSpPr/>
+              <p:nvPr userDrawn="1"/>
+            </p:nvCxnSpPr>
+            <p:spPr>
+              <a:xfrm flipH="1">
+                <a:off x="333451" y="213257"/>
+                <a:ext cx="504748" cy="0"/>
+              </a:xfrm>
+              <a:prstGeom prst="line">
+                <a:avLst/>
+              </a:prstGeom>
+              <a:noFill/>
+              <a:ln w="9525">
+                <a:solidFill>
+                  <a:schemeClr val="bg1">
+                    <a:lumMod val="75000"/>
+                  </a:schemeClr>
+                </a:solidFill>
+              </a:ln>
+            </p:spPr>
+            <p:style>
+              <a:lnRef idx="2">
+                <a:schemeClr val="accent1">
+                  <a:shade val="50000"/>
+                </a:schemeClr>
+              </a:lnRef>
+              <a:fillRef idx="1">
+                <a:schemeClr val="accent1"/>
+              </a:fillRef>
+              <a:effectRef idx="0">
+                <a:schemeClr val="accent1"/>
+              </a:effectRef>
+              <a:fontRef idx="minor">
+                <a:schemeClr val="lt1"/>
+              </a:fontRef>
+            </p:style>
+          </p:cxnSp>
+          <p:cxnSp>
+            <p:nvCxnSpPr>
+              <p:cNvPr id="33" name="직선 연결선 32"/>
+              <p:cNvCxnSpPr/>
+              <p:nvPr userDrawn="1"/>
+            </p:nvCxnSpPr>
+            <p:spPr>
+              <a:xfrm>
+                <a:off x="596702" y="0"/>
+                <a:ext cx="0" cy="452673"/>
+              </a:xfrm>
+              <a:prstGeom prst="line">
+                <a:avLst/>
+              </a:prstGeom>
+              <a:noFill/>
+              <a:ln w="3175">
+                <a:solidFill>
+                  <a:schemeClr val="bg1">
+                    <a:lumMod val="50000"/>
+                    <a:alpha val="41000"/>
+                  </a:schemeClr>
+                </a:solidFill>
+              </a:ln>
+            </p:spPr>
+            <p:style>
+              <a:lnRef idx="2">
+                <a:schemeClr val="accent1">
+                  <a:shade val="50000"/>
+                </a:schemeClr>
+              </a:lnRef>
+              <a:fillRef idx="1">
+                <a:schemeClr val="accent1"/>
+              </a:fillRef>
+              <a:effectRef idx="0">
+                <a:schemeClr val="accent1"/>
+              </a:effectRef>
+              <a:fontRef idx="minor">
+                <a:schemeClr val="lt1"/>
+              </a:fontRef>
+            </p:style>
+          </p:cxnSp>
+        </p:grpSp>
+        <p:cxnSp>
+          <p:nvCxnSpPr>
+            <p:cNvPr id="17" name="직선 연결선 16"/>
+            <p:cNvCxnSpPr/>
+            <p:nvPr userDrawn="1"/>
+          </p:nvCxnSpPr>
+          <p:spPr>
+            <a:xfrm flipH="1">
+              <a:off x="7543675" y="1034351"/>
+              <a:ext cx="504748" cy="0"/>
+            </a:xfrm>
+            <a:prstGeom prst="line">
+              <a:avLst/>
+            </a:prstGeom>
+            <a:noFill/>
+            <a:ln w="9525">
+              <a:solidFill>
+                <a:schemeClr val="bg1">
+                  <a:lumMod val="75000"/>
+                </a:schemeClr>
+              </a:solidFill>
+            </a:ln>
+          </p:spPr>
+          <p:style>
+            <a:lnRef idx="2">
+              <a:schemeClr val="accent1">
+                <a:shade val="50000"/>
+              </a:schemeClr>
+            </a:lnRef>
+            <a:fillRef idx="1">
+              <a:schemeClr val="accent1"/>
+            </a:fillRef>
+            <a:effectRef idx="0">
+              <a:schemeClr val="accent1"/>
+            </a:effectRef>
+            <a:fontRef idx="minor">
+              <a:schemeClr val="lt1"/>
+            </a:fontRef>
+          </p:style>
+        </p:cxnSp>
+        <p:grpSp>
+          <p:nvGrpSpPr>
+            <p:cNvPr id="18" name="그룹 17"/>
+            <p:cNvGrpSpPr/>
+            <p:nvPr userDrawn="1"/>
+          </p:nvGrpSpPr>
+          <p:grpSpPr>
+            <a:xfrm>
+              <a:off x="3902044" y="1030917"/>
+              <a:ext cx="4369523" cy="5827083"/>
+              <a:chOff x="3902044" y="1030917"/>
+              <a:chExt cx="4369523" cy="5827083"/>
+            </a:xfrm>
+          </p:grpSpPr>
+          <p:cxnSp>
+            <p:nvCxnSpPr>
+              <p:cNvPr id="29" name="직선 연결선 28"/>
+              <p:cNvCxnSpPr/>
+              <p:nvPr userDrawn="1"/>
+            </p:nvCxnSpPr>
+            <p:spPr>
+              <a:xfrm>
+                <a:off x="3902044" y="6524625"/>
+                <a:ext cx="4175800" cy="0"/>
+              </a:xfrm>
+              <a:prstGeom prst="line">
+                <a:avLst/>
+              </a:prstGeom>
+              <a:noFill/>
+              <a:ln w="3175">
+                <a:solidFill>
+                  <a:schemeClr val="bg1">
+                    <a:lumMod val="50000"/>
+                    <a:alpha val="20000"/>
+                  </a:schemeClr>
+                </a:solidFill>
+              </a:ln>
+            </p:spPr>
+            <p:style>
+              <a:lnRef idx="2">
+                <a:schemeClr val="accent1">
+                  <a:shade val="50000"/>
+                </a:schemeClr>
+              </a:lnRef>
+              <a:fillRef idx="1">
+                <a:schemeClr val="accent1"/>
+              </a:fillRef>
+              <a:effectRef idx="0">
+                <a:schemeClr val="accent1"/>
+              </a:effectRef>
+              <a:fontRef idx="minor">
+                <a:schemeClr val="lt1"/>
+              </a:fontRef>
+            </p:style>
+          </p:cxnSp>
+          <p:cxnSp>
+            <p:nvCxnSpPr>
+              <p:cNvPr id="30" name="직선 연결선 29"/>
+              <p:cNvCxnSpPr/>
+              <p:nvPr userDrawn="1"/>
+            </p:nvCxnSpPr>
+            <p:spPr>
+              <a:xfrm>
+                <a:off x="8271567" y="1030917"/>
+                <a:ext cx="0" cy="5827083"/>
+              </a:xfrm>
+              <a:prstGeom prst="line">
+                <a:avLst/>
+              </a:prstGeom>
+              <a:noFill/>
+              <a:ln w="3175">
+                <a:solidFill>
+                  <a:schemeClr val="bg1">
+                    <a:lumMod val="50000"/>
+                    <a:alpha val="20000"/>
+                  </a:schemeClr>
+                </a:solidFill>
+              </a:ln>
+            </p:spPr>
+            <p:style>
+              <a:lnRef idx="2">
+                <a:schemeClr val="accent1">
+                  <a:shade val="50000"/>
+                </a:schemeClr>
+              </a:lnRef>
+              <a:fillRef idx="1">
+                <a:schemeClr val="accent1"/>
+              </a:fillRef>
+              <a:effectRef idx="0">
+                <a:schemeClr val="accent1"/>
+              </a:effectRef>
+              <a:fontRef idx="minor">
+                <a:schemeClr val="lt1"/>
+              </a:fontRef>
+            </p:style>
+          </p:cxnSp>
+          <p:cxnSp>
+            <p:nvCxnSpPr>
+              <p:cNvPr id="31" name="직선 연결선 30"/>
+              <p:cNvCxnSpPr/>
+              <p:nvPr userDrawn="1"/>
+            </p:nvCxnSpPr>
+            <p:spPr>
+              <a:xfrm>
+                <a:off x="8077844" y="6362324"/>
+                <a:ext cx="0" cy="162301"/>
+              </a:xfrm>
+              <a:prstGeom prst="line">
+                <a:avLst/>
+              </a:prstGeom>
+              <a:noFill/>
+              <a:ln w="3175">
+                <a:solidFill>
+                  <a:schemeClr val="bg1">
+                    <a:lumMod val="50000"/>
+                    <a:alpha val="20000"/>
+                  </a:schemeClr>
+                </a:solidFill>
+              </a:ln>
+            </p:spPr>
+            <p:style>
+              <a:lnRef idx="2">
+                <a:schemeClr val="accent1">
+                  <a:shade val="50000"/>
+                </a:schemeClr>
+              </a:lnRef>
+              <a:fillRef idx="1">
+                <a:schemeClr val="accent1"/>
+              </a:fillRef>
+              <a:effectRef idx="0">
+                <a:schemeClr val="accent1"/>
+              </a:effectRef>
+              <a:fontRef idx="minor">
+                <a:schemeClr val="lt1"/>
+              </a:fontRef>
+            </p:style>
+          </p:cxnSp>
+        </p:grpSp>
+        <p:cxnSp>
+          <p:nvCxnSpPr>
+            <p:cNvPr id="19" name="직선 연결선 18"/>
+            <p:cNvCxnSpPr/>
+            <p:nvPr userDrawn="1"/>
+          </p:nvCxnSpPr>
+          <p:spPr>
+            <a:xfrm>
+              <a:off x="3902044" y="0"/>
+              <a:ext cx="0" cy="3668824"/>
+            </a:xfrm>
+            <a:prstGeom prst="line">
+              <a:avLst/>
+            </a:prstGeom>
+            <a:noFill/>
+            <a:ln w="3175">
+              <a:solidFill>
+                <a:schemeClr val="bg1">
+                  <a:lumMod val="50000"/>
+                  <a:alpha val="41000"/>
+                </a:schemeClr>
+              </a:solidFill>
+            </a:ln>
+          </p:spPr>
+          <p:style>
+            <a:lnRef idx="2">
+              <a:schemeClr val="accent1">
+                <a:shade val="50000"/>
+              </a:schemeClr>
+            </a:lnRef>
+            <a:fillRef idx="1">
+              <a:schemeClr val="accent1"/>
+            </a:fillRef>
+            <a:effectRef idx="0">
+              <a:schemeClr val="accent1"/>
+            </a:effectRef>
+            <a:fontRef idx="minor">
+              <a:schemeClr val="lt1"/>
+            </a:fontRef>
+          </p:style>
+        </p:cxnSp>
+        <p:cxnSp>
+          <p:nvCxnSpPr>
+            <p:cNvPr id="20" name="직선 연결선 19"/>
+            <p:cNvCxnSpPr/>
+            <p:nvPr userDrawn="1"/>
+          </p:nvCxnSpPr>
+          <p:spPr>
+            <a:xfrm flipH="1">
+              <a:off x="8045271" y="1804193"/>
+              <a:ext cx="236448" cy="236447"/>
+            </a:xfrm>
+            <a:prstGeom prst="line">
+              <a:avLst/>
+            </a:prstGeom>
+            <a:noFill/>
+            <a:ln w="3175">
+              <a:solidFill>
+                <a:schemeClr val="bg1">
+                  <a:lumMod val="50000"/>
+                  <a:alpha val="20000"/>
+                </a:schemeClr>
+              </a:solidFill>
+            </a:ln>
+          </p:spPr>
+          <p:style>
+            <a:lnRef idx="2">
+              <a:schemeClr val="accent1">
+                <a:shade val="50000"/>
+              </a:schemeClr>
+            </a:lnRef>
+            <a:fillRef idx="1">
+              <a:schemeClr val="accent1"/>
+            </a:fillRef>
+            <a:effectRef idx="0">
+              <a:schemeClr val="accent1"/>
+            </a:effectRef>
+            <a:fontRef idx="minor">
+              <a:schemeClr val="lt1"/>
+            </a:fontRef>
+          </p:style>
+        </p:cxnSp>
+        <p:cxnSp>
+          <p:nvCxnSpPr>
+            <p:cNvPr id="21" name="직선 연결선 20"/>
+            <p:cNvCxnSpPr/>
+            <p:nvPr userDrawn="1"/>
+          </p:nvCxnSpPr>
+          <p:spPr>
+            <a:xfrm flipH="1">
+              <a:off x="3903696" y="3438640"/>
+              <a:ext cx="236448" cy="236447"/>
+            </a:xfrm>
+            <a:prstGeom prst="line">
+              <a:avLst/>
+            </a:prstGeom>
+            <a:noFill/>
+            <a:ln w="3175">
+              <a:solidFill>
+                <a:schemeClr val="bg1">
+                  <a:lumMod val="50000"/>
+                  <a:alpha val="20000"/>
+                </a:schemeClr>
+              </a:solidFill>
+            </a:ln>
+          </p:spPr>
+          <p:style>
+            <a:lnRef idx="2">
+              <a:schemeClr val="accent1">
+                <a:shade val="50000"/>
+              </a:schemeClr>
+            </a:lnRef>
+            <a:fillRef idx="1">
+              <a:schemeClr val="accent1"/>
+            </a:fillRef>
+            <a:effectRef idx="0">
+              <a:schemeClr val="accent1"/>
+            </a:effectRef>
+            <a:fontRef idx="minor">
+              <a:schemeClr val="lt1"/>
+            </a:fontRef>
+          </p:style>
+        </p:cxnSp>
+        <p:grpSp>
+          <p:nvGrpSpPr>
+            <p:cNvPr id="22" name="그룹 21"/>
+            <p:cNvGrpSpPr/>
+            <p:nvPr userDrawn="1"/>
+          </p:nvGrpSpPr>
+          <p:grpSpPr>
+            <a:xfrm>
+              <a:off x="4162648" y="1703212"/>
+              <a:ext cx="3894830" cy="2529374"/>
+              <a:chOff x="4830585" y="1935633"/>
+              <a:chExt cx="2567940" cy="2529374"/>
+            </a:xfrm>
+          </p:grpSpPr>
+          <p:cxnSp>
+            <p:nvCxnSpPr>
+              <p:cNvPr id="23" name="직선 연결선 22"/>
+              <p:cNvCxnSpPr/>
+              <p:nvPr userDrawn="1"/>
+            </p:nvCxnSpPr>
+            <p:spPr>
+              <a:xfrm rot="5400000">
+                <a:off x="6114555" y="2191992"/>
+                <a:ext cx="0" cy="2567940"/>
+              </a:xfrm>
+              <a:prstGeom prst="line">
+                <a:avLst/>
+              </a:prstGeom>
+              <a:noFill/>
+              <a:ln w="3175">
+                <a:solidFill>
+                  <a:schemeClr val="bg1">
+                    <a:lumMod val="50000"/>
+                    <a:alpha val="10000"/>
+                  </a:schemeClr>
+                </a:solidFill>
+              </a:ln>
+            </p:spPr>
+            <p:style>
+              <a:lnRef idx="2">
+                <a:schemeClr val="accent1">
+                  <a:shade val="50000"/>
+                </a:schemeClr>
+              </a:lnRef>
+              <a:fillRef idx="1">
+                <a:schemeClr val="accent1"/>
+              </a:fillRef>
+              <a:effectRef idx="0">
+                <a:schemeClr val="accent1"/>
+              </a:effectRef>
+              <a:fontRef idx="minor">
+                <a:schemeClr val="lt1"/>
+              </a:fontRef>
+            </p:style>
+          </p:cxnSp>
+          <p:cxnSp>
+            <p:nvCxnSpPr>
+              <p:cNvPr id="24" name="직선 연결선 23"/>
+              <p:cNvCxnSpPr/>
+              <p:nvPr userDrawn="1"/>
+            </p:nvCxnSpPr>
+            <p:spPr>
+              <a:xfrm rot="5400000">
+                <a:off x="6114555" y="1202170"/>
+                <a:ext cx="0" cy="2567940"/>
+              </a:xfrm>
+              <a:prstGeom prst="line">
+                <a:avLst/>
+              </a:prstGeom>
+              <a:noFill/>
+              <a:ln w="3175">
+                <a:solidFill>
+                  <a:schemeClr val="bg1">
+                    <a:lumMod val="50000"/>
+                    <a:alpha val="10000"/>
+                  </a:schemeClr>
+                </a:solidFill>
+              </a:ln>
+            </p:spPr>
+            <p:style>
+              <a:lnRef idx="2">
+                <a:schemeClr val="accent1">
+                  <a:shade val="50000"/>
+                </a:schemeClr>
+              </a:lnRef>
+              <a:fillRef idx="1">
+                <a:schemeClr val="accent1"/>
+              </a:fillRef>
+              <a:effectRef idx="0">
+                <a:schemeClr val="accent1"/>
+              </a:effectRef>
+              <a:fontRef idx="minor">
+                <a:schemeClr val="lt1"/>
+              </a:fontRef>
+            </p:style>
+          </p:cxnSp>
+          <p:cxnSp>
+            <p:nvCxnSpPr>
+              <p:cNvPr id="25" name="직선 연결선 24"/>
+              <p:cNvCxnSpPr/>
+              <p:nvPr userDrawn="1"/>
+            </p:nvCxnSpPr>
+            <p:spPr>
+              <a:xfrm rot="5400000">
+                <a:off x="6114555" y="1641486"/>
+                <a:ext cx="0" cy="2567940"/>
+              </a:xfrm>
+              <a:prstGeom prst="line">
+                <a:avLst/>
+              </a:prstGeom>
+              <a:noFill/>
+              <a:ln w="3175">
+                <a:solidFill>
+                  <a:schemeClr val="bg1">
+                    <a:lumMod val="50000"/>
+                    <a:alpha val="10000"/>
+                  </a:schemeClr>
+                </a:solidFill>
+              </a:ln>
+            </p:spPr>
+            <p:style>
+              <a:lnRef idx="2">
+                <a:schemeClr val="accent1">
+                  <a:shade val="50000"/>
+                </a:schemeClr>
+              </a:lnRef>
+              <a:fillRef idx="1">
+                <a:schemeClr val="accent1"/>
+              </a:fillRef>
+              <a:effectRef idx="0">
+                <a:schemeClr val="accent1"/>
+              </a:effectRef>
+              <a:fontRef idx="minor">
+                <a:schemeClr val="lt1"/>
+              </a:fontRef>
+            </p:style>
+          </p:cxnSp>
+          <p:cxnSp>
+            <p:nvCxnSpPr>
+              <p:cNvPr id="26" name="직선 연결선 25"/>
+              <p:cNvCxnSpPr/>
+              <p:nvPr userDrawn="1"/>
+            </p:nvCxnSpPr>
+            <p:spPr>
+              <a:xfrm rot="5400000">
+                <a:off x="6114555" y="651663"/>
+                <a:ext cx="0" cy="2567940"/>
+              </a:xfrm>
+              <a:prstGeom prst="line">
+                <a:avLst/>
+              </a:prstGeom>
+              <a:noFill/>
+              <a:ln w="3175">
+                <a:solidFill>
+                  <a:schemeClr val="bg1">
+                    <a:lumMod val="50000"/>
+                    <a:alpha val="10000"/>
+                  </a:schemeClr>
+                </a:solidFill>
+              </a:ln>
+            </p:spPr>
+            <p:style>
+              <a:lnRef idx="2">
+                <a:schemeClr val="accent1">
+                  <a:shade val="50000"/>
+                </a:schemeClr>
+              </a:lnRef>
+              <a:fillRef idx="1">
+                <a:schemeClr val="accent1"/>
+              </a:fillRef>
+              <a:effectRef idx="0">
+                <a:schemeClr val="accent1"/>
+              </a:effectRef>
+              <a:fontRef idx="minor">
+                <a:schemeClr val="lt1"/>
+              </a:fontRef>
+            </p:style>
+          </p:cxnSp>
+          <p:cxnSp>
+            <p:nvCxnSpPr>
+              <p:cNvPr id="27" name="직선 연결선 26"/>
+              <p:cNvCxnSpPr/>
+              <p:nvPr userDrawn="1"/>
+            </p:nvCxnSpPr>
+            <p:spPr>
+              <a:xfrm rot="5400000">
+                <a:off x="6114555" y="3181037"/>
+                <a:ext cx="0" cy="2567940"/>
+              </a:xfrm>
+              <a:prstGeom prst="line">
+                <a:avLst/>
+              </a:prstGeom>
+              <a:noFill/>
+              <a:ln w="3175">
+                <a:solidFill>
+                  <a:schemeClr val="bg1">
+                    <a:lumMod val="50000"/>
+                    <a:alpha val="10000"/>
+                  </a:schemeClr>
+                </a:solidFill>
+              </a:ln>
+            </p:spPr>
+            <p:style>
+              <a:lnRef idx="2">
+                <a:schemeClr val="accent1">
+                  <a:shade val="50000"/>
+                </a:schemeClr>
+              </a:lnRef>
+              <a:fillRef idx="1">
+                <a:schemeClr val="accent1"/>
+              </a:fillRef>
+              <a:effectRef idx="0">
+                <a:schemeClr val="accent1"/>
+              </a:effectRef>
+              <a:fontRef idx="minor">
+                <a:schemeClr val="lt1"/>
+              </a:fontRef>
+            </p:style>
+          </p:cxnSp>
+          <p:cxnSp>
+            <p:nvCxnSpPr>
+              <p:cNvPr id="28" name="직선 연결선 27"/>
+              <p:cNvCxnSpPr/>
+              <p:nvPr userDrawn="1"/>
+            </p:nvCxnSpPr>
+            <p:spPr>
+              <a:xfrm rot="5400000">
+                <a:off x="6114555" y="2630531"/>
+                <a:ext cx="0" cy="2567940"/>
+              </a:xfrm>
+              <a:prstGeom prst="line">
+                <a:avLst/>
+              </a:prstGeom>
+              <a:noFill/>
+              <a:ln w="3175">
+                <a:solidFill>
+                  <a:schemeClr val="bg1">
+                    <a:lumMod val="50000"/>
+                    <a:alpha val="10000"/>
+                  </a:schemeClr>
+                </a:solidFill>
+              </a:ln>
+            </p:spPr>
+            <p:style>
+              <a:lnRef idx="2">
+                <a:schemeClr val="accent1">
+                  <a:shade val="50000"/>
+                </a:schemeClr>
+              </a:lnRef>
+              <a:fillRef idx="1">
+                <a:schemeClr val="accent1"/>
+              </a:fillRef>
+              <a:effectRef idx="0">
+                <a:schemeClr val="accent1"/>
+              </a:effectRef>
+              <a:fontRef idx="minor">
+                <a:schemeClr val="lt1"/>
+              </a:fontRef>
+            </p:style>
+          </p:cxnSp>
+        </p:grpSp>
+      </p:grpSp>
+      <p:grpSp>
+        <p:nvGrpSpPr>
+          <p:cNvPr id="34" name="그룹 33"/>
+          <p:cNvGrpSpPr/>
+          <p:nvPr/>
+        </p:nvGrpSpPr>
+        <p:grpSpPr>
+          <a:xfrm rot="18900000">
+            <a:off x="6050653" y="5692772"/>
+            <a:ext cx="160828" cy="144235"/>
+            <a:chOff x="333451" y="0"/>
+            <a:chExt cx="504748" cy="452673"/>
+          </a:xfrm>
+        </p:grpSpPr>
+        <p:cxnSp>
+          <p:nvCxnSpPr>
+            <p:cNvPr id="35" name="직선 연결선 34"/>
+            <p:cNvCxnSpPr/>
+            <p:nvPr userDrawn="1"/>
+          </p:nvCxnSpPr>
+          <p:spPr>
+            <a:xfrm flipH="1">
+              <a:off x="333451" y="213257"/>
+              <a:ext cx="504748" cy="0"/>
+            </a:xfrm>
+            <a:prstGeom prst="line">
+              <a:avLst/>
+            </a:prstGeom>
+            <a:noFill/>
+            <a:ln w="3175">
+              <a:solidFill>
+                <a:schemeClr val="bg1">
+                  <a:lumMod val="50000"/>
+                  <a:alpha val="20000"/>
+                </a:schemeClr>
+              </a:solidFill>
+            </a:ln>
+          </p:spPr>
+          <p:style>
+            <a:lnRef idx="2">
+              <a:schemeClr val="accent1">
+                <a:shade val="50000"/>
+              </a:schemeClr>
+            </a:lnRef>
+            <a:fillRef idx="1">
+              <a:schemeClr val="accent1"/>
+            </a:fillRef>
+            <a:effectRef idx="0">
+              <a:schemeClr val="accent1"/>
+            </a:effectRef>
+            <a:fontRef idx="minor">
+              <a:schemeClr val="lt1"/>
+            </a:fontRef>
+          </p:style>
+        </p:cxnSp>
+        <p:cxnSp>
+          <p:nvCxnSpPr>
+            <p:cNvPr id="36" name="직선 연결선 35"/>
+            <p:cNvCxnSpPr/>
+            <p:nvPr userDrawn="1"/>
+          </p:nvCxnSpPr>
+          <p:spPr>
+            <a:xfrm>
+              <a:off x="596702" y="0"/>
+              <a:ext cx="0" cy="452673"/>
+            </a:xfrm>
+            <a:prstGeom prst="line">
+              <a:avLst/>
+            </a:prstGeom>
+            <a:noFill/>
+            <a:ln w="3175">
+              <a:solidFill>
+                <a:schemeClr val="bg1">
+                  <a:lumMod val="50000"/>
+                  <a:alpha val="20000"/>
+                </a:schemeClr>
+              </a:solidFill>
+            </a:ln>
+          </p:spPr>
+          <p:style>
+            <a:lnRef idx="2">
+              <a:schemeClr val="accent1">
+                <a:shade val="50000"/>
+              </a:schemeClr>
+            </a:lnRef>
+            <a:fillRef idx="1">
+              <a:schemeClr val="accent1"/>
+            </a:fillRef>
+            <a:effectRef idx="0">
+              <a:schemeClr val="accent1"/>
+            </a:effectRef>
+            <a:fontRef idx="minor">
+              <a:schemeClr val="lt1"/>
+            </a:fontRef>
+          </p:style>
+        </p:cxnSp>
+      </p:grpSp>
+      <p:grpSp>
+        <p:nvGrpSpPr>
+          <p:cNvPr id="37" name="그룹 36"/>
+          <p:cNvGrpSpPr/>
+          <p:nvPr/>
+        </p:nvGrpSpPr>
+        <p:grpSpPr>
+          <a:xfrm>
+            <a:off x="267210" y="6450050"/>
+            <a:ext cx="160828" cy="144235"/>
+            <a:chOff x="333451" y="0"/>
+            <a:chExt cx="504748" cy="452673"/>
+          </a:xfrm>
+        </p:grpSpPr>
+        <p:cxnSp>
+          <p:nvCxnSpPr>
+            <p:cNvPr id="38" name="직선 연결선 37"/>
+            <p:cNvCxnSpPr/>
+            <p:nvPr userDrawn="1"/>
+          </p:nvCxnSpPr>
+          <p:spPr>
+            <a:xfrm flipH="1">
+              <a:off x="333451" y="213257"/>
+              <a:ext cx="504748" cy="0"/>
+            </a:xfrm>
+            <a:prstGeom prst="line">
+              <a:avLst/>
+            </a:prstGeom>
+            <a:noFill/>
+            <a:ln w="3175">
+              <a:solidFill>
+                <a:schemeClr val="bg1">
+                  <a:lumMod val="50000"/>
+                  <a:alpha val="20000"/>
+                </a:schemeClr>
+              </a:solidFill>
+            </a:ln>
+          </p:spPr>
+          <p:style>
+            <a:lnRef idx="2">
+              <a:schemeClr val="accent1">
+                <a:shade val="50000"/>
+              </a:schemeClr>
+            </a:lnRef>
+            <a:fillRef idx="1">
+              <a:schemeClr val="accent1"/>
+            </a:fillRef>
+            <a:effectRef idx="0">
+              <a:schemeClr val="accent1"/>
+            </a:effectRef>
+            <a:fontRef idx="minor">
+              <a:schemeClr val="lt1"/>
+            </a:fontRef>
+          </p:style>
+        </p:cxnSp>
+        <p:cxnSp>
+          <p:nvCxnSpPr>
+            <p:cNvPr id="39" name="직선 연결선 38"/>
+            <p:cNvCxnSpPr/>
+            <p:nvPr userDrawn="1"/>
+          </p:nvCxnSpPr>
+          <p:spPr>
+            <a:xfrm>
+              <a:off x="596702" y="0"/>
+              <a:ext cx="0" cy="452673"/>
+            </a:xfrm>
+            <a:prstGeom prst="line">
+              <a:avLst/>
+            </a:prstGeom>
+            <a:noFill/>
+            <a:ln w="3175">
+              <a:solidFill>
+                <a:schemeClr val="bg1">
+                  <a:lumMod val="50000"/>
+                  <a:alpha val="20000"/>
+                </a:schemeClr>
+              </a:solidFill>
+            </a:ln>
+          </p:spPr>
+          <p:style>
+            <a:lnRef idx="2">
+              <a:schemeClr val="accent1">
+                <a:shade val="50000"/>
+              </a:schemeClr>
+            </a:lnRef>
+            <a:fillRef idx="1">
+              <a:schemeClr val="accent1"/>
+            </a:fillRef>
+            <a:effectRef idx="0">
+              <a:schemeClr val="accent1"/>
+            </a:effectRef>
+            <a:fontRef idx="minor">
+              <a:schemeClr val="lt1"/>
+            </a:fontRef>
+          </p:style>
+        </p:cxnSp>
+      </p:grpSp>
+      <p:grpSp>
+        <p:nvGrpSpPr>
+          <p:cNvPr id="40" name="그룹 39"/>
+          <p:cNvGrpSpPr/>
+          <p:nvPr/>
+        </p:nvGrpSpPr>
+        <p:grpSpPr>
+          <a:xfrm>
+            <a:off x="11692617" y="6450050"/>
+            <a:ext cx="160828" cy="144235"/>
+            <a:chOff x="333451" y="0"/>
+            <a:chExt cx="504748" cy="452673"/>
+          </a:xfrm>
+        </p:grpSpPr>
+        <p:cxnSp>
+          <p:nvCxnSpPr>
+            <p:cNvPr id="41" name="직선 연결선 40"/>
+            <p:cNvCxnSpPr/>
+            <p:nvPr userDrawn="1"/>
+          </p:nvCxnSpPr>
+          <p:spPr>
+            <a:xfrm flipH="1">
+              <a:off x="333451" y="213257"/>
+              <a:ext cx="504748" cy="0"/>
+            </a:xfrm>
+            <a:prstGeom prst="line">
+              <a:avLst/>
+            </a:prstGeom>
+            <a:noFill/>
+            <a:ln w="3175">
+              <a:solidFill>
+                <a:schemeClr val="bg1">
+                  <a:lumMod val="50000"/>
+                  <a:alpha val="20000"/>
+                </a:schemeClr>
+              </a:solidFill>
+            </a:ln>
+          </p:spPr>
+          <p:style>
+            <a:lnRef idx="2">
+              <a:schemeClr val="accent1">
+                <a:shade val="50000"/>
+              </a:schemeClr>
+            </a:lnRef>
+            <a:fillRef idx="1">
+              <a:schemeClr val="accent1"/>
+            </a:fillRef>
+            <a:effectRef idx="0">
+              <a:schemeClr val="accent1"/>
+            </a:effectRef>
+            <a:fontRef idx="minor">
+              <a:schemeClr val="lt1"/>
+            </a:fontRef>
+          </p:style>
+        </p:cxnSp>
+        <p:cxnSp>
+          <p:nvCxnSpPr>
+            <p:cNvPr id="42" name="직선 연결선 41"/>
+            <p:cNvCxnSpPr/>
+            <p:nvPr userDrawn="1"/>
+          </p:nvCxnSpPr>
+          <p:spPr>
+            <a:xfrm>
+              <a:off x="596702" y="0"/>
+              <a:ext cx="0" cy="452673"/>
+            </a:xfrm>
+            <a:prstGeom prst="line">
+              <a:avLst/>
+            </a:prstGeom>
+            <a:noFill/>
+            <a:ln w="3175">
+              <a:solidFill>
+                <a:schemeClr val="bg1">
+                  <a:lumMod val="50000"/>
+                  <a:alpha val="20000"/>
+                </a:schemeClr>
+              </a:solidFill>
+            </a:ln>
+          </p:spPr>
+          <p:style>
+            <a:lnRef idx="2">
+              <a:schemeClr val="accent1">
+                <a:shade val="50000"/>
+              </a:schemeClr>
+            </a:lnRef>
+            <a:fillRef idx="1">
+              <a:schemeClr val="accent1"/>
+            </a:fillRef>
+            <a:effectRef idx="0">
+              <a:schemeClr val="accent1"/>
+            </a:effectRef>
+            <a:fontRef idx="minor">
+              <a:schemeClr val="lt1"/>
+            </a:fontRef>
+          </p:style>
+        </p:cxnSp>
+      </p:grpSp>
+      <p:grpSp>
+        <p:nvGrpSpPr>
+          <p:cNvPr id="43" name="그룹 42"/>
+          <p:cNvGrpSpPr/>
+          <p:nvPr/>
+        </p:nvGrpSpPr>
+        <p:grpSpPr>
+          <a:xfrm>
+            <a:off x="267210" y="897738"/>
+            <a:ext cx="160828" cy="144235"/>
+            <a:chOff x="333451" y="0"/>
+            <a:chExt cx="504748" cy="452673"/>
+          </a:xfrm>
+        </p:grpSpPr>
+        <p:cxnSp>
+          <p:nvCxnSpPr>
+            <p:cNvPr id="44" name="직선 연결선 43"/>
+            <p:cNvCxnSpPr/>
+            <p:nvPr userDrawn="1"/>
+          </p:nvCxnSpPr>
+          <p:spPr>
+            <a:xfrm flipH="1">
+              <a:off x="333451" y="213257"/>
+              <a:ext cx="504748" cy="0"/>
+            </a:xfrm>
+            <a:prstGeom prst="line">
+              <a:avLst/>
+            </a:prstGeom>
+            <a:noFill/>
+            <a:ln w="3175">
+              <a:solidFill>
+                <a:schemeClr val="bg1">
+                  <a:lumMod val="50000"/>
+                  <a:alpha val="20000"/>
+                </a:schemeClr>
+              </a:solidFill>
+            </a:ln>
+          </p:spPr>
+          <p:style>
+            <a:lnRef idx="2">
+              <a:schemeClr val="accent1">
+                <a:shade val="50000"/>
+              </a:schemeClr>
+            </a:lnRef>
+            <a:fillRef idx="1">
+              <a:schemeClr val="accent1"/>
+            </a:fillRef>
+            <a:effectRef idx="0">
+              <a:schemeClr val="accent1"/>
+            </a:effectRef>
+            <a:fontRef idx="minor">
+              <a:schemeClr val="lt1"/>
+            </a:fontRef>
+          </p:style>
+        </p:cxnSp>
+        <p:cxnSp>
+          <p:nvCxnSpPr>
+            <p:cNvPr id="45" name="직선 연결선 44"/>
+            <p:cNvCxnSpPr/>
+            <p:nvPr userDrawn="1"/>
+          </p:nvCxnSpPr>
+          <p:spPr>
+            <a:xfrm>
+              <a:off x="596702" y="0"/>
+              <a:ext cx="0" cy="452673"/>
+            </a:xfrm>
+            <a:prstGeom prst="line">
+              <a:avLst/>
+            </a:prstGeom>
+            <a:noFill/>
+            <a:ln w="3175">
+              <a:solidFill>
+                <a:schemeClr val="bg1">
+                  <a:lumMod val="50000"/>
+                  <a:alpha val="20000"/>
+                </a:schemeClr>
+              </a:solidFill>
+            </a:ln>
+          </p:spPr>
+          <p:style>
+            <a:lnRef idx="2">
+              <a:schemeClr val="accent1">
+                <a:shade val="50000"/>
+              </a:schemeClr>
+            </a:lnRef>
+            <a:fillRef idx="1">
+              <a:schemeClr val="accent1"/>
+            </a:fillRef>
+            <a:effectRef idx="0">
+              <a:schemeClr val="accent1"/>
+            </a:effectRef>
+            <a:fontRef idx="minor">
+              <a:schemeClr val="lt1"/>
+            </a:fontRef>
+          </p:style>
+        </p:cxnSp>
+      </p:grpSp>
+      <p:grpSp>
+        <p:nvGrpSpPr>
+          <p:cNvPr id="46" name="그룹 45"/>
+          <p:cNvGrpSpPr/>
+          <p:nvPr/>
+        </p:nvGrpSpPr>
+        <p:grpSpPr>
+          <a:xfrm>
+            <a:off x="11692617" y="897738"/>
+            <a:ext cx="160828" cy="144235"/>
+            <a:chOff x="333451" y="0"/>
+            <a:chExt cx="504748" cy="452673"/>
+          </a:xfrm>
+        </p:grpSpPr>
+        <p:cxnSp>
+          <p:nvCxnSpPr>
+            <p:cNvPr id="47" name="직선 연결선 46"/>
+            <p:cNvCxnSpPr/>
+            <p:nvPr userDrawn="1"/>
+          </p:nvCxnSpPr>
+          <p:spPr>
+            <a:xfrm flipH="1">
+              <a:off x="333451" y="213257"/>
+              <a:ext cx="504748" cy="0"/>
+            </a:xfrm>
+            <a:prstGeom prst="line">
+              <a:avLst/>
+            </a:prstGeom>
+            <a:noFill/>
+            <a:ln w="3175">
+              <a:solidFill>
+                <a:schemeClr val="bg1">
+                  <a:lumMod val="50000"/>
+                  <a:alpha val="20000"/>
+                </a:schemeClr>
+              </a:solidFill>
+            </a:ln>
+          </p:spPr>
+          <p:style>
+            <a:lnRef idx="2">
+              <a:schemeClr val="accent1">
+                <a:shade val="50000"/>
+              </a:schemeClr>
+            </a:lnRef>
+            <a:fillRef idx="1">
+              <a:schemeClr val="accent1"/>
+            </a:fillRef>
+            <a:effectRef idx="0">
+              <a:schemeClr val="accent1"/>
+            </a:effectRef>
+            <a:fontRef idx="minor">
+              <a:schemeClr val="lt1"/>
+            </a:fontRef>
+          </p:style>
+        </p:cxnSp>
+        <p:cxnSp>
+          <p:nvCxnSpPr>
+            <p:cNvPr id="48" name="직선 연결선 47"/>
+            <p:cNvCxnSpPr/>
+            <p:nvPr userDrawn="1"/>
+          </p:nvCxnSpPr>
+          <p:spPr>
+            <a:xfrm>
+              <a:off x="596702" y="0"/>
+              <a:ext cx="0" cy="452673"/>
+            </a:xfrm>
+            <a:prstGeom prst="line">
+              <a:avLst/>
+            </a:prstGeom>
+            <a:noFill/>
+            <a:ln w="3175">
+              <a:solidFill>
+                <a:schemeClr val="bg1">
+                  <a:lumMod val="50000"/>
+                  <a:alpha val="20000"/>
+                </a:schemeClr>
+              </a:solidFill>
+            </a:ln>
+          </p:spPr>
+          <p:style>
+            <a:lnRef idx="2">
+              <a:schemeClr val="accent1">
+                <a:shade val="50000"/>
+              </a:schemeClr>
+            </a:lnRef>
+            <a:fillRef idx="1">
+              <a:schemeClr val="accent1"/>
+            </a:fillRef>
+            <a:effectRef idx="0">
+              <a:schemeClr val="accent1"/>
+            </a:effectRef>
+            <a:fontRef idx="minor">
+              <a:schemeClr val="lt1"/>
+            </a:fontRef>
+          </p:style>
+        </p:cxnSp>
+      </p:grpSp>
+    </p:spTree>
+    <p:extLst>
+      <p:ext uri="{BB962C8B-B14F-4D97-AF65-F5344CB8AC3E}">
+        <p14:creationId xmlns:p14="http://schemas.microsoft.com/office/powerpoint/2010/main" val="2928308582"/>
+      </p:ext>
+    </p:extLst>
+  </p:cSld>
+  <p:clrMapOvr>
+    <a:masterClrMapping/>
+  </p:clrMapOvr>
+  <p:transition/>
+</p:sld>
+</file>
+
 <file path=ppt/slides/slide2.xml><?xml version="1.0" encoding="utf-8"?>
 <p:sld xmlns:r="http://schemas.openxmlformats.org/officeDocument/2006/relationships" xmlns:c="http://schemas.openxmlformats.org/drawingml/2006/chart" xmlns:a="http://schemas.openxmlformats.org/drawingml/2006/main" xmlns:dgm="http://schemas.openxmlformats.org/drawingml/2006/diagram" xmlns:dsp="http://schemas.microsoft.com/office/drawing/2008/diagram" xmlns:p="http://schemas.openxmlformats.org/presentationml/2006/main">
   <p:cSld>
@@ -15285,8 +17592,384 @@
               <a:defRPr/>
             </a:pPr>
             <a:r>
+              <a:rPr lang="en-US" altLang="ko-KR"/>
+              <a:t>OBJECT</a:t>
+            </a:r>
+            <a:endParaRPr lang="en-US" altLang="ko-KR"/>
+          </a:p>
+          <a:p>
+            <a:pPr>
+              <a:defRPr/>
+            </a:pPr>
+            <a:r>
               <a:rPr lang="ko-KR" altLang="en-US"/>
-              <a:t/>
+              <a:t>플레이어 머신건 </a:t>
+            </a:r>
+            <a:r>
+              <a:rPr lang="en-US" altLang="ko-KR"/>
+              <a:t>:</a:t>
+            </a:r>
+            <a:r>
+              <a:rPr lang="ko-KR" altLang="en-US"/>
+              <a:t> </a:t>
+            </a:r>
+            <a:r>
+              <a:rPr lang="ko-KR" altLang="en-US">
+                <a:hlinkClick r:id="rId2"/>
+              </a:rPr>
+              <a:t>https://sketchfab.com/3d-models/minigun-for-heli-6f60f597dfe04df5aedf6c6557fbb42a</a:t>
+            </a:r>
+            <a:endParaRPr lang="ko-KR" altLang="en-US"/>
+          </a:p>
+          <a:p>
+            <a:pPr>
+              <a:defRPr/>
+            </a:pPr>
+            <a:r>
+              <a:rPr lang="ko-KR" altLang="en-US"/>
+              <a:t>공중적</a:t>
+            </a:r>
+            <a:r>
+              <a:rPr lang="en-US" altLang="ko-KR"/>
+              <a:t>1</a:t>
+            </a:r>
+            <a:r>
+              <a:rPr lang="ko-KR" altLang="en-US"/>
+              <a:t> </a:t>
+            </a:r>
+            <a:r>
+              <a:rPr lang="en-US" altLang="ko-KR"/>
+              <a:t>:</a:t>
+            </a:r>
+            <a:r>
+              <a:rPr lang="ko-KR" altLang="en-US"/>
+              <a:t> </a:t>
+            </a:r>
+            <a:r>
+              <a:rPr lang="ko-KR" altLang="en-US">
+                <a:hlinkClick r:id="rId3"/>
+              </a:rPr>
+              <a:t>https://assetstore.unity.com/packages/3d/vehicles/space/free-sf-fighter-11711</a:t>
+            </a:r>
+            <a:endParaRPr lang="ko-KR" altLang="en-US"/>
+          </a:p>
+          <a:p>
+            <a:pPr>
+              <a:defRPr/>
+            </a:pPr>
+            <a:r>
+              <a:rPr lang="ko-KR" altLang="en-US"/>
+              <a:t>탄피 </a:t>
+            </a:r>
+            <a:r>
+              <a:rPr lang="en-US" altLang="ko-KR"/>
+              <a:t>:</a:t>
+            </a:r>
+            <a:r>
+              <a:rPr lang="ko-KR" altLang="en-US"/>
+              <a:t> </a:t>
+            </a:r>
+            <a:r>
+              <a:rPr lang="ko-KR" altLang="en-US">
+                <a:hlinkClick r:id="rId4"/>
+              </a:rPr>
+              <a:t>https://assetstore.unity.com/packages/3d/characters/vfx-bullet-casing-120111</a:t>
+            </a:r>
+            <a:endParaRPr lang="ko-KR" altLang="en-US"/>
+          </a:p>
+          <a:p>
+            <a:pPr>
+              <a:defRPr/>
+            </a:pPr>
+            <a:r>
+              <a:rPr lang="ko-KR" altLang="en-US"/>
+              <a:t>지상적</a:t>
+            </a:r>
+            <a:r>
+              <a:rPr lang="en-US" altLang="ko-KR"/>
+              <a:t>1</a:t>
+            </a:r>
+            <a:r>
+              <a:rPr lang="ko-KR" altLang="en-US"/>
+              <a:t> </a:t>
+            </a:r>
+            <a:r>
+              <a:rPr lang="en-US" altLang="ko-KR"/>
+              <a:t>:</a:t>
+            </a:r>
+            <a:r>
+              <a:rPr lang="ko-KR" altLang="en-US"/>
+              <a:t> </a:t>
+            </a:r>
+            <a:r>
+              <a:rPr lang="ko-KR" altLang="en-US">
+                <a:hlinkClick r:id="rId5"/>
+              </a:rPr>
+              <a:t>https://assetstore.unity.com/packages/3d/characters/robots/enemy-turrets-27858</a:t>
+            </a:r>
+            <a:endParaRPr lang="ko-KR" altLang="en-US"/>
+          </a:p>
+          <a:p>
+            <a:pPr>
+              <a:defRPr/>
+            </a:pPr>
+            <a:r>
+              <a:rPr lang="ko-KR" altLang="en-US"/>
+              <a:t>건물 </a:t>
+            </a:r>
+            <a:r>
+              <a:rPr lang="en-US" altLang="ko-KR"/>
+              <a:t>:</a:t>
+            </a:r>
+            <a:r>
+              <a:rPr lang="ko-KR" altLang="en-US"/>
+              <a:t> </a:t>
+            </a:r>
+            <a:r>
+              <a:rPr lang="ko-KR" altLang="en-US">
+                <a:hlinkClick r:id="rId6"/>
+              </a:rPr>
+              <a:t>https://assetstore.unity.com/packages/3d/environments/urban/low-poly-city-from-viuletti-132536</a:t>
+            </a:r>
+            <a:endParaRPr lang="ko-KR" altLang="en-US"/>
+          </a:p>
+          <a:p>
+            <a:pPr>
+              <a:defRPr/>
+            </a:pPr>
+            <a:r>
+              <a:rPr lang="ko-KR" altLang="en-US"/>
+              <a:t>동료 </a:t>
+            </a:r>
+            <a:r>
+              <a:rPr lang="en-US" altLang="ko-KR"/>
+              <a:t>:</a:t>
+            </a:r>
+            <a:r>
+              <a:rPr lang="ko-KR" altLang="en-US"/>
+              <a:t> </a:t>
+            </a:r>
+            <a:r>
+              <a:rPr lang="ko-KR" altLang="en-US">
+                <a:hlinkClick r:id="rId7"/>
+              </a:rPr>
+              <a:t>https://assetstore.unity.com/packages/3d/characters/humanoids/humans/bodyguards-31711</a:t>
+            </a:r>
+            <a:endParaRPr lang="ko-KR" altLang="en-US"/>
+          </a:p>
+          <a:p>
+            <a:pPr>
+              <a:defRPr/>
+            </a:pPr>
+            <a:r>
+              <a:rPr lang="ko-KR" altLang="en-US"/>
+              <a:t>동료의 스나이퍼 </a:t>
+            </a:r>
+            <a:r>
+              <a:rPr lang="en-US" altLang="ko-KR"/>
+              <a:t>:</a:t>
+            </a:r>
+            <a:r>
+              <a:rPr lang="ko-KR" altLang="en-US"/>
+              <a:t> </a:t>
+            </a:r>
+            <a:r>
+              <a:rPr lang="ko-KR" altLang="en-US">
+                <a:hlinkClick r:id="rId8"/>
+              </a:rPr>
+              <a:t>https://assetstore.unity.com/packages/3d/props/guns/sci-fi-rifle-low-poly-99671</a:t>
+            </a:r>
+            <a:endParaRPr lang="ko-KR" altLang="en-US"/>
+          </a:p>
+          <a:p>
+            <a:pPr>
+              <a:defRPr/>
+            </a:pPr>
+            <a:r>
+              <a:rPr lang="ko-KR" altLang="en-US"/>
+              <a:t>폭발물 </a:t>
+            </a:r>
+            <a:r>
+              <a:rPr lang="en-US" altLang="ko-KR"/>
+              <a:t>:</a:t>
+            </a:r>
+            <a:r>
+              <a:rPr lang="ko-KR" altLang="en-US"/>
+              <a:t> </a:t>
+            </a:r>
+            <a:r>
+              <a:rPr lang="ko-KR" altLang="en-US">
+                <a:hlinkClick r:id="rId9"/>
+              </a:rPr>
+              <a:t>https://assetstore.unity.com/packages/3d/props/free-pbr-barrel-108702</a:t>
+            </a:r>
+            <a:endParaRPr lang="ko-KR" altLang="en-US"/>
+          </a:p>
+          <a:p>
+            <a:pPr>
+              <a:defRPr/>
+            </a:pPr>
+            <a:r>
+              <a:rPr lang="ko-KR" altLang="en-US"/>
+              <a:t>메인메뉴 씬 바닥 텍스쳐 </a:t>
+            </a:r>
+            <a:r>
+              <a:rPr lang="en-US" altLang="ko-KR"/>
+              <a:t>:</a:t>
+            </a:r>
+            <a:r>
+              <a:rPr lang="ko-KR" altLang="en-US"/>
+              <a:t> </a:t>
+            </a:r>
+            <a:r>
+              <a:rPr lang="ko-KR" altLang="en-US">
+                <a:hlinkClick r:id="rId10"/>
+              </a:rPr>
+              <a:t>https://www.freeimages.com/kr/photo/floor-1165302</a:t>
+            </a:r>
+            <a:endParaRPr lang="ko-KR" altLang="en-US"/>
+          </a:p>
+          <a:p>
+            <a:pPr>
+              <a:defRPr/>
+            </a:pPr>
+            <a:r>
+              <a:rPr lang="ko-KR" altLang="en-US"/>
+              <a:t>공중적</a:t>
+            </a:r>
+            <a:r>
+              <a:rPr lang="en-US" altLang="ko-KR"/>
+              <a:t>2</a:t>
+            </a:r>
+            <a:r>
+              <a:rPr lang="ko-KR" altLang="en-US"/>
+              <a:t> </a:t>
+            </a:r>
+            <a:r>
+              <a:rPr lang="en-US" altLang="ko-KR"/>
+              <a:t>:</a:t>
+            </a:r>
+            <a:r>
+              <a:rPr lang="ko-KR" altLang="en-US"/>
+              <a:t> </a:t>
+            </a:r>
+            <a:r>
+              <a:rPr lang="ko-KR" altLang="en-US">
+                <a:hlinkClick r:id="rId11"/>
+              </a:rPr>
+              <a:t>https://assetstore.unity.com/packages/3d/vehicles/space/space-warrior-jet-23174</a:t>
+            </a:r>
+            <a:endParaRPr lang="ko-KR" altLang="en-US"/>
+          </a:p>
+          <a:p>
+            <a:pPr>
+              <a:defRPr/>
+            </a:pPr>
+            <a:r>
+              <a:rPr lang="ko-KR" altLang="en-US"/>
+              <a:t>공중적</a:t>
+            </a:r>
+            <a:r>
+              <a:rPr lang="en-US" altLang="ko-KR"/>
+              <a:t>3</a:t>
+            </a:r>
+            <a:r>
+              <a:rPr lang="ko-KR" altLang="en-US"/>
+              <a:t> </a:t>
+            </a:r>
+            <a:r>
+              <a:rPr lang="en-US" altLang="ko-KR"/>
+              <a:t>:</a:t>
+            </a:r>
+            <a:r>
+              <a:rPr lang="ko-KR" altLang="en-US"/>
+              <a:t> </a:t>
+            </a:r>
+            <a:r>
+              <a:rPr lang="ko-KR" altLang="en-US">
+                <a:hlinkClick r:id="rId12"/>
+              </a:rPr>
+              <a:t>https://assetstore.unity.com/packages/3d/vehicles/space/sci-fi-space-drone-exroid-5002-71731</a:t>
+            </a:r>
+            <a:endParaRPr lang="ko-KR" altLang="en-US"/>
+          </a:p>
+          <a:p>
+            <a:pPr>
+              <a:defRPr/>
+            </a:pPr>
+            <a:r>
+              <a:rPr lang="ko-KR" altLang="en-US"/>
+              <a:t>미사일 </a:t>
+            </a:r>
+            <a:r>
+              <a:rPr lang="en-US" altLang="ko-KR"/>
+              <a:t>:</a:t>
+            </a:r>
+            <a:r>
+              <a:rPr lang="ko-KR" altLang="en-US"/>
+              <a:t> </a:t>
+            </a:r>
+            <a:r>
+              <a:rPr lang="ko-KR" altLang="en-US">
+                <a:hlinkClick r:id="rId13"/>
+              </a:rPr>
+              <a:t>https://assetstore.unity.com/packages/3d/props/weapons/free-missile-72692</a:t>
+            </a:r>
+            <a:endParaRPr lang="ko-KR" altLang="en-US"/>
+          </a:p>
+          <a:p>
+            <a:pPr>
+              <a:defRPr/>
+            </a:pPr>
+            <a:r>
+              <a:rPr lang="ko-KR" altLang="en-US"/>
+              <a:t>폰트 </a:t>
+            </a:r>
+            <a:r>
+              <a:rPr lang="en-US" altLang="ko-KR"/>
+              <a:t>:</a:t>
+            </a:r>
+            <a:r>
+              <a:rPr lang="ko-KR" altLang="en-US"/>
+              <a:t> </a:t>
+            </a:r>
+            <a:r>
+              <a:rPr lang="ko-KR" altLang="en-US">
+                <a:hlinkClick r:id="rId14"/>
+              </a:rPr>
+              <a:t>https://elice.io/brand#elice_digital_baeum</a:t>
+            </a:r>
+            <a:endParaRPr lang="ko-KR" altLang="en-US"/>
+          </a:p>
+          <a:p>
+            <a:pPr>
+              <a:defRPr/>
+            </a:pPr>
+            <a:r>
+              <a:rPr lang="ko-KR" altLang="en-US"/>
+              <a:t>헬기 내부 </a:t>
+            </a:r>
+            <a:r>
+              <a:rPr lang="en-US" altLang="ko-KR"/>
+              <a:t>UI</a:t>
+            </a:r>
+            <a:r>
+              <a:rPr lang="ko-KR" altLang="en-US"/>
+              <a:t> 패널 텍스쳐 </a:t>
+            </a:r>
+            <a:r>
+              <a:rPr lang="en-US" altLang="ko-KR"/>
+              <a:t>:</a:t>
+            </a:r>
+            <a:r>
+              <a:rPr lang="ko-KR" altLang="en-US"/>
+              <a:t> </a:t>
+            </a:r>
+            <a:r>
+              <a:rPr lang="ko-KR" altLang="en-US">
+                <a:hlinkClick r:id="rId15"/>
+              </a:rPr>
+              <a:t>https://assetstore.unity.com/packages/2d/textures-materials/metals/yughues-free-metal-materials-12949</a:t>
             </a:r>
             <a:endParaRPr lang="ko-KR" altLang="en-US"/>
           </a:p>
@@ -15309,7 +17992,7 @@
 </file>
 
 <file path=ppt/slides/slide9.xml><?xml version="1.0" encoding="utf-8"?>
-<p:sld xmlns:a="http://schemas.openxmlformats.org/drawingml/2006/main" xmlns:r="http://schemas.openxmlformats.org/officeDocument/2006/relationships" xmlns:p="http://schemas.openxmlformats.org/presentationml/2006/main">
+<p:sld xmlns:r="http://schemas.openxmlformats.org/officeDocument/2006/relationships" xmlns:c="http://schemas.openxmlformats.org/drawingml/2006/chart" xmlns:a="http://schemas.openxmlformats.org/drawingml/2006/main" xmlns:dgm="http://schemas.openxmlformats.org/drawingml/2006/diagram" xmlns:dsp="http://schemas.microsoft.com/office/drawing/2008/diagram" xmlns:p="http://schemas.openxmlformats.org/presentationml/2006/main">
   <p:cSld>
     <p:spTree>
       <p:nvGrpSpPr>
@@ -15327,15 +18010,20 @@
       </p:grpSpPr>
       <p:sp>
         <p:nvSpPr>
-          <p:cNvPr id="2" name="제목 1"/>
+          <p:cNvPr id="7" name="제목 6"/>
           <p:cNvSpPr>
             <a:spLocks noGrp="1"/>
           </p:cNvSpPr>
           <p:nvPr>
-            <p:ph type="ctrTitle"/>
+            <p:ph type="title" idx="0"/>
           </p:nvPr>
         </p:nvSpPr>
-        <p:spPr/>
+        <p:spPr>
+          <a:xfrm>
+            <a:off x="2504851" y="675641"/>
+            <a:ext cx="7182297" cy="567808"/>
+          </a:xfrm>
+        </p:spPr>
         <p:txBody>
           <a:bodyPr/>
           <a:lstStyle/>
@@ -15344,96 +18032,263 @@
               <a:defRPr/>
             </a:pPr>
             <a:r>
-              <a:rPr lang="ko-KR" altLang="en-US" dirty="0">
-                <a:latin typeface="맑은 고딕" panose="020B0503020000020004" pitchFamily="50" charset="-127"/>
-                <a:ea typeface="맑은 고딕" panose="020B0503020000020004" pitchFamily="50" charset="-127"/>
+              <a:rPr lang="ko-KR" altLang="en-US">
+                <a:latin typeface="맑은 고딕"/>
+                <a:ea typeface="맑은 고딕"/>
               </a:rPr>
-              <a:t>감사합니다</a:t>
-            </a:r>
-            <a:endParaRPr lang="ko-KR" altLang="en-US" sz="8800" dirty="0">
-              <a:latin typeface="맑은 고딕" panose="020B0503020000020004" pitchFamily="50" charset="-127"/>
-              <a:ea typeface="맑은 고딕" panose="020B0503020000020004" pitchFamily="50" charset="-127"/>
+              <a:t>사용한 에셋 및 출처</a:t>
+            </a:r>
+            <a:endParaRPr lang="ko-KR" altLang="en-US">
+              <a:latin typeface="맑은 고딕"/>
+              <a:ea typeface="맑은 고딕"/>
             </a:endParaRPr>
           </a:p>
         </p:txBody>
       </p:sp>
       <p:sp>
         <p:nvSpPr>
-          <p:cNvPr id="3" name="부제목 2"/>
+          <p:cNvPr id="8" name="내용 개체 틀 7"/>
           <p:cNvSpPr>
             <a:spLocks noGrp="1"/>
           </p:cNvSpPr>
           <p:nvPr>
-            <p:ph type="subTitle" idx="1"/>
+            <p:ph idx="1"/>
           </p:nvPr>
         </p:nvSpPr>
-        <p:spPr/>
+        <p:spPr>
+          <a:xfrm>
+            <a:off x="4837325" y="287381"/>
+            <a:ext cx="2517351" cy="380641"/>
+          </a:xfrm>
+        </p:spPr>
         <p:txBody>
-          <a:bodyPr/>
+          <a:bodyPr>
+            <a:normAutofit/>
+          </a:bodyPr>
           <a:lstStyle/>
           <a:p>
-            <a:pPr lvl="0">
+            <a:pPr algn="dist">
               <a:defRPr/>
             </a:pPr>
             <a:r>
-              <a:rPr lang="en-US" altLang="ko-KR" dirty="0">
-                <a:latin typeface="맑은 고딕" panose="020B0503020000020004" pitchFamily="50" charset="-127"/>
-                <a:ea typeface="맑은 고딕" panose="020B0503020000020004" pitchFamily="50" charset="-127"/>
+              <a:rPr lang="ko-KR" altLang="en-US" sz="700">
+                <a:latin typeface="맑은 고딕"/>
+                <a:ea typeface="맑은 고딕"/>
               </a:rPr>
-              <a:t>20205220</a:t>
-            </a:r>
-            <a:r>
-              <a:rPr lang="ko-KR" altLang="en-US" dirty="0">
-                <a:latin typeface="맑은 고딕" panose="020B0503020000020004" pitchFamily="50" charset="-127"/>
-                <a:ea typeface="맑은 고딕" panose="020B0503020000020004" pitchFamily="50" charset="-127"/>
-              </a:rPr>
-              <a:t> 이바다 </a:t>
-            </a:r>
-            <a:r>
-              <a:rPr lang="en-US" altLang="ko-KR" dirty="0">
-                <a:latin typeface="맑은 고딕" panose="020B0503020000020004" pitchFamily="50" charset="-127"/>
-                <a:ea typeface="맑은 고딕" panose="020B0503020000020004" pitchFamily="50" charset="-127"/>
-              </a:rPr>
-              <a:t>/</a:t>
-            </a:r>
-            <a:r>
-              <a:rPr lang="ko-KR" altLang="en-US" dirty="0">
-                <a:latin typeface="맑은 고딕" panose="020B0503020000020004" pitchFamily="50" charset="-127"/>
-                <a:ea typeface="맑은 고딕" panose="020B0503020000020004" pitchFamily="50" charset="-127"/>
-              </a:rPr>
-              <a:t> </a:t>
-            </a:r>
-            <a:r>
-              <a:rPr lang="en-US" altLang="ko-KR" dirty="0">
-                <a:latin typeface="맑은 고딕" panose="020B0503020000020004" pitchFamily="50" charset="-127"/>
-                <a:ea typeface="맑은 고딕" panose="020B0503020000020004" pitchFamily="50" charset="-127"/>
-              </a:rPr>
-              <a:t>20205262</a:t>
-            </a:r>
-            <a:r>
-              <a:rPr lang="ko-KR" altLang="en-US" dirty="0">
-                <a:latin typeface="맑은 고딕" panose="020B0503020000020004" pitchFamily="50" charset="-127"/>
-                <a:ea typeface="맑은 고딕" panose="020B0503020000020004" pitchFamily="50" charset="-127"/>
-              </a:rPr>
-              <a:t> </a:t>
-            </a:r>
-            <a:r>
-              <a:rPr lang="ko-KR" altLang="en-US" dirty="0" err="1">
-                <a:latin typeface="맑은 고딕" panose="020B0503020000020004" pitchFamily="50" charset="-127"/>
-                <a:ea typeface="맑은 고딕" panose="020B0503020000020004" pitchFamily="50" charset="-127"/>
-              </a:rPr>
-              <a:t>최예찬</a:t>
-            </a:r>
-            <a:endParaRPr lang="ko-KR" altLang="en-US" dirty="0">
-              <a:latin typeface="맑은 고딕" panose="020B0503020000020004" pitchFamily="50" charset="-127"/>
-              <a:ea typeface="맑은 고딕" panose="020B0503020000020004" pitchFamily="50" charset="-127"/>
+              <a:t>가상현실기초및실습</a:t>
+            </a:r>
+            <a:endParaRPr lang="ko-KR" altLang="en-US" sz="700">
+              <a:latin typeface="맑은 고딕"/>
+              <a:ea typeface="맑은 고딕"/>
             </a:endParaRPr>
           </a:p>
         </p:txBody>
       </p:sp>
+      <p:cxnSp>
+        <p:nvCxnSpPr>
+          <p:cNvPr id="10" name="직선 연결선 9"/>
+          <p:cNvCxnSpPr/>
+          <p:nvPr/>
+        </p:nvCxnSpPr>
+        <p:spPr>
+          <a:xfrm>
+            <a:off x="4851206" y="654076"/>
+            <a:ext cx="2519835" cy="0"/>
+          </a:xfrm>
+          <a:prstGeom prst="line">
+            <a:avLst/>
+          </a:prstGeom>
+          <a:noFill/>
+          <a:ln w="9525">
+            <a:solidFill>
+              <a:schemeClr val="bg1">
+                <a:lumMod val="75000"/>
+              </a:schemeClr>
+            </a:solidFill>
+          </a:ln>
+        </p:spPr>
+        <p:style>
+          <a:lnRef idx="2">
+            <a:schemeClr val="accent1">
+              <a:shade val="50000"/>
+            </a:schemeClr>
+          </a:lnRef>
+          <a:fillRef idx="1">
+            <a:schemeClr val="accent1"/>
+          </a:fillRef>
+          <a:effectRef idx="0">
+            <a:schemeClr val="accent1"/>
+          </a:effectRef>
+          <a:fontRef idx="minor">
+            <a:schemeClr val="lt1"/>
+          </a:fontRef>
+        </p:style>
+      </p:cxnSp>
+      <p:cxnSp>
+        <p:nvCxnSpPr>
+          <p:cNvPr id="11" name="직선 연결선 10"/>
+          <p:cNvCxnSpPr/>
+          <p:nvPr/>
+        </p:nvCxnSpPr>
+        <p:spPr>
+          <a:xfrm rot="5400000">
+            <a:off x="3713359" y="1304957"/>
+            <a:ext cx="469761" cy="0"/>
+          </a:xfrm>
+          <a:prstGeom prst="line">
+            <a:avLst/>
+          </a:prstGeom>
+          <a:noFill/>
+          <a:ln w="3175">
+            <a:solidFill>
+              <a:schemeClr val="bg1">
+                <a:lumMod val="50000"/>
+                <a:alpha val="30000"/>
+              </a:schemeClr>
+            </a:solidFill>
+          </a:ln>
+        </p:spPr>
+        <p:style>
+          <a:lnRef idx="2">
+            <a:schemeClr val="accent1">
+              <a:shade val="50000"/>
+            </a:schemeClr>
+          </a:lnRef>
+          <a:fillRef idx="1">
+            <a:schemeClr val="accent1"/>
+          </a:fillRef>
+          <a:effectRef idx="0">
+            <a:schemeClr val="accent1"/>
+          </a:effectRef>
+          <a:fontRef idx="minor">
+            <a:schemeClr val="lt1"/>
+          </a:fontRef>
+        </p:style>
+      </p:cxnSp>
+      <p:cxnSp>
+        <p:nvCxnSpPr>
+          <p:cNvPr id="12" name="직선 연결선 11"/>
+          <p:cNvCxnSpPr/>
+          <p:nvPr/>
+        </p:nvCxnSpPr>
+        <p:spPr>
+          <a:xfrm rot="5400000">
+            <a:off x="7987817" y="696451"/>
+            <a:ext cx="469761" cy="0"/>
+          </a:xfrm>
+          <a:prstGeom prst="line">
+            <a:avLst/>
+          </a:prstGeom>
+          <a:noFill/>
+          <a:ln w="9525">
+            <a:solidFill>
+              <a:schemeClr val="bg1">
+                <a:lumMod val="75000"/>
+              </a:schemeClr>
+            </a:solidFill>
+          </a:ln>
+        </p:spPr>
+        <p:style>
+          <a:lnRef idx="2">
+            <a:schemeClr val="accent1">
+              <a:shade val="50000"/>
+            </a:schemeClr>
+          </a:lnRef>
+          <a:fillRef idx="1">
+            <a:schemeClr val="accent1"/>
+          </a:fillRef>
+          <a:effectRef idx="0">
+            <a:schemeClr val="accent1"/>
+          </a:effectRef>
+          <a:fontRef idx="minor">
+            <a:schemeClr val="lt1"/>
+          </a:fontRef>
+        </p:style>
+      </p:cxnSp>
+      <p:cxnSp>
+        <p:nvCxnSpPr>
+          <p:cNvPr id="13" name="직선 연결선 12"/>
+          <p:cNvCxnSpPr/>
+          <p:nvPr/>
+        </p:nvCxnSpPr>
+        <p:spPr>
+          <a:xfrm rot="10800000">
+            <a:off x="7888228" y="656868"/>
+            <a:ext cx="469761" cy="0"/>
+          </a:xfrm>
+          <a:prstGeom prst="line">
+            <a:avLst/>
+          </a:prstGeom>
+          <a:noFill/>
+          <a:ln w="3175">
+            <a:solidFill>
+              <a:schemeClr val="bg1">
+                <a:lumMod val="50000"/>
+                <a:alpha val="30000"/>
+              </a:schemeClr>
+            </a:solidFill>
+          </a:ln>
+        </p:spPr>
+        <p:style>
+          <a:lnRef idx="2">
+            <a:schemeClr val="accent1">
+              <a:shade val="50000"/>
+            </a:schemeClr>
+          </a:lnRef>
+          <a:fillRef idx="1">
+            <a:schemeClr val="accent1"/>
+          </a:fillRef>
+          <a:effectRef idx="0">
+            <a:schemeClr val="accent1"/>
+          </a:effectRef>
+          <a:fontRef idx="minor">
+            <a:schemeClr val="lt1"/>
+          </a:fontRef>
+        </p:style>
+      </p:cxnSp>
+      <p:cxnSp>
+        <p:nvCxnSpPr>
+          <p:cNvPr id="14" name="직선 연결선 13"/>
+          <p:cNvCxnSpPr/>
+          <p:nvPr/>
+        </p:nvCxnSpPr>
+        <p:spPr>
+          <a:xfrm>
+            <a:off x="5738123" y="1316837"/>
+            <a:ext cx="715754" cy="0"/>
+          </a:xfrm>
+          <a:prstGeom prst="line">
+            <a:avLst/>
+          </a:prstGeom>
+          <a:noFill/>
+          <a:ln w="25400">
+            <a:solidFill>
+              <a:schemeClr val="bg1">
+                <a:lumMod val="50000"/>
+              </a:schemeClr>
+            </a:solidFill>
+          </a:ln>
+        </p:spPr>
+        <p:style>
+          <a:lnRef idx="2">
+            <a:schemeClr val="accent1">
+              <a:shade val="50000"/>
+            </a:schemeClr>
+          </a:lnRef>
+          <a:fillRef idx="1">
+            <a:schemeClr val="accent1"/>
+          </a:fillRef>
+          <a:effectRef idx="0">
+            <a:schemeClr val="accent1"/>
+          </a:effectRef>
+          <a:fontRef idx="minor">
+            <a:schemeClr val="lt1"/>
+          </a:fontRef>
+        </p:style>
+      </p:cxnSp>
       <p:sp>
         <p:nvSpPr>
-          <p:cNvPr id="4" name="바닥글 개체 틀 3"/>
+          <p:cNvPr id="16" name="바닥글 개체 틀 15"/>
           <p:cNvSpPr>
             <a:spLocks noGrp="1"/>
           </p:cNvSpPr>
@@ -15450,1528 +18305,183 @@
               <a:defRPr/>
             </a:pPr>
             <a:r>
-              <a:rPr lang="en-US" altLang="ko-KR" dirty="0">
-                <a:latin typeface="맑은 고딕" panose="020B0503020000020004" pitchFamily="50" charset="-127"/>
-                <a:ea typeface="맑은 고딕" panose="020B0503020000020004" pitchFamily="50" charset="-127"/>
+              <a:rPr lang="en-US" altLang="ko-KR">
+                <a:latin typeface="맑은 고딕"/>
+                <a:ea typeface="맑은 고딕"/>
               </a:rPr>
-              <a:t>Designed By </a:t>
-            </a:r>
-            <a:r>
-              <a:rPr lang="en-US" altLang="ko-KR" dirty="0" err="1">
-                <a:latin typeface="맑은 고딕" panose="020B0503020000020004" pitchFamily="50" charset="-127"/>
-                <a:ea typeface="맑은 고딕" panose="020B0503020000020004" pitchFamily="50" charset="-127"/>
-              </a:rPr>
-              <a:t>L@rgo</a:t>
-            </a:r>
-            <a:r>
-              <a:rPr lang="en-US" altLang="ko-KR" dirty="0">
-                <a:latin typeface="맑은 고딕" panose="020B0503020000020004" pitchFamily="50" charset="-127"/>
-                <a:ea typeface="맑은 고딕" panose="020B0503020000020004" pitchFamily="50" charset="-127"/>
-              </a:rPr>
-              <a:t>. ADSTORE</a:t>
-            </a:r>
-            <a:endParaRPr lang="ko-KR" altLang="en-US" dirty="0">
-              <a:latin typeface="맑은 고딕" panose="020B0503020000020004" pitchFamily="50" charset="-127"/>
-              <a:ea typeface="맑은 고딕" panose="020B0503020000020004" pitchFamily="50" charset="-127"/>
+              <a:t>Designed By L@rgo. ADSTORE</a:t>
+            </a:r>
+            <a:endParaRPr lang="ko-KR" altLang="en-US">
+              <a:latin typeface="맑은 고딕"/>
+              <a:ea typeface="맑은 고딕"/>
             </a:endParaRPr>
           </a:p>
         </p:txBody>
       </p:sp>
-      <p:grpSp>
-        <p:nvGrpSpPr>
-          <p:cNvPr id="6" name="그룹 5"/>
-          <p:cNvGrpSpPr/>
-          <p:nvPr/>
-        </p:nvGrpSpPr>
-        <p:grpSpPr>
-          <a:xfrm>
-            <a:off x="3902044" y="0"/>
-            <a:ext cx="4379675" cy="6858000"/>
-            <a:chOff x="3902044" y="0"/>
-            <a:chExt cx="4379675" cy="6858000"/>
-          </a:xfrm>
-        </p:grpSpPr>
-        <p:cxnSp>
-          <p:nvCxnSpPr>
-            <p:cNvPr id="7" name="직선 연결선 6"/>
-            <p:cNvCxnSpPr/>
-            <p:nvPr userDrawn="1"/>
-          </p:nvCxnSpPr>
-          <p:spPr>
-            <a:xfrm flipH="1">
-              <a:off x="4157026" y="1034351"/>
-              <a:ext cx="504748" cy="0"/>
-            </a:xfrm>
-            <a:prstGeom prst="line">
-              <a:avLst/>
-            </a:prstGeom>
-            <a:noFill/>
-            <a:ln w="9525">
-              <a:solidFill>
-                <a:schemeClr val="bg1">
-                  <a:lumMod val="75000"/>
-                </a:schemeClr>
-              </a:solidFill>
-            </a:ln>
-          </p:spPr>
-          <p:style>
-            <a:lnRef idx="2">
-              <a:schemeClr val="accent1">
-                <a:shade val="50000"/>
-              </a:schemeClr>
-            </a:lnRef>
-            <a:fillRef idx="1">
-              <a:schemeClr val="accent1"/>
-            </a:fillRef>
-            <a:effectRef idx="0">
-              <a:schemeClr val="accent1"/>
-            </a:effectRef>
-            <a:fontRef idx="minor">
-              <a:schemeClr val="lt1"/>
-            </a:fontRef>
-          </p:style>
-        </p:cxnSp>
-        <p:cxnSp>
-          <p:nvCxnSpPr>
-            <p:cNvPr id="8" name="직선 연결선 7"/>
-            <p:cNvCxnSpPr/>
-            <p:nvPr userDrawn="1"/>
-          </p:nvCxnSpPr>
-          <p:spPr>
-            <a:xfrm>
-              <a:off x="4420277" y="821094"/>
-              <a:ext cx="0" cy="452673"/>
-            </a:xfrm>
-            <a:prstGeom prst="line">
-              <a:avLst/>
-            </a:prstGeom>
-            <a:noFill/>
-            <a:ln w="3175">
-              <a:solidFill>
-                <a:schemeClr val="bg1">
-                  <a:lumMod val="50000"/>
-                  <a:alpha val="41000"/>
-                </a:schemeClr>
-              </a:solidFill>
-            </a:ln>
-          </p:spPr>
-          <p:style>
-            <a:lnRef idx="2">
-              <a:schemeClr val="accent1">
-                <a:shade val="50000"/>
-              </a:schemeClr>
-            </a:lnRef>
-            <a:fillRef idx="1">
-              <a:schemeClr val="accent1"/>
-            </a:fillRef>
-            <a:effectRef idx="0">
-              <a:schemeClr val="accent1"/>
-            </a:effectRef>
-            <a:fontRef idx="minor">
-              <a:schemeClr val="lt1"/>
-            </a:fontRef>
-          </p:style>
-        </p:cxnSp>
-        <p:cxnSp>
-          <p:nvCxnSpPr>
-            <p:cNvPr id="9" name="직선 연결선 8"/>
-            <p:cNvCxnSpPr/>
-            <p:nvPr userDrawn="1"/>
-          </p:nvCxnSpPr>
-          <p:spPr>
-            <a:xfrm rot="5400000" flipH="1">
-              <a:off x="3904652" y="1283291"/>
-              <a:ext cx="504748" cy="0"/>
-            </a:xfrm>
-            <a:prstGeom prst="line">
-              <a:avLst/>
-            </a:prstGeom>
-            <a:noFill/>
-            <a:ln w="9525">
-              <a:solidFill>
-                <a:schemeClr val="bg1">
-                  <a:lumMod val="75000"/>
-                </a:schemeClr>
-              </a:solidFill>
-            </a:ln>
-          </p:spPr>
-          <p:style>
-            <a:lnRef idx="2">
-              <a:schemeClr val="accent1">
-                <a:shade val="50000"/>
-              </a:schemeClr>
-            </a:lnRef>
-            <a:fillRef idx="1">
-              <a:schemeClr val="accent1"/>
-            </a:fillRef>
-            <a:effectRef idx="0">
-              <a:schemeClr val="accent1"/>
-            </a:effectRef>
-            <a:fontRef idx="minor">
-              <a:schemeClr val="lt1"/>
-            </a:fontRef>
-          </p:style>
-        </p:cxnSp>
-        <p:cxnSp>
-          <p:nvCxnSpPr>
-            <p:cNvPr id="10" name="직선 연결선 9"/>
-            <p:cNvCxnSpPr/>
-            <p:nvPr userDrawn="1"/>
-          </p:nvCxnSpPr>
-          <p:spPr>
-            <a:xfrm flipH="1">
-              <a:off x="4151395" y="4633361"/>
-              <a:ext cx="258005" cy="258005"/>
-            </a:xfrm>
-            <a:prstGeom prst="line">
-              <a:avLst/>
-            </a:prstGeom>
-            <a:noFill/>
-            <a:ln w="3175">
-              <a:solidFill>
-                <a:schemeClr val="bg1">
-                  <a:lumMod val="50000"/>
-                  <a:alpha val="20000"/>
-                </a:schemeClr>
-              </a:solidFill>
-            </a:ln>
-          </p:spPr>
-          <p:style>
-            <a:lnRef idx="2">
-              <a:schemeClr val="accent1">
-                <a:shade val="50000"/>
-              </a:schemeClr>
-            </a:lnRef>
-            <a:fillRef idx="1">
-              <a:schemeClr val="accent1"/>
-            </a:fillRef>
-            <a:effectRef idx="0">
-              <a:schemeClr val="accent1"/>
-            </a:effectRef>
-            <a:fontRef idx="minor">
-              <a:schemeClr val="lt1"/>
-            </a:fontRef>
-          </p:style>
-        </p:cxnSp>
-        <p:cxnSp>
-          <p:nvCxnSpPr>
-            <p:cNvPr id="11" name="직선 연결선 10"/>
-            <p:cNvCxnSpPr/>
-            <p:nvPr userDrawn="1"/>
-          </p:nvCxnSpPr>
-          <p:spPr>
-            <a:xfrm flipH="1">
-              <a:off x="7776970" y="1046111"/>
-              <a:ext cx="258005" cy="258005"/>
-            </a:xfrm>
-            <a:prstGeom prst="line">
-              <a:avLst/>
-            </a:prstGeom>
-            <a:noFill/>
-            <a:ln w="3175">
-              <a:solidFill>
-                <a:schemeClr val="bg1">
-                  <a:lumMod val="50000"/>
-                  <a:alpha val="20000"/>
-                </a:schemeClr>
-              </a:solidFill>
-            </a:ln>
-          </p:spPr>
-          <p:style>
-            <a:lnRef idx="2">
-              <a:schemeClr val="accent1">
-                <a:shade val="50000"/>
-              </a:schemeClr>
-            </a:lnRef>
-            <a:fillRef idx="1">
-              <a:schemeClr val="accent1"/>
-            </a:fillRef>
-            <a:effectRef idx="0">
-              <a:schemeClr val="accent1"/>
-            </a:effectRef>
-            <a:fontRef idx="minor">
-              <a:schemeClr val="lt1"/>
-            </a:fontRef>
-          </p:style>
-        </p:cxnSp>
-        <p:cxnSp>
-          <p:nvCxnSpPr>
-            <p:cNvPr id="12" name="직선 연결선 11"/>
-            <p:cNvCxnSpPr/>
-            <p:nvPr userDrawn="1"/>
-          </p:nvCxnSpPr>
-          <p:spPr>
-            <a:xfrm>
-              <a:off x="4151395" y="3189176"/>
-              <a:ext cx="0" cy="3668824"/>
-            </a:xfrm>
-            <a:prstGeom prst="line">
-              <a:avLst/>
-            </a:prstGeom>
-            <a:noFill/>
-            <a:ln w="3175">
-              <a:solidFill>
-                <a:schemeClr val="bg1">
-                  <a:lumMod val="50000"/>
-                  <a:alpha val="41000"/>
-                </a:schemeClr>
-              </a:solidFill>
-            </a:ln>
-          </p:spPr>
-          <p:style>
-            <a:lnRef idx="2">
-              <a:schemeClr val="accent1">
-                <a:shade val="50000"/>
-              </a:schemeClr>
-            </a:lnRef>
-            <a:fillRef idx="1">
-              <a:schemeClr val="accent1"/>
-            </a:fillRef>
-            <a:effectRef idx="0">
-              <a:schemeClr val="accent1"/>
-            </a:effectRef>
-            <a:fontRef idx="minor">
-              <a:schemeClr val="lt1"/>
-            </a:fontRef>
-          </p:style>
-        </p:cxnSp>
-        <p:cxnSp>
-          <p:nvCxnSpPr>
-            <p:cNvPr id="13" name="직선 연결선 12"/>
-            <p:cNvCxnSpPr/>
-            <p:nvPr userDrawn="1"/>
-          </p:nvCxnSpPr>
-          <p:spPr>
-            <a:xfrm>
-              <a:off x="8046226" y="0"/>
-              <a:ext cx="0" cy="3668824"/>
-            </a:xfrm>
-            <a:prstGeom prst="line">
-              <a:avLst/>
-            </a:prstGeom>
-            <a:noFill/>
-            <a:ln w="3175">
-              <a:solidFill>
-                <a:schemeClr val="bg1">
-                  <a:lumMod val="50000"/>
-                  <a:alpha val="41000"/>
-                </a:schemeClr>
-              </a:solidFill>
-            </a:ln>
-          </p:spPr>
-          <p:style>
-            <a:lnRef idx="2">
-              <a:schemeClr val="accent1">
-                <a:shade val="50000"/>
-              </a:schemeClr>
-            </a:lnRef>
-            <a:fillRef idx="1">
-              <a:schemeClr val="accent1"/>
-            </a:fillRef>
-            <a:effectRef idx="0">
-              <a:schemeClr val="accent1"/>
-            </a:effectRef>
-            <a:fontRef idx="minor">
-              <a:schemeClr val="lt1"/>
-            </a:fontRef>
-          </p:style>
-        </p:cxnSp>
-        <p:cxnSp>
-          <p:nvCxnSpPr>
-            <p:cNvPr id="15" name="직선 연결선 14"/>
-            <p:cNvCxnSpPr/>
-            <p:nvPr userDrawn="1"/>
-          </p:nvCxnSpPr>
-          <p:spPr>
-            <a:xfrm>
-              <a:off x="8040221" y="5140880"/>
-              <a:ext cx="0" cy="380641"/>
-            </a:xfrm>
-            <a:prstGeom prst="line">
-              <a:avLst/>
-            </a:prstGeom>
-            <a:noFill/>
-            <a:ln w="3175">
-              <a:solidFill>
-                <a:schemeClr val="bg1">
-                  <a:lumMod val="50000"/>
-                  <a:alpha val="15000"/>
-                </a:schemeClr>
-              </a:solidFill>
-            </a:ln>
-          </p:spPr>
-          <p:style>
-            <a:lnRef idx="2">
-              <a:schemeClr val="accent1">
-                <a:shade val="50000"/>
-              </a:schemeClr>
-            </a:lnRef>
-            <a:fillRef idx="1">
-              <a:schemeClr val="accent1"/>
-            </a:fillRef>
-            <a:effectRef idx="0">
-              <a:schemeClr val="accent1"/>
-            </a:effectRef>
-            <a:fontRef idx="minor">
-              <a:schemeClr val="lt1"/>
-            </a:fontRef>
-          </p:style>
-        </p:cxnSp>
-        <p:grpSp>
-          <p:nvGrpSpPr>
-            <p:cNvPr id="16" name="그룹 15"/>
-            <p:cNvGrpSpPr/>
-            <p:nvPr userDrawn="1"/>
-          </p:nvGrpSpPr>
-          <p:grpSpPr>
-            <a:xfrm>
-              <a:off x="7776970" y="4688207"/>
-              <a:ext cx="504748" cy="452673"/>
-              <a:chOff x="333451" y="0"/>
-              <a:chExt cx="504748" cy="452673"/>
-            </a:xfrm>
-          </p:grpSpPr>
-          <p:cxnSp>
-            <p:nvCxnSpPr>
-              <p:cNvPr id="32" name="직선 연결선 31"/>
-              <p:cNvCxnSpPr/>
-              <p:nvPr userDrawn="1"/>
-            </p:nvCxnSpPr>
-            <p:spPr>
-              <a:xfrm flipH="1">
-                <a:off x="333451" y="213257"/>
-                <a:ext cx="504748" cy="0"/>
-              </a:xfrm>
-              <a:prstGeom prst="line">
-                <a:avLst/>
-              </a:prstGeom>
-              <a:noFill/>
-              <a:ln w="9525">
-                <a:solidFill>
-                  <a:schemeClr val="bg1">
-                    <a:lumMod val="75000"/>
-                  </a:schemeClr>
-                </a:solidFill>
-              </a:ln>
-            </p:spPr>
-            <p:style>
-              <a:lnRef idx="2">
-                <a:schemeClr val="accent1">
-                  <a:shade val="50000"/>
-                </a:schemeClr>
-              </a:lnRef>
-              <a:fillRef idx="1">
-                <a:schemeClr val="accent1"/>
-              </a:fillRef>
-              <a:effectRef idx="0">
-                <a:schemeClr val="accent1"/>
-              </a:effectRef>
-              <a:fontRef idx="minor">
-                <a:schemeClr val="lt1"/>
-              </a:fontRef>
-            </p:style>
-          </p:cxnSp>
-          <p:cxnSp>
-            <p:nvCxnSpPr>
-              <p:cNvPr id="33" name="직선 연결선 32"/>
-              <p:cNvCxnSpPr/>
-              <p:nvPr userDrawn="1"/>
-            </p:nvCxnSpPr>
-            <p:spPr>
-              <a:xfrm>
-                <a:off x="596702" y="0"/>
-                <a:ext cx="0" cy="452673"/>
-              </a:xfrm>
-              <a:prstGeom prst="line">
-                <a:avLst/>
-              </a:prstGeom>
-              <a:noFill/>
-              <a:ln w="3175">
-                <a:solidFill>
-                  <a:schemeClr val="bg1">
-                    <a:lumMod val="50000"/>
-                    <a:alpha val="41000"/>
-                  </a:schemeClr>
-                </a:solidFill>
-              </a:ln>
-            </p:spPr>
-            <p:style>
-              <a:lnRef idx="2">
-                <a:schemeClr val="accent1">
-                  <a:shade val="50000"/>
-                </a:schemeClr>
-              </a:lnRef>
-              <a:fillRef idx="1">
-                <a:schemeClr val="accent1"/>
-              </a:fillRef>
-              <a:effectRef idx="0">
-                <a:schemeClr val="accent1"/>
-              </a:effectRef>
-              <a:fontRef idx="minor">
-                <a:schemeClr val="lt1"/>
-              </a:fontRef>
-            </p:style>
-          </p:cxnSp>
-        </p:grpSp>
-        <p:cxnSp>
-          <p:nvCxnSpPr>
-            <p:cNvPr id="17" name="직선 연결선 16"/>
-            <p:cNvCxnSpPr/>
-            <p:nvPr userDrawn="1"/>
-          </p:nvCxnSpPr>
-          <p:spPr>
-            <a:xfrm flipH="1">
-              <a:off x="7543675" y="1034351"/>
-              <a:ext cx="504748" cy="0"/>
-            </a:xfrm>
-            <a:prstGeom prst="line">
-              <a:avLst/>
-            </a:prstGeom>
-            <a:noFill/>
-            <a:ln w="9525">
-              <a:solidFill>
-                <a:schemeClr val="bg1">
-                  <a:lumMod val="75000"/>
-                </a:schemeClr>
-              </a:solidFill>
-            </a:ln>
-          </p:spPr>
-          <p:style>
-            <a:lnRef idx="2">
-              <a:schemeClr val="accent1">
-                <a:shade val="50000"/>
-              </a:schemeClr>
-            </a:lnRef>
-            <a:fillRef idx="1">
-              <a:schemeClr val="accent1"/>
-            </a:fillRef>
-            <a:effectRef idx="0">
-              <a:schemeClr val="accent1"/>
-            </a:effectRef>
-            <a:fontRef idx="minor">
-              <a:schemeClr val="lt1"/>
-            </a:fontRef>
-          </p:style>
-        </p:cxnSp>
-        <p:grpSp>
-          <p:nvGrpSpPr>
-            <p:cNvPr id="18" name="그룹 17"/>
-            <p:cNvGrpSpPr/>
-            <p:nvPr userDrawn="1"/>
-          </p:nvGrpSpPr>
-          <p:grpSpPr>
-            <a:xfrm>
-              <a:off x="3902044" y="1030917"/>
-              <a:ext cx="4369523" cy="5827083"/>
-              <a:chOff x="3902044" y="1030917"/>
-              <a:chExt cx="4369523" cy="5827083"/>
-            </a:xfrm>
-          </p:grpSpPr>
-          <p:cxnSp>
-            <p:nvCxnSpPr>
-              <p:cNvPr id="29" name="직선 연결선 28"/>
-              <p:cNvCxnSpPr/>
-              <p:nvPr userDrawn="1"/>
-            </p:nvCxnSpPr>
-            <p:spPr>
-              <a:xfrm>
-                <a:off x="3902044" y="6524625"/>
-                <a:ext cx="4175800" cy="0"/>
-              </a:xfrm>
-              <a:prstGeom prst="line">
-                <a:avLst/>
-              </a:prstGeom>
-              <a:noFill/>
-              <a:ln w="3175">
-                <a:solidFill>
-                  <a:schemeClr val="bg1">
-                    <a:lumMod val="50000"/>
-                    <a:alpha val="20000"/>
-                  </a:schemeClr>
-                </a:solidFill>
-              </a:ln>
-            </p:spPr>
-            <p:style>
-              <a:lnRef idx="2">
-                <a:schemeClr val="accent1">
-                  <a:shade val="50000"/>
-                </a:schemeClr>
-              </a:lnRef>
-              <a:fillRef idx="1">
-                <a:schemeClr val="accent1"/>
-              </a:fillRef>
-              <a:effectRef idx="0">
-                <a:schemeClr val="accent1"/>
-              </a:effectRef>
-              <a:fontRef idx="minor">
-                <a:schemeClr val="lt1"/>
-              </a:fontRef>
-            </p:style>
-          </p:cxnSp>
-          <p:cxnSp>
-            <p:nvCxnSpPr>
-              <p:cNvPr id="30" name="직선 연결선 29"/>
-              <p:cNvCxnSpPr/>
-              <p:nvPr userDrawn="1"/>
-            </p:nvCxnSpPr>
-            <p:spPr>
-              <a:xfrm>
-                <a:off x="8271567" y="1030917"/>
-                <a:ext cx="0" cy="5827083"/>
-              </a:xfrm>
-              <a:prstGeom prst="line">
-                <a:avLst/>
-              </a:prstGeom>
-              <a:noFill/>
-              <a:ln w="3175">
-                <a:solidFill>
-                  <a:schemeClr val="bg1">
-                    <a:lumMod val="50000"/>
-                    <a:alpha val="20000"/>
-                  </a:schemeClr>
-                </a:solidFill>
-              </a:ln>
-            </p:spPr>
-            <p:style>
-              <a:lnRef idx="2">
-                <a:schemeClr val="accent1">
-                  <a:shade val="50000"/>
-                </a:schemeClr>
-              </a:lnRef>
-              <a:fillRef idx="1">
-                <a:schemeClr val="accent1"/>
-              </a:fillRef>
-              <a:effectRef idx="0">
-                <a:schemeClr val="accent1"/>
-              </a:effectRef>
-              <a:fontRef idx="minor">
-                <a:schemeClr val="lt1"/>
-              </a:fontRef>
-            </p:style>
-          </p:cxnSp>
-          <p:cxnSp>
-            <p:nvCxnSpPr>
-              <p:cNvPr id="31" name="직선 연결선 30"/>
-              <p:cNvCxnSpPr/>
-              <p:nvPr userDrawn="1"/>
-            </p:nvCxnSpPr>
-            <p:spPr>
-              <a:xfrm>
-                <a:off x="8077844" y="6362324"/>
-                <a:ext cx="0" cy="162301"/>
-              </a:xfrm>
-              <a:prstGeom prst="line">
-                <a:avLst/>
-              </a:prstGeom>
-              <a:noFill/>
-              <a:ln w="3175">
-                <a:solidFill>
-                  <a:schemeClr val="bg1">
-                    <a:lumMod val="50000"/>
-                    <a:alpha val="20000"/>
-                  </a:schemeClr>
-                </a:solidFill>
-              </a:ln>
-            </p:spPr>
-            <p:style>
-              <a:lnRef idx="2">
-                <a:schemeClr val="accent1">
-                  <a:shade val="50000"/>
-                </a:schemeClr>
-              </a:lnRef>
-              <a:fillRef idx="1">
-                <a:schemeClr val="accent1"/>
-              </a:fillRef>
-              <a:effectRef idx="0">
-                <a:schemeClr val="accent1"/>
-              </a:effectRef>
-              <a:fontRef idx="minor">
-                <a:schemeClr val="lt1"/>
-              </a:fontRef>
-            </p:style>
-          </p:cxnSp>
-        </p:grpSp>
-        <p:cxnSp>
-          <p:nvCxnSpPr>
-            <p:cNvPr id="19" name="직선 연결선 18"/>
-            <p:cNvCxnSpPr/>
-            <p:nvPr userDrawn="1"/>
-          </p:nvCxnSpPr>
-          <p:spPr>
-            <a:xfrm>
-              <a:off x="3902044" y="0"/>
-              <a:ext cx="0" cy="3668824"/>
-            </a:xfrm>
-            <a:prstGeom prst="line">
-              <a:avLst/>
-            </a:prstGeom>
-            <a:noFill/>
-            <a:ln w="3175">
-              <a:solidFill>
-                <a:schemeClr val="bg1">
-                  <a:lumMod val="50000"/>
-                  <a:alpha val="41000"/>
-                </a:schemeClr>
-              </a:solidFill>
-            </a:ln>
-          </p:spPr>
-          <p:style>
-            <a:lnRef idx="2">
-              <a:schemeClr val="accent1">
-                <a:shade val="50000"/>
-              </a:schemeClr>
-            </a:lnRef>
-            <a:fillRef idx="1">
-              <a:schemeClr val="accent1"/>
-            </a:fillRef>
-            <a:effectRef idx="0">
-              <a:schemeClr val="accent1"/>
-            </a:effectRef>
-            <a:fontRef idx="minor">
-              <a:schemeClr val="lt1"/>
-            </a:fontRef>
-          </p:style>
-        </p:cxnSp>
-        <p:cxnSp>
-          <p:nvCxnSpPr>
-            <p:cNvPr id="20" name="직선 연결선 19"/>
-            <p:cNvCxnSpPr/>
-            <p:nvPr userDrawn="1"/>
-          </p:nvCxnSpPr>
-          <p:spPr>
-            <a:xfrm flipH="1">
-              <a:off x="8045271" y="1804193"/>
-              <a:ext cx="236448" cy="236447"/>
-            </a:xfrm>
-            <a:prstGeom prst="line">
-              <a:avLst/>
-            </a:prstGeom>
-            <a:noFill/>
-            <a:ln w="3175">
-              <a:solidFill>
-                <a:schemeClr val="bg1">
-                  <a:lumMod val="50000"/>
-                  <a:alpha val="20000"/>
-                </a:schemeClr>
-              </a:solidFill>
-            </a:ln>
-          </p:spPr>
-          <p:style>
-            <a:lnRef idx="2">
-              <a:schemeClr val="accent1">
-                <a:shade val="50000"/>
-              </a:schemeClr>
-            </a:lnRef>
-            <a:fillRef idx="1">
-              <a:schemeClr val="accent1"/>
-            </a:fillRef>
-            <a:effectRef idx="0">
-              <a:schemeClr val="accent1"/>
-            </a:effectRef>
-            <a:fontRef idx="minor">
-              <a:schemeClr val="lt1"/>
-            </a:fontRef>
-          </p:style>
-        </p:cxnSp>
-        <p:cxnSp>
-          <p:nvCxnSpPr>
-            <p:cNvPr id="21" name="직선 연결선 20"/>
-            <p:cNvCxnSpPr/>
-            <p:nvPr userDrawn="1"/>
-          </p:nvCxnSpPr>
-          <p:spPr>
-            <a:xfrm flipH="1">
-              <a:off x="3903696" y="3438640"/>
-              <a:ext cx="236448" cy="236447"/>
-            </a:xfrm>
-            <a:prstGeom prst="line">
-              <a:avLst/>
-            </a:prstGeom>
-            <a:noFill/>
-            <a:ln w="3175">
-              <a:solidFill>
-                <a:schemeClr val="bg1">
-                  <a:lumMod val="50000"/>
-                  <a:alpha val="20000"/>
-                </a:schemeClr>
-              </a:solidFill>
-            </a:ln>
-          </p:spPr>
-          <p:style>
-            <a:lnRef idx="2">
-              <a:schemeClr val="accent1">
-                <a:shade val="50000"/>
-              </a:schemeClr>
-            </a:lnRef>
-            <a:fillRef idx="1">
-              <a:schemeClr val="accent1"/>
-            </a:fillRef>
-            <a:effectRef idx="0">
-              <a:schemeClr val="accent1"/>
-            </a:effectRef>
-            <a:fontRef idx="minor">
-              <a:schemeClr val="lt1"/>
-            </a:fontRef>
-          </p:style>
-        </p:cxnSp>
-        <p:grpSp>
-          <p:nvGrpSpPr>
-            <p:cNvPr id="22" name="그룹 21"/>
-            <p:cNvGrpSpPr/>
-            <p:nvPr userDrawn="1"/>
-          </p:nvGrpSpPr>
-          <p:grpSpPr>
-            <a:xfrm>
-              <a:off x="4162648" y="1703212"/>
-              <a:ext cx="3894830" cy="2529374"/>
-              <a:chOff x="4830585" y="1935633"/>
-              <a:chExt cx="2567940" cy="2529374"/>
-            </a:xfrm>
-          </p:grpSpPr>
-          <p:cxnSp>
-            <p:nvCxnSpPr>
-              <p:cNvPr id="23" name="직선 연결선 22"/>
-              <p:cNvCxnSpPr/>
-              <p:nvPr userDrawn="1"/>
-            </p:nvCxnSpPr>
-            <p:spPr>
-              <a:xfrm rot="5400000">
-                <a:off x="6114555" y="2191992"/>
-                <a:ext cx="0" cy="2567940"/>
-              </a:xfrm>
-              <a:prstGeom prst="line">
-                <a:avLst/>
-              </a:prstGeom>
-              <a:noFill/>
-              <a:ln w="3175">
-                <a:solidFill>
-                  <a:schemeClr val="bg1">
-                    <a:lumMod val="50000"/>
-                    <a:alpha val="10000"/>
-                  </a:schemeClr>
-                </a:solidFill>
-              </a:ln>
-            </p:spPr>
-            <p:style>
-              <a:lnRef idx="2">
-                <a:schemeClr val="accent1">
-                  <a:shade val="50000"/>
-                </a:schemeClr>
-              </a:lnRef>
-              <a:fillRef idx="1">
-                <a:schemeClr val="accent1"/>
-              </a:fillRef>
-              <a:effectRef idx="0">
-                <a:schemeClr val="accent1"/>
-              </a:effectRef>
-              <a:fontRef idx="minor">
-                <a:schemeClr val="lt1"/>
-              </a:fontRef>
-            </p:style>
-          </p:cxnSp>
-          <p:cxnSp>
-            <p:nvCxnSpPr>
-              <p:cNvPr id="24" name="직선 연결선 23"/>
-              <p:cNvCxnSpPr/>
-              <p:nvPr userDrawn="1"/>
-            </p:nvCxnSpPr>
-            <p:spPr>
-              <a:xfrm rot="5400000">
-                <a:off x="6114555" y="1202170"/>
-                <a:ext cx="0" cy="2567940"/>
-              </a:xfrm>
-              <a:prstGeom prst="line">
-                <a:avLst/>
-              </a:prstGeom>
-              <a:noFill/>
-              <a:ln w="3175">
-                <a:solidFill>
-                  <a:schemeClr val="bg1">
-                    <a:lumMod val="50000"/>
-                    <a:alpha val="10000"/>
-                  </a:schemeClr>
-                </a:solidFill>
-              </a:ln>
-            </p:spPr>
-            <p:style>
-              <a:lnRef idx="2">
-                <a:schemeClr val="accent1">
-                  <a:shade val="50000"/>
-                </a:schemeClr>
-              </a:lnRef>
-              <a:fillRef idx="1">
-                <a:schemeClr val="accent1"/>
-              </a:fillRef>
-              <a:effectRef idx="0">
-                <a:schemeClr val="accent1"/>
-              </a:effectRef>
-              <a:fontRef idx="minor">
-                <a:schemeClr val="lt1"/>
-              </a:fontRef>
-            </p:style>
-          </p:cxnSp>
-          <p:cxnSp>
-            <p:nvCxnSpPr>
-              <p:cNvPr id="25" name="직선 연결선 24"/>
-              <p:cNvCxnSpPr/>
-              <p:nvPr userDrawn="1"/>
-            </p:nvCxnSpPr>
-            <p:spPr>
-              <a:xfrm rot="5400000">
-                <a:off x="6114555" y="1641486"/>
-                <a:ext cx="0" cy="2567940"/>
-              </a:xfrm>
-              <a:prstGeom prst="line">
-                <a:avLst/>
-              </a:prstGeom>
-              <a:noFill/>
-              <a:ln w="3175">
-                <a:solidFill>
-                  <a:schemeClr val="bg1">
-                    <a:lumMod val="50000"/>
-                    <a:alpha val="10000"/>
-                  </a:schemeClr>
-                </a:solidFill>
-              </a:ln>
-            </p:spPr>
-            <p:style>
-              <a:lnRef idx="2">
-                <a:schemeClr val="accent1">
-                  <a:shade val="50000"/>
-                </a:schemeClr>
-              </a:lnRef>
-              <a:fillRef idx="1">
-                <a:schemeClr val="accent1"/>
-              </a:fillRef>
-              <a:effectRef idx="0">
-                <a:schemeClr val="accent1"/>
-              </a:effectRef>
-              <a:fontRef idx="minor">
-                <a:schemeClr val="lt1"/>
-              </a:fontRef>
-            </p:style>
-          </p:cxnSp>
-          <p:cxnSp>
-            <p:nvCxnSpPr>
-              <p:cNvPr id="26" name="직선 연결선 25"/>
-              <p:cNvCxnSpPr/>
-              <p:nvPr userDrawn="1"/>
-            </p:nvCxnSpPr>
-            <p:spPr>
-              <a:xfrm rot="5400000">
-                <a:off x="6114555" y="651663"/>
-                <a:ext cx="0" cy="2567940"/>
-              </a:xfrm>
-              <a:prstGeom prst="line">
-                <a:avLst/>
-              </a:prstGeom>
-              <a:noFill/>
-              <a:ln w="3175">
-                <a:solidFill>
-                  <a:schemeClr val="bg1">
-                    <a:lumMod val="50000"/>
-                    <a:alpha val="10000"/>
-                  </a:schemeClr>
-                </a:solidFill>
-              </a:ln>
-            </p:spPr>
-            <p:style>
-              <a:lnRef idx="2">
-                <a:schemeClr val="accent1">
-                  <a:shade val="50000"/>
-                </a:schemeClr>
-              </a:lnRef>
-              <a:fillRef idx="1">
-                <a:schemeClr val="accent1"/>
-              </a:fillRef>
-              <a:effectRef idx="0">
-                <a:schemeClr val="accent1"/>
-              </a:effectRef>
-              <a:fontRef idx="minor">
-                <a:schemeClr val="lt1"/>
-              </a:fontRef>
-            </p:style>
-          </p:cxnSp>
-          <p:cxnSp>
-            <p:nvCxnSpPr>
-              <p:cNvPr id="27" name="직선 연결선 26"/>
-              <p:cNvCxnSpPr/>
-              <p:nvPr userDrawn="1"/>
-            </p:nvCxnSpPr>
-            <p:spPr>
-              <a:xfrm rot="5400000">
-                <a:off x="6114555" y="3181037"/>
-                <a:ext cx="0" cy="2567940"/>
-              </a:xfrm>
-              <a:prstGeom prst="line">
-                <a:avLst/>
-              </a:prstGeom>
-              <a:noFill/>
-              <a:ln w="3175">
-                <a:solidFill>
-                  <a:schemeClr val="bg1">
-                    <a:lumMod val="50000"/>
-                    <a:alpha val="10000"/>
-                  </a:schemeClr>
-                </a:solidFill>
-              </a:ln>
-            </p:spPr>
-            <p:style>
-              <a:lnRef idx="2">
-                <a:schemeClr val="accent1">
-                  <a:shade val="50000"/>
-                </a:schemeClr>
-              </a:lnRef>
-              <a:fillRef idx="1">
-                <a:schemeClr val="accent1"/>
-              </a:fillRef>
-              <a:effectRef idx="0">
-                <a:schemeClr val="accent1"/>
-              </a:effectRef>
-              <a:fontRef idx="minor">
-                <a:schemeClr val="lt1"/>
-              </a:fontRef>
-            </p:style>
-          </p:cxnSp>
-          <p:cxnSp>
-            <p:nvCxnSpPr>
-              <p:cNvPr id="28" name="직선 연결선 27"/>
-              <p:cNvCxnSpPr/>
-              <p:nvPr userDrawn="1"/>
-            </p:nvCxnSpPr>
-            <p:spPr>
-              <a:xfrm rot="5400000">
-                <a:off x="6114555" y="2630531"/>
-                <a:ext cx="0" cy="2567940"/>
-              </a:xfrm>
-              <a:prstGeom prst="line">
-                <a:avLst/>
-              </a:prstGeom>
-              <a:noFill/>
-              <a:ln w="3175">
-                <a:solidFill>
-                  <a:schemeClr val="bg1">
-                    <a:lumMod val="50000"/>
-                    <a:alpha val="10000"/>
-                  </a:schemeClr>
-                </a:solidFill>
-              </a:ln>
-            </p:spPr>
-            <p:style>
-              <a:lnRef idx="2">
-                <a:schemeClr val="accent1">
-                  <a:shade val="50000"/>
-                </a:schemeClr>
-              </a:lnRef>
-              <a:fillRef idx="1">
-                <a:schemeClr val="accent1"/>
-              </a:fillRef>
-              <a:effectRef idx="0">
-                <a:schemeClr val="accent1"/>
-              </a:effectRef>
-              <a:fontRef idx="minor">
-                <a:schemeClr val="lt1"/>
-              </a:fontRef>
-            </p:style>
-          </p:cxnSp>
-        </p:grpSp>
-      </p:grpSp>
-      <p:grpSp>
-        <p:nvGrpSpPr>
-          <p:cNvPr id="34" name="그룹 33"/>
-          <p:cNvGrpSpPr/>
-          <p:nvPr/>
-        </p:nvGrpSpPr>
-        <p:grpSpPr>
-          <a:xfrm rot="18900000">
-            <a:off x="6050653" y="5692772"/>
-            <a:ext cx="160828" cy="144235"/>
-            <a:chOff x="333451" y="0"/>
-            <a:chExt cx="504748" cy="452673"/>
-          </a:xfrm>
-        </p:grpSpPr>
-        <p:cxnSp>
-          <p:nvCxnSpPr>
-            <p:cNvPr id="35" name="직선 연결선 34"/>
-            <p:cNvCxnSpPr/>
-            <p:nvPr userDrawn="1"/>
-          </p:nvCxnSpPr>
-          <p:spPr>
-            <a:xfrm flipH="1">
-              <a:off x="333451" y="213257"/>
-              <a:ext cx="504748" cy="0"/>
-            </a:xfrm>
-            <a:prstGeom prst="line">
-              <a:avLst/>
-            </a:prstGeom>
-            <a:noFill/>
-            <a:ln w="3175">
-              <a:solidFill>
-                <a:schemeClr val="bg1">
-                  <a:lumMod val="50000"/>
-                  <a:alpha val="20000"/>
-                </a:schemeClr>
-              </a:solidFill>
-            </a:ln>
-          </p:spPr>
-          <p:style>
-            <a:lnRef idx="2">
-              <a:schemeClr val="accent1">
-                <a:shade val="50000"/>
-              </a:schemeClr>
-            </a:lnRef>
-            <a:fillRef idx="1">
-              <a:schemeClr val="accent1"/>
-            </a:fillRef>
-            <a:effectRef idx="0">
-              <a:schemeClr val="accent1"/>
-            </a:effectRef>
-            <a:fontRef idx="minor">
-              <a:schemeClr val="lt1"/>
-            </a:fontRef>
-          </p:style>
-        </p:cxnSp>
-        <p:cxnSp>
-          <p:nvCxnSpPr>
-            <p:cNvPr id="36" name="직선 연결선 35"/>
-            <p:cNvCxnSpPr/>
-            <p:nvPr userDrawn="1"/>
-          </p:nvCxnSpPr>
-          <p:spPr>
-            <a:xfrm>
-              <a:off x="596702" y="0"/>
-              <a:ext cx="0" cy="452673"/>
-            </a:xfrm>
-            <a:prstGeom prst="line">
-              <a:avLst/>
-            </a:prstGeom>
-            <a:noFill/>
-            <a:ln w="3175">
-              <a:solidFill>
-                <a:schemeClr val="bg1">
-                  <a:lumMod val="50000"/>
-                  <a:alpha val="20000"/>
-                </a:schemeClr>
-              </a:solidFill>
-            </a:ln>
-          </p:spPr>
-          <p:style>
-            <a:lnRef idx="2">
-              <a:schemeClr val="accent1">
-                <a:shade val="50000"/>
-              </a:schemeClr>
-            </a:lnRef>
-            <a:fillRef idx="1">
-              <a:schemeClr val="accent1"/>
-            </a:fillRef>
-            <a:effectRef idx="0">
-              <a:schemeClr val="accent1"/>
-            </a:effectRef>
-            <a:fontRef idx="minor">
-              <a:schemeClr val="lt1"/>
-            </a:fontRef>
-          </p:style>
-        </p:cxnSp>
-      </p:grpSp>
-      <p:grpSp>
-        <p:nvGrpSpPr>
-          <p:cNvPr id="37" name="그룹 36"/>
-          <p:cNvGrpSpPr/>
-          <p:nvPr/>
-        </p:nvGrpSpPr>
-        <p:grpSpPr>
-          <a:xfrm>
-            <a:off x="267210" y="6450050"/>
-            <a:ext cx="160828" cy="144235"/>
-            <a:chOff x="333451" y="0"/>
-            <a:chExt cx="504748" cy="452673"/>
-          </a:xfrm>
-        </p:grpSpPr>
-        <p:cxnSp>
-          <p:nvCxnSpPr>
-            <p:cNvPr id="38" name="직선 연결선 37"/>
-            <p:cNvCxnSpPr/>
-            <p:nvPr userDrawn="1"/>
-          </p:nvCxnSpPr>
-          <p:spPr>
-            <a:xfrm flipH="1">
-              <a:off x="333451" y="213257"/>
-              <a:ext cx="504748" cy="0"/>
-            </a:xfrm>
-            <a:prstGeom prst="line">
-              <a:avLst/>
-            </a:prstGeom>
-            <a:noFill/>
-            <a:ln w="3175">
-              <a:solidFill>
-                <a:schemeClr val="bg1">
-                  <a:lumMod val="50000"/>
-                  <a:alpha val="20000"/>
-                </a:schemeClr>
-              </a:solidFill>
-            </a:ln>
-          </p:spPr>
-          <p:style>
-            <a:lnRef idx="2">
-              <a:schemeClr val="accent1">
-                <a:shade val="50000"/>
-              </a:schemeClr>
-            </a:lnRef>
-            <a:fillRef idx="1">
-              <a:schemeClr val="accent1"/>
-            </a:fillRef>
-            <a:effectRef idx="0">
-              <a:schemeClr val="accent1"/>
-            </a:effectRef>
-            <a:fontRef idx="minor">
-              <a:schemeClr val="lt1"/>
-            </a:fontRef>
-          </p:style>
-        </p:cxnSp>
-        <p:cxnSp>
-          <p:nvCxnSpPr>
-            <p:cNvPr id="39" name="직선 연결선 38"/>
-            <p:cNvCxnSpPr/>
-            <p:nvPr userDrawn="1"/>
-          </p:nvCxnSpPr>
-          <p:spPr>
-            <a:xfrm>
-              <a:off x="596702" y="0"/>
-              <a:ext cx="0" cy="452673"/>
-            </a:xfrm>
-            <a:prstGeom prst="line">
-              <a:avLst/>
-            </a:prstGeom>
-            <a:noFill/>
-            <a:ln w="3175">
-              <a:solidFill>
-                <a:schemeClr val="bg1">
-                  <a:lumMod val="50000"/>
-                  <a:alpha val="20000"/>
-                </a:schemeClr>
-              </a:solidFill>
-            </a:ln>
-          </p:spPr>
-          <p:style>
-            <a:lnRef idx="2">
-              <a:schemeClr val="accent1">
-                <a:shade val="50000"/>
-              </a:schemeClr>
-            </a:lnRef>
-            <a:fillRef idx="1">
-              <a:schemeClr val="accent1"/>
-            </a:fillRef>
-            <a:effectRef idx="0">
-              <a:schemeClr val="accent1"/>
-            </a:effectRef>
-            <a:fontRef idx="minor">
-              <a:schemeClr val="lt1"/>
-            </a:fontRef>
-          </p:style>
-        </p:cxnSp>
-      </p:grpSp>
-      <p:grpSp>
-        <p:nvGrpSpPr>
-          <p:cNvPr id="40" name="그룹 39"/>
-          <p:cNvGrpSpPr/>
-          <p:nvPr/>
-        </p:nvGrpSpPr>
-        <p:grpSpPr>
-          <a:xfrm>
-            <a:off x="11692617" y="6450050"/>
-            <a:ext cx="160828" cy="144235"/>
-            <a:chOff x="333451" y="0"/>
-            <a:chExt cx="504748" cy="452673"/>
-          </a:xfrm>
-        </p:grpSpPr>
-        <p:cxnSp>
-          <p:nvCxnSpPr>
-            <p:cNvPr id="41" name="직선 연결선 40"/>
-            <p:cNvCxnSpPr/>
-            <p:nvPr userDrawn="1"/>
-          </p:nvCxnSpPr>
-          <p:spPr>
-            <a:xfrm flipH="1">
-              <a:off x="333451" y="213257"/>
-              <a:ext cx="504748" cy="0"/>
-            </a:xfrm>
-            <a:prstGeom prst="line">
-              <a:avLst/>
-            </a:prstGeom>
-            <a:noFill/>
-            <a:ln w="3175">
-              <a:solidFill>
-                <a:schemeClr val="bg1">
-                  <a:lumMod val="50000"/>
-                  <a:alpha val="20000"/>
-                </a:schemeClr>
-              </a:solidFill>
-            </a:ln>
-          </p:spPr>
-          <p:style>
-            <a:lnRef idx="2">
-              <a:schemeClr val="accent1">
-                <a:shade val="50000"/>
-              </a:schemeClr>
-            </a:lnRef>
-            <a:fillRef idx="1">
-              <a:schemeClr val="accent1"/>
-            </a:fillRef>
-            <a:effectRef idx="0">
-              <a:schemeClr val="accent1"/>
-            </a:effectRef>
-            <a:fontRef idx="minor">
-              <a:schemeClr val="lt1"/>
-            </a:fontRef>
-          </p:style>
-        </p:cxnSp>
-        <p:cxnSp>
-          <p:nvCxnSpPr>
-            <p:cNvPr id="42" name="직선 연결선 41"/>
-            <p:cNvCxnSpPr/>
-            <p:nvPr userDrawn="1"/>
-          </p:nvCxnSpPr>
-          <p:spPr>
-            <a:xfrm>
-              <a:off x="596702" y="0"/>
-              <a:ext cx="0" cy="452673"/>
-            </a:xfrm>
-            <a:prstGeom prst="line">
-              <a:avLst/>
-            </a:prstGeom>
-            <a:noFill/>
-            <a:ln w="3175">
-              <a:solidFill>
-                <a:schemeClr val="bg1">
-                  <a:lumMod val="50000"/>
-                  <a:alpha val="20000"/>
-                </a:schemeClr>
-              </a:solidFill>
-            </a:ln>
-          </p:spPr>
-          <p:style>
-            <a:lnRef idx="2">
-              <a:schemeClr val="accent1">
-                <a:shade val="50000"/>
-              </a:schemeClr>
-            </a:lnRef>
-            <a:fillRef idx="1">
-              <a:schemeClr val="accent1"/>
-            </a:fillRef>
-            <a:effectRef idx="0">
-              <a:schemeClr val="accent1"/>
-            </a:effectRef>
-            <a:fontRef idx="minor">
-              <a:schemeClr val="lt1"/>
-            </a:fontRef>
-          </p:style>
-        </p:cxnSp>
-      </p:grpSp>
-      <p:grpSp>
-        <p:nvGrpSpPr>
-          <p:cNvPr id="43" name="그룹 42"/>
-          <p:cNvGrpSpPr/>
-          <p:nvPr/>
-        </p:nvGrpSpPr>
-        <p:grpSpPr>
-          <a:xfrm>
-            <a:off x="267210" y="897738"/>
-            <a:ext cx="160828" cy="144235"/>
-            <a:chOff x="333451" y="0"/>
-            <a:chExt cx="504748" cy="452673"/>
-          </a:xfrm>
-        </p:grpSpPr>
-        <p:cxnSp>
-          <p:nvCxnSpPr>
-            <p:cNvPr id="44" name="직선 연결선 43"/>
-            <p:cNvCxnSpPr/>
-            <p:nvPr userDrawn="1"/>
-          </p:nvCxnSpPr>
-          <p:spPr>
-            <a:xfrm flipH="1">
-              <a:off x="333451" y="213257"/>
-              <a:ext cx="504748" cy="0"/>
-            </a:xfrm>
-            <a:prstGeom prst="line">
-              <a:avLst/>
-            </a:prstGeom>
-            <a:noFill/>
-            <a:ln w="3175">
-              <a:solidFill>
-                <a:schemeClr val="bg1">
-                  <a:lumMod val="50000"/>
-                  <a:alpha val="20000"/>
-                </a:schemeClr>
-              </a:solidFill>
-            </a:ln>
-          </p:spPr>
-          <p:style>
-            <a:lnRef idx="2">
-              <a:schemeClr val="accent1">
-                <a:shade val="50000"/>
-              </a:schemeClr>
-            </a:lnRef>
-            <a:fillRef idx="1">
-              <a:schemeClr val="accent1"/>
-            </a:fillRef>
-            <a:effectRef idx="0">
-              <a:schemeClr val="accent1"/>
-            </a:effectRef>
-            <a:fontRef idx="minor">
-              <a:schemeClr val="lt1"/>
-            </a:fontRef>
-          </p:style>
-        </p:cxnSp>
-        <p:cxnSp>
-          <p:nvCxnSpPr>
-            <p:cNvPr id="45" name="직선 연결선 44"/>
-            <p:cNvCxnSpPr/>
-            <p:nvPr userDrawn="1"/>
-          </p:nvCxnSpPr>
-          <p:spPr>
-            <a:xfrm>
-              <a:off x="596702" y="0"/>
-              <a:ext cx="0" cy="452673"/>
-            </a:xfrm>
-            <a:prstGeom prst="line">
-              <a:avLst/>
-            </a:prstGeom>
-            <a:noFill/>
-            <a:ln w="3175">
-              <a:solidFill>
-                <a:schemeClr val="bg1">
-                  <a:lumMod val="50000"/>
-                  <a:alpha val="20000"/>
-                </a:schemeClr>
-              </a:solidFill>
-            </a:ln>
-          </p:spPr>
-          <p:style>
-            <a:lnRef idx="2">
-              <a:schemeClr val="accent1">
-                <a:shade val="50000"/>
-              </a:schemeClr>
-            </a:lnRef>
-            <a:fillRef idx="1">
-              <a:schemeClr val="accent1"/>
-            </a:fillRef>
-            <a:effectRef idx="0">
-              <a:schemeClr val="accent1"/>
-            </a:effectRef>
-            <a:fontRef idx="minor">
-              <a:schemeClr val="lt1"/>
-            </a:fontRef>
-          </p:style>
-        </p:cxnSp>
-      </p:grpSp>
-      <p:grpSp>
-        <p:nvGrpSpPr>
-          <p:cNvPr id="46" name="그룹 45"/>
-          <p:cNvGrpSpPr/>
-          <p:nvPr/>
-        </p:nvGrpSpPr>
-        <p:grpSpPr>
-          <a:xfrm>
-            <a:off x="11692617" y="897738"/>
-            <a:ext cx="160828" cy="144235"/>
-            <a:chOff x="333451" y="0"/>
-            <a:chExt cx="504748" cy="452673"/>
-          </a:xfrm>
-        </p:grpSpPr>
-        <p:cxnSp>
-          <p:nvCxnSpPr>
-            <p:cNvPr id="47" name="직선 연결선 46"/>
-            <p:cNvCxnSpPr/>
-            <p:nvPr userDrawn="1"/>
-          </p:nvCxnSpPr>
-          <p:spPr>
-            <a:xfrm flipH="1">
-              <a:off x="333451" y="213257"/>
-              <a:ext cx="504748" cy="0"/>
-            </a:xfrm>
-            <a:prstGeom prst="line">
-              <a:avLst/>
-            </a:prstGeom>
-            <a:noFill/>
-            <a:ln w="3175">
-              <a:solidFill>
-                <a:schemeClr val="bg1">
-                  <a:lumMod val="50000"/>
-                  <a:alpha val="20000"/>
-                </a:schemeClr>
-              </a:solidFill>
-            </a:ln>
-          </p:spPr>
-          <p:style>
-            <a:lnRef idx="2">
-              <a:schemeClr val="accent1">
-                <a:shade val="50000"/>
-              </a:schemeClr>
-            </a:lnRef>
-            <a:fillRef idx="1">
-              <a:schemeClr val="accent1"/>
-            </a:fillRef>
-            <a:effectRef idx="0">
-              <a:schemeClr val="accent1"/>
-            </a:effectRef>
-            <a:fontRef idx="minor">
-              <a:schemeClr val="lt1"/>
-            </a:fontRef>
-          </p:style>
-        </p:cxnSp>
-        <p:cxnSp>
-          <p:nvCxnSpPr>
-            <p:cNvPr id="48" name="직선 연결선 47"/>
-            <p:cNvCxnSpPr/>
-            <p:nvPr userDrawn="1"/>
-          </p:nvCxnSpPr>
-          <p:spPr>
-            <a:xfrm>
-              <a:off x="596702" y="0"/>
-              <a:ext cx="0" cy="452673"/>
-            </a:xfrm>
-            <a:prstGeom prst="line">
-              <a:avLst/>
-            </a:prstGeom>
-            <a:noFill/>
-            <a:ln w="3175">
-              <a:solidFill>
-                <a:schemeClr val="bg1">
-                  <a:lumMod val="50000"/>
-                  <a:alpha val="20000"/>
-                </a:schemeClr>
-              </a:solidFill>
-            </a:ln>
-          </p:spPr>
-          <p:style>
-            <a:lnRef idx="2">
-              <a:schemeClr val="accent1">
-                <a:shade val="50000"/>
-              </a:schemeClr>
-            </a:lnRef>
-            <a:fillRef idx="1">
-              <a:schemeClr val="accent1"/>
-            </a:fillRef>
-            <a:effectRef idx="0">
-              <a:schemeClr val="accent1"/>
-            </a:effectRef>
-            <a:fontRef idx="minor">
-              <a:schemeClr val="lt1"/>
-            </a:fontRef>
-          </p:style>
-        </p:cxnSp>
-      </p:grpSp>
+      <p:sp>
+        <p:nvSpPr>
+          <p:cNvPr id="17" name="슬라이드 번호 개체 틀 16"/>
+          <p:cNvSpPr>
+            <a:spLocks noGrp="1"/>
+          </p:cNvSpPr>
+          <p:nvPr>
+            <p:ph type="sldNum" sz="quarter" idx="12"/>
+          </p:nvPr>
+        </p:nvSpPr>
+        <p:spPr/>
+        <p:txBody>
+          <a:bodyPr/>
+          <a:lstStyle/>
+          <a:p>
+            <a:pPr lvl="0">
+              <a:defRPr/>
+            </a:pPr>
+            <a:fld id="{15812C5A-9CF7-4A8D-A41D-9E74470054A5}" type="slidenum">
+              <a:rPr lang="en-US" altLang="en-US"/>
+              <a:pPr lvl="0">
+                <a:defRPr/>
+              </a:pPr>
+              <a:t>9</a:t>
+            </a:fld>
+            <a:endParaRPr lang="en-US" altLang="en-US"/>
+          </a:p>
+        </p:txBody>
+      </p:sp>
+      <p:sp>
+        <p:nvSpPr>
+          <p:cNvPr id="1027" name="텍스트 개체 틀 36"/>
+          <p:cNvSpPr>
+            <a:spLocks noGrp="1"/>
+          </p:cNvSpPr>
+          <p:nvPr>
+            <p:ph type="body" sz="quarter" idx="13"/>
+          </p:nvPr>
+        </p:nvSpPr>
+        <p:spPr/>
+        <p:txBody>
+          <a:bodyPr/>
+          <a:lstStyle/>
+          <a:p>
+            <a:pPr>
+              <a:defRPr/>
+            </a:pPr>
+            <a:r>
+              <a:rPr lang="en-US" altLang="ko-KR"/>
+              <a:t>EFFECT</a:t>
+            </a:r>
+            <a:endParaRPr lang="en-US" altLang="ko-KR"/>
+          </a:p>
+          <a:p>
+            <a:pPr>
+              <a:defRPr/>
+            </a:pPr>
+            <a:r>
+              <a:rPr lang="ko-KR" altLang="en-US"/>
+              <a:t>이펙트 </a:t>
+            </a:r>
+            <a:r>
+              <a:rPr lang="en-US" altLang="ko-KR"/>
+              <a:t>:</a:t>
+            </a:r>
+            <a:r>
+              <a:rPr lang="ko-KR" altLang="en-US"/>
+              <a:t> </a:t>
+            </a:r>
+            <a:r>
+              <a:rPr lang="ko-KR" altLang="en-US">
+                <a:hlinkClick r:id="rId2"/>
+              </a:rPr>
+              <a:t>https://assetstore.unity.com/packages/vfx/particles/ktk-effect-sample-set-25081</a:t>
+            </a:r>
+            <a:endParaRPr lang="ko-KR" altLang="en-US"/>
+          </a:p>
+          <a:p>
+            <a:pPr>
+              <a:defRPr/>
+            </a:pPr>
+            <a:r>
+              <a:rPr lang="ko-KR" altLang="en-US"/>
+              <a:t>총기 이펙트 </a:t>
+            </a:r>
+            <a:r>
+              <a:rPr lang="en-US" altLang="ko-KR"/>
+              <a:t>:</a:t>
+            </a:r>
+            <a:r>
+              <a:rPr lang="ko-KR" altLang="en-US"/>
+              <a:t> </a:t>
+            </a:r>
+            <a:r>
+              <a:rPr lang="ko-KR" altLang="en-US">
+                <a:hlinkClick r:id="rId3"/>
+              </a:rPr>
+              <a:t>https://assetstore.unity.com/packages/vfx/particles/war-fx-5669</a:t>
+            </a:r>
+            <a:endParaRPr lang="ko-KR" altLang="en-US"/>
+          </a:p>
+          <a:p>
+            <a:pPr>
+              <a:defRPr/>
+            </a:pPr>
+            <a:r>
+              <a:rPr lang="ko-KR" altLang="en-US"/>
+              <a:t>동료 지원사격 이펙트 </a:t>
+            </a:r>
+            <a:r>
+              <a:rPr lang="en-US" altLang="ko-KR"/>
+              <a:t>:</a:t>
+            </a:r>
+            <a:r>
+              <a:rPr lang="ko-KR" altLang="en-US"/>
+              <a:t> </a:t>
+            </a:r>
+            <a:r>
+              <a:rPr lang="ko-KR" altLang="en-US">
+                <a:hlinkClick r:id="rId4"/>
+              </a:rPr>
+              <a:t>https://assetstore.unity.com/packages/vfx/particles/spells/52-special-effects-pack-10419</a:t>
+            </a:r>
+            <a:endParaRPr lang="ko-KR" altLang="en-US"/>
+          </a:p>
+          <a:p>
+            <a:pPr>
+              <a:defRPr/>
+            </a:pPr>
+            <a:r>
+              <a:rPr lang="ko-KR" altLang="en-US"/>
+              <a:t>폭발 이펙트 </a:t>
+            </a:r>
+            <a:r>
+              <a:rPr lang="en-US" altLang="ko-KR"/>
+              <a:t>:</a:t>
+            </a:r>
+            <a:r>
+              <a:rPr lang="ko-KR" altLang="en-US"/>
+              <a:t> </a:t>
+            </a:r>
+            <a:r>
+              <a:rPr lang="ko-KR" altLang="en-US">
+                <a:hlinkClick r:id="rId3"/>
+              </a:rPr>
+              <a:t>https://assetstore.unity.com/packages/vfx/particles/war-fx-5669</a:t>
+            </a:r>
+            <a:endParaRPr lang="ko-KR" altLang="en-US"/>
+          </a:p>
+        </p:txBody>
+      </p:sp>
     </p:spTree>
-    <p:extLst>
-      <p:ext uri="{BB962C8B-B14F-4D97-AF65-F5344CB8AC3E}">
-        <p14:creationId xmlns:p14="http://schemas.microsoft.com/office/powerpoint/2010/main" val="2928308582"/>
-      </p:ext>
-    </p:extLst>
   </p:cSld>
   <p:clrMapOvr>
     <a:masterClrMapping/>
   </p:clrMapOvr>
-  <p:transition/>
+  <mc:AlternateContent xmlns:mc="http://schemas.openxmlformats.org/markup-compatibility/2006">
+    <mc:Choice xmlns:p14="http://schemas.microsoft.com/office/powerpoint/2010/main" Requires="p14">
+      <p:transition xmlns:mc="http://schemas.openxmlformats.org/markup-compatibility/2006" xmlns:p14="http://schemas.microsoft.com/office/powerpoint/2010/main" mc:Ignorable="p14" p14:dur="500"/>
+    </mc:Choice>
+    <mc:Fallback>
+      <p:transition/>
+    </mc:Fallback>
+  </mc:AlternateContent>
 </p:sld>
 </file>
 

--- a/텀프로젝트_결과발표_20205220이바다20205262최예찬.pptx
+++ b/텀프로젝트_결과발표_20205220이바다20205262최예찬.pptx
@@ -2,7 +2,7 @@
 <file path=ppt/presentation.xml><?xml version="1.0" encoding="utf-8"?>
 <p:presentation xmlns:r="http://schemas.openxmlformats.org/officeDocument/2006/relationships" xmlns:c="http://schemas.openxmlformats.org/drawingml/2006/chart" xmlns:a="http://schemas.openxmlformats.org/drawingml/2006/main" xmlns:dgm="http://schemas.openxmlformats.org/drawingml/2006/diagram" xmlns:dsp="http://schemas.microsoft.com/office/drawing/2008/diagram" xmlns:p="http://schemas.openxmlformats.org/presentationml/2006/main">
   <p:sldMasterIdLst>
-    <p:sldMasterId id="2147483679" r:id="rId1"/>
+    <p:sldMasterId id="2147483689" r:id="rId1"/>
   </p:sldMasterIdLst>
   <p:notesMasterIdLst>
     <p:notesMasterId r:id="rId2"/>
@@ -6970,7 +6970,7 @@
                 <a:latin typeface="맑은 고딕"/>
                 <a:ea typeface="맑은 고딕"/>
               </a:rPr>
-              <a:t>사용한 에셋 및 출처</a:t>
+              <a:t>사용한 애셋 및 출처</a:t>
             </a:r>
             <a:endParaRPr lang="ko-KR" altLang="en-US">
               <a:latin typeface="맑은 고딕"/>
@@ -13090,7 +13090,7 @@
                 <a:latin typeface="맑은 고딕"/>
                 <a:ea typeface="맑은 고딕"/>
               </a:rPr>
-              <a:t>에셋출처</a:t>
+              <a:t>애셋출처</a:t>
             </a:r>
             <a:endParaRPr lang="ko-KR" altLang="en-US">
               <a:latin typeface="맑은 고딕"/>
@@ -13619,7 +13619,7 @@
                 <a:latin typeface="맑은 고딕"/>
                 <a:ea typeface="맑은 고딕"/>
               </a:rPr>
-              <a:t>헬기를 타고 화면의 적들을 기관총으로 쏘며 전진하고</a:t>
+              <a:t>헬기를 타고 공중에 있는 적과 지상에 있는 적을 기관총으로 쏘며 전진하고</a:t>
             </a:r>
             <a:r>
               <a:rPr lang="en-US" altLang="ko-KR" sz="1600">
@@ -13660,7 +13660,7 @@
               </a:rPr>
               <a:t>”</a:t>
             </a:r>
-            <a:endParaRPr lang="ko-KR" altLang="en-US" sz="1600">
+            <a:endParaRPr lang="en-US" altLang="ko-KR" sz="1600">
               <a:solidFill>
                 <a:schemeClr val="tx1">
                   <a:lumMod val="50000"/>
@@ -13738,7 +13738,7 @@
                 <a:latin typeface="맑은 고딕"/>
                 <a:ea typeface="맑은 고딕"/>
               </a:rPr>
-              <a:t>플레이어를 방해하는 적들과 특정 건물을 공격하는 지상 적들을 제거하며 자동으로 이동하는 헬기를 타고 최종 목적지에 도착하는 것</a:t>
+              <a:t>플레이어를 방해하는 공중 적과 특정 건물을 공격하는 지상 적을 제거하며 자동으로 이동하는 헬기를 타고 최종 목적지에 도착하는 것</a:t>
             </a:r>
             <a:endParaRPr lang="ko-KR" altLang="en-US" sz="1600">
               <a:solidFill>
@@ -15174,13 +15174,13 @@
         </p:nvSpPr>
         <p:spPr>
           <a:xfrm>
-            <a:off x="810204" y="1871893"/>
-            <a:ext cx="10571591" cy="4116370"/>
+            <a:off x="542314" y="1752830"/>
+            <a:ext cx="5201873" cy="4235433"/>
           </a:xfrm>
         </p:spPr>
         <p:txBody>
           <a:bodyPr anchor="t">
-            <a:normAutofit fontScale="62500" lnSpcReduction="20000"/>
+            <a:normAutofit fontScale="77500" lnSpcReduction="20000"/>
           </a:bodyPr>
           <a:lstStyle/>
           <a:p>
@@ -15232,6 +15232,32 @@
                 <a:latin typeface="맑은 고딕"/>
                 <a:ea typeface="맑은 고딕"/>
               </a:rPr>
+              <a:t>-</a:t>
+            </a:r>
+            <a:r>
+              <a:rPr lang="ko-KR" altLang="en-US" sz="2000">
+                <a:solidFill>
+                  <a:schemeClr val="tx1">
+                    <a:lumMod val="50000"/>
+                    <a:lumOff val="50000"/>
+                  </a:schemeClr>
+                </a:solidFill>
+                <a:latin typeface="맑은 고딕"/>
+                <a:ea typeface="맑은 고딕"/>
+              </a:rPr>
+              <a:t> </a:t>
+            </a:r>
+            <a:r>
+              <a:rPr lang="en-US" altLang="ko-KR" sz="2000">
+                <a:solidFill>
+                  <a:schemeClr val="tx1">
+                    <a:lumMod val="50000"/>
+                    <a:lumOff val="50000"/>
+                  </a:schemeClr>
+                </a:solidFill>
+                <a:latin typeface="맑은 고딕"/>
+                <a:ea typeface="맑은 고딕"/>
+              </a:rPr>
               <a:t>waypoint</a:t>
             </a:r>
             <a:r>
@@ -15297,7 +15323,7 @@
               <a:defRPr/>
             </a:pPr>
             <a:r>
-              <a:rPr lang="ko-KR" altLang="en-US" sz="2000">
+              <a:rPr lang="en-US" altLang="ko-KR" sz="2000">
                 <a:solidFill>
                   <a:schemeClr val="tx1">
                     <a:lumMod val="50000"/>
@@ -15307,10 +15333,10 @@
                 <a:latin typeface="맑은 고딕"/>
                 <a:ea typeface="맑은 고딕"/>
               </a:rPr>
-              <a:t>화면 터치 </a:t>
-            </a:r>
-            <a:r>
-              <a:rPr lang="en-US" altLang="ko-KR" sz="2000">
+              <a:t>-</a:t>
+            </a:r>
+            <a:r>
+              <a:rPr lang="ko-KR" altLang="en-US" sz="2000">
                 <a:solidFill>
                   <a:schemeClr val="tx1">
                     <a:lumMod val="50000"/>
@@ -15320,7 +15346,20 @@
                 <a:latin typeface="맑은 고딕"/>
                 <a:ea typeface="맑은 고딕"/>
               </a:rPr>
-              <a:t>-</a:t>
+              <a:t> 화면 터치 </a:t>
+            </a:r>
+            <a:r>
+              <a:rPr lang="en-US" altLang="ko-KR" sz="2000">
+                <a:solidFill>
+                  <a:schemeClr val="tx1">
+                    <a:lumMod val="50000"/>
+                    <a:lumOff val="50000"/>
+                  </a:schemeClr>
+                </a:solidFill>
+                <a:latin typeface="맑은 고딕"/>
+                <a:ea typeface="맑은 고딕"/>
+              </a:rPr>
+              <a:t>:</a:t>
             </a:r>
             <a:r>
               <a:rPr lang="ko-KR" altLang="en-US" sz="2000">
@@ -15380,7 +15419,7 @@
               <a:defRPr/>
             </a:pPr>
             <a:r>
-              <a:rPr lang="ko-KR" altLang="en-US" sz="2000">
+              <a:rPr lang="en-US" altLang="ko-KR" sz="2000">
                 <a:solidFill>
                   <a:schemeClr val="tx1">
                     <a:lumMod val="50000"/>
@@ -15390,10 +15429,10 @@
                 <a:latin typeface="맑은 고딕"/>
                 <a:ea typeface="맑은 고딕"/>
               </a:rPr>
-              <a:t>총알 부족하면 </a:t>
-            </a:r>
-            <a:r>
-              <a:rPr lang="en-US" altLang="ko-KR" sz="2000">
+              <a:t>-</a:t>
+            </a:r>
+            <a:r>
+              <a:rPr lang="ko-KR" altLang="en-US" sz="2000">
                 <a:solidFill>
                   <a:schemeClr val="tx1">
                     <a:lumMod val="50000"/>
@@ -15403,10 +15442,10 @@
                 <a:latin typeface="맑은 고딕"/>
                 <a:ea typeface="맑은 고딕"/>
               </a:rPr>
-              <a:t>1.5</a:t>
-            </a:r>
-            <a:r>
-              <a:rPr lang="ko-KR" altLang="en-US" sz="2000">
+              <a:t> 총알 부족하면 </a:t>
+            </a:r>
+            <a:r>
+              <a:rPr lang="en-US" altLang="ko-KR" sz="2000">
                 <a:solidFill>
                   <a:schemeClr val="tx1">
                     <a:lumMod val="50000"/>
@@ -15416,10 +15455,10 @@
                 <a:latin typeface="맑은 고딕"/>
                 <a:ea typeface="맑은 고딕"/>
               </a:rPr>
-              <a:t>초 동안 </a:t>
-            </a:r>
-            <a:r>
-              <a:rPr lang="en-US" altLang="ko-KR" sz="2000">
+              <a:t>1.5</a:t>
+            </a:r>
+            <a:r>
+              <a:rPr lang="ko-KR" altLang="en-US" sz="2000">
                 <a:solidFill>
                   <a:schemeClr val="tx1">
                     <a:lumMod val="50000"/>
@@ -15429,7 +15468,64 @@
                 <a:latin typeface="맑은 고딕"/>
                 <a:ea typeface="맑은 고딕"/>
               </a:rPr>
+              <a:t>초 동안 </a:t>
+            </a:r>
+            <a:r>
+              <a:rPr lang="en-US" altLang="ko-KR" sz="2000">
+                <a:solidFill>
+                  <a:schemeClr val="tx1">
+                    <a:lumMod val="50000"/>
+                    <a:lumOff val="50000"/>
+                  </a:schemeClr>
+                </a:solidFill>
+                <a:latin typeface="맑은 고딕"/>
+                <a:ea typeface="맑은 고딕"/>
+              </a:rPr>
               <a:t>Reloding</a:t>
+            </a:r>
+            <a:endParaRPr lang="en-US" altLang="ko-KR" sz="2000">
+              <a:solidFill>
+                <a:schemeClr val="tx1">
+                  <a:lumMod val="50000"/>
+                  <a:lumOff val="50000"/>
+                </a:schemeClr>
+              </a:solidFill>
+              <a:latin typeface="맑은 고딕"/>
+              <a:ea typeface="맑은 고딕"/>
+            </a:endParaRPr>
+          </a:p>
+          <a:p>
+            <a:pPr algn="l">
+              <a:lnSpc>
+                <a:spcPct val="200000"/>
+              </a:lnSpc>
+              <a:defRPr/>
+            </a:pPr>
+            <a:r>
+              <a:rPr lang="en-US" altLang="ko-KR" sz="2000">
+                <a:solidFill>
+                  <a:schemeClr val="tx1">
+                    <a:lumMod val="50000"/>
+                    <a:lumOff val="50000"/>
+                  </a:schemeClr>
+                </a:solidFill>
+                <a:latin typeface="맑은 고딕"/>
+                <a:ea typeface="맑은 고딕"/>
+              </a:rPr>
+              <a:t>-</a:t>
+            </a:r>
+            <a:r>
+              <a:rPr lang="ko-KR" altLang="en-US" sz="2000">
+                <a:solidFill>
+                  <a:schemeClr val="tx1">
+                    <a:lumMod val="50000"/>
+                    <a:lumOff val="50000"/>
+                  </a:schemeClr>
+                </a:solidFill>
+                <a:latin typeface="맑은 고딕"/>
+                <a:ea typeface="맑은 고딕"/>
+              </a:rPr>
+              <a:t> 총알은 화면의 중앙으로 발사됨</a:t>
             </a:r>
             <a:endParaRPr lang="ko-KR" altLang="en-US" sz="2000">
               <a:solidFill>
@@ -15450,7 +15546,7 @@
               <a:defRPr/>
             </a:pPr>
             <a:r>
-              <a:rPr lang="ko-KR" altLang="en-US" sz="2000">
+              <a:rPr lang="en-US" altLang="ko-KR" sz="2000">
                 <a:solidFill>
                   <a:schemeClr val="tx1">
                     <a:lumMod val="50000"/>
@@ -15460,7 +15556,20 @@
                 <a:latin typeface="맑은 고딕"/>
                 <a:ea typeface="맑은 고딕"/>
               </a:rPr>
-              <a:t>총알은 화면의 중앙으로 발사됨</a:t>
+              <a:t>-</a:t>
+            </a:r>
+            <a:r>
+              <a:rPr lang="ko-KR" altLang="en-US" sz="2000">
+                <a:solidFill>
+                  <a:schemeClr val="tx1">
+                    <a:lumMod val="50000"/>
+                    <a:lumOff val="50000"/>
+                  </a:schemeClr>
+                </a:solidFill>
+                <a:latin typeface="맑은 고딕"/>
+                <a:ea typeface="맑은 고딕"/>
+              </a:rPr>
+              <a:t> 지상에 있는 폭발물을 공격하여 폭발시키면 주변에 있는 적에게 데미지를 줌</a:t>
             </a:r>
             <a:endParaRPr lang="ko-KR" altLang="en-US" sz="2000">
               <a:solidFill>
@@ -15480,325 +15589,6 @@
               </a:lnSpc>
               <a:defRPr/>
             </a:pPr>
-            <a:r>
-              <a:rPr lang="ko-KR" altLang="en-US" sz="2000" b="1">
-                <a:solidFill>
-                  <a:schemeClr val="tx1">
-                    <a:lumMod val="50000"/>
-                    <a:lumOff val="50000"/>
-                  </a:schemeClr>
-                </a:solidFill>
-                <a:latin typeface="맑은 고딕"/>
-                <a:ea typeface="맑은 고딕"/>
-              </a:rPr>
-              <a:t>특수 공격</a:t>
-            </a:r>
-            <a:endParaRPr lang="ko-KR" altLang="en-US" sz="2000" b="1">
-              <a:solidFill>
-                <a:schemeClr val="tx1">
-                  <a:lumMod val="50000"/>
-                  <a:lumOff val="50000"/>
-                </a:schemeClr>
-              </a:solidFill>
-              <a:latin typeface="맑은 고딕"/>
-              <a:ea typeface="맑은 고딕"/>
-            </a:endParaRPr>
-          </a:p>
-          <a:p>
-            <a:pPr algn="l">
-              <a:lnSpc>
-                <a:spcPct val="200000"/>
-              </a:lnSpc>
-              <a:defRPr/>
-            </a:pPr>
-            <a:r>
-              <a:rPr lang="ko-KR" altLang="en-US" sz="2000">
-                <a:solidFill>
-                  <a:schemeClr val="tx1">
-                    <a:lumMod val="50000"/>
-                    <a:lumOff val="50000"/>
-                  </a:schemeClr>
-                </a:solidFill>
-                <a:latin typeface="맑은 고딕"/>
-                <a:ea typeface="맑은 고딕"/>
-              </a:rPr>
-              <a:t>플레이어가 총 쏘는 곳 뒤를 보면 동료 </a:t>
-            </a:r>
-            <a:r>
-              <a:rPr lang="en-US" altLang="ko-KR" sz="2000">
-                <a:solidFill>
-                  <a:schemeClr val="tx1">
-                    <a:lumMod val="50000"/>
-                    <a:lumOff val="50000"/>
-                  </a:schemeClr>
-                </a:solidFill>
-                <a:latin typeface="맑은 고딕"/>
-                <a:ea typeface="맑은 고딕"/>
-              </a:rPr>
-              <a:t>1</a:t>
-            </a:r>
-            <a:r>
-              <a:rPr lang="ko-KR" altLang="en-US" sz="2000">
-                <a:solidFill>
-                  <a:schemeClr val="tx1">
-                    <a:lumMod val="50000"/>
-                    <a:lumOff val="50000"/>
-                  </a:schemeClr>
-                </a:solidFill>
-                <a:latin typeface="맑은 고딕"/>
-                <a:ea typeface="맑은 고딕"/>
-              </a:rPr>
-              <a:t>명과 </a:t>
-            </a:r>
-            <a:r>
-              <a:rPr lang="en-US" altLang="ko-KR" sz="2000">
-                <a:solidFill>
-                  <a:schemeClr val="tx1">
-                    <a:lumMod val="50000"/>
-                    <a:lumOff val="50000"/>
-                  </a:schemeClr>
-                </a:solidFill>
-                <a:latin typeface="맑은 고딕"/>
-                <a:ea typeface="맑은 고딕"/>
-              </a:rPr>
-              <a:t>2</a:t>
-            </a:r>
-            <a:r>
-              <a:rPr lang="ko-KR" altLang="en-US" sz="2000">
-                <a:solidFill>
-                  <a:schemeClr val="tx1">
-                    <a:lumMod val="50000"/>
-                    <a:lumOff val="50000"/>
-                  </a:schemeClr>
-                </a:solidFill>
-                <a:latin typeface="맑은 고딕"/>
-                <a:ea typeface="맑은 고딕"/>
-              </a:rPr>
-              <a:t>개의 버튼이 있음</a:t>
-            </a:r>
-            <a:endParaRPr lang="ko-KR" altLang="en-US" sz="2000">
-              <a:solidFill>
-                <a:schemeClr val="tx1">
-                  <a:lumMod val="50000"/>
-                  <a:lumOff val="50000"/>
-                </a:schemeClr>
-              </a:solidFill>
-              <a:latin typeface="맑은 고딕"/>
-              <a:ea typeface="맑은 고딕"/>
-            </a:endParaRPr>
-          </a:p>
-          <a:p>
-            <a:pPr algn="l">
-              <a:lnSpc>
-                <a:spcPct val="200000"/>
-              </a:lnSpc>
-              <a:defRPr/>
-            </a:pPr>
-            <a:r>
-              <a:rPr lang="ko-KR" altLang="en-US" sz="2000">
-                <a:solidFill>
-                  <a:schemeClr val="tx1">
-                    <a:lumMod val="50000"/>
-                    <a:lumOff val="50000"/>
-                  </a:schemeClr>
-                </a:solidFill>
-                <a:latin typeface="맑은 고딕"/>
-                <a:ea typeface="맑은 고딕"/>
-              </a:rPr>
-              <a:t>동료 </a:t>
-            </a:r>
-            <a:r>
-              <a:rPr lang="en-US" altLang="ko-KR" sz="2000">
-                <a:solidFill>
-                  <a:schemeClr val="tx1">
-                    <a:lumMod val="50000"/>
-                    <a:lumOff val="50000"/>
-                  </a:schemeClr>
-                </a:solidFill>
-                <a:latin typeface="맑은 고딕"/>
-                <a:ea typeface="맑은 고딕"/>
-              </a:rPr>
-              <a:t>-</a:t>
-            </a:r>
-            <a:r>
-              <a:rPr lang="ko-KR" altLang="en-US" sz="2000">
-                <a:solidFill>
-                  <a:schemeClr val="tx1">
-                    <a:lumMod val="50000"/>
-                    <a:lumOff val="50000"/>
-                  </a:schemeClr>
-                </a:solidFill>
-                <a:latin typeface="맑은 고딕"/>
-                <a:ea typeface="맑은 고딕"/>
-              </a:rPr>
-              <a:t> </a:t>
-            </a:r>
-            <a:endParaRPr lang="ko-KR" altLang="en-US" sz="2000">
-              <a:solidFill>
-                <a:schemeClr val="tx1">
-                  <a:lumMod val="50000"/>
-                  <a:lumOff val="50000"/>
-                </a:schemeClr>
-              </a:solidFill>
-              <a:latin typeface="맑은 고딕"/>
-              <a:ea typeface="맑은 고딕"/>
-            </a:endParaRPr>
-          </a:p>
-          <a:p>
-            <a:pPr algn="l">
-              <a:lnSpc>
-                <a:spcPct val="200000"/>
-              </a:lnSpc>
-              <a:defRPr/>
-            </a:pPr>
-            <a:r>
-              <a:rPr lang="ko-KR" altLang="en-US" sz="2000">
-                <a:solidFill>
-                  <a:schemeClr val="tx1">
-                    <a:lumMod val="50000"/>
-                    <a:lumOff val="50000"/>
-                  </a:schemeClr>
-                </a:solidFill>
-                <a:latin typeface="맑은 고딕"/>
-                <a:ea typeface="맑은 고딕"/>
-              </a:rPr>
-              <a:t>위버튼 </a:t>
-            </a:r>
-            <a:r>
-              <a:rPr lang="en-US" altLang="ko-KR" sz="2000">
-                <a:solidFill>
-                  <a:schemeClr val="tx1">
-                    <a:lumMod val="50000"/>
-                    <a:lumOff val="50000"/>
-                  </a:schemeClr>
-                </a:solidFill>
-                <a:latin typeface="맑은 고딕"/>
-                <a:ea typeface="맑은 고딕"/>
-              </a:rPr>
-              <a:t>-</a:t>
-            </a:r>
-            <a:r>
-              <a:rPr lang="ko-KR" altLang="en-US" sz="2000">
-                <a:solidFill>
-                  <a:schemeClr val="tx1">
-                    <a:lumMod val="50000"/>
-                    <a:lumOff val="50000"/>
-                  </a:schemeClr>
-                </a:solidFill>
-                <a:latin typeface="맑은 고딕"/>
-                <a:ea typeface="맑은 고딕"/>
-              </a:rPr>
-              <a:t> 시간 딜레이</a:t>
-            </a:r>
-            <a:r>
-              <a:rPr lang="en-US" altLang="ko-KR" sz="2000">
-                <a:solidFill>
-                  <a:schemeClr val="tx1">
-                    <a:lumMod val="50000"/>
-                    <a:lumOff val="50000"/>
-                  </a:schemeClr>
-                </a:solidFill>
-                <a:latin typeface="맑은 고딕"/>
-                <a:ea typeface="맑은 고딕"/>
-              </a:rPr>
-              <a:t>?</a:t>
-            </a:r>
-            <a:endParaRPr lang="en-US" altLang="ko-KR" sz="2000">
-              <a:solidFill>
-                <a:schemeClr val="tx1">
-                  <a:lumMod val="50000"/>
-                  <a:lumOff val="50000"/>
-                </a:schemeClr>
-              </a:solidFill>
-              <a:latin typeface="맑은 고딕"/>
-              <a:ea typeface="맑은 고딕"/>
-            </a:endParaRPr>
-          </a:p>
-          <a:p>
-            <a:pPr algn="l">
-              <a:lnSpc>
-                <a:spcPct val="200000"/>
-              </a:lnSpc>
-              <a:defRPr/>
-            </a:pPr>
-            <a:r>
-              <a:rPr lang="ko-KR" altLang="en-US" sz="2000">
-                <a:solidFill>
-                  <a:schemeClr val="tx1">
-                    <a:lumMod val="50000"/>
-                    <a:lumOff val="50000"/>
-                  </a:schemeClr>
-                </a:solidFill>
-                <a:latin typeface="맑은 고딕"/>
-                <a:ea typeface="맑은 고딕"/>
-              </a:rPr>
-              <a:t>아래버튼 </a:t>
-            </a:r>
-            <a:r>
-              <a:rPr lang="en-US" altLang="ko-KR" sz="2000">
-                <a:solidFill>
-                  <a:schemeClr val="tx1">
-                    <a:lumMod val="50000"/>
-                    <a:lumOff val="50000"/>
-                  </a:schemeClr>
-                </a:solidFill>
-                <a:latin typeface="맑은 고딕"/>
-                <a:ea typeface="맑은 고딕"/>
-              </a:rPr>
-              <a:t>-</a:t>
-            </a:r>
-            <a:r>
-              <a:rPr lang="ko-KR" altLang="en-US" sz="2000">
-                <a:solidFill>
-                  <a:schemeClr val="tx1">
-                    <a:lumMod val="50000"/>
-                    <a:lumOff val="50000"/>
-                  </a:schemeClr>
-                </a:solidFill>
-                <a:latin typeface="맑은 고딕"/>
-                <a:ea typeface="맑은 고딕"/>
-              </a:rPr>
-              <a:t> 특별탄약 </a:t>
-            </a:r>
-            <a:r>
-              <a:rPr lang="en-US" altLang="ko-KR" sz="2000">
-                <a:solidFill>
-                  <a:schemeClr val="tx1">
-                    <a:lumMod val="50000"/>
-                    <a:lumOff val="50000"/>
-                  </a:schemeClr>
-                </a:solidFill>
-                <a:latin typeface="맑은 고딕"/>
-                <a:ea typeface="맑은 고딕"/>
-              </a:rPr>
-              <a:t>(</a:t>
-            </a:r>
-            <a:r>
-              <a:rPr lang="ko-KR" altLang="en-US" sz="2000">
-                <a:solidFill>
-                  <a:schemeClr val="tx1">
-                    <a:lumMod val="50000"/>
-                    <a:lumOff val="50000"/>
-                  </a:schemeClr>
-                </a:solidFill>
-                <a:latin typeface="맑은 고딕"/>
-                <a:ea typeface="맑은 고딕"/>
-              </a:rPr>
-              <a:t>설명</a:t>
-            </a:r>
-            <a:r>
-              <a:rPr lang="en-US" altLang="ko-KR" sz="2000">
-                <a:solidFill>
-                  <a:schemeClr val="tx1">
-                    <a:lumMod val="50000"/>
-                    <a:lumOff val="50000"/>
-                  </a:schemeClr>
-                </a:solidFill>
-                <a:latin typeface="맑은 고딕"/>
-                <a:ea typeface="맑은 고딕"/>
-              </a:rPr>
-              <a:t>)</a:t>
-            </a:r>
             <a:endParaRPr lang="en-US" altLang="ko-KR" sz="2000">
               <a:solidFill>
                 <a:schemeClr val="tx1">
@@ -15894,6 +15684,1083 @@
           </a:fontRef>
         </p:style>
       </p:cxnSp>
+      <p:sp>
+        <p:nvSpPr>
+          <p:cNvPr id="19" name="텍스트 개체 틀 8"/>
+          <p:cNvSpPr>
+            <a:spLocks noGrp="1"/>
+          </p:cNvSpPr>
+          <p:nvPr/>
+        </p:nvSpPr>
+        <p:spPr>
+          <a:xfrm>
+            <a:off x="6096000" y="1599192"/>
+            <a:ext cx="5690031" cy="4366401"/>
+          </a:xfrm>
+          <a:prstGeom prst="rect">
+            <a:avLst/>
+          </a:prstGeom>
+          <a:solidFill>
+            <a:schemeClr val="bg1"/>
+          </a:solidFill>
+          <a:ln w="3175">
+            <a:solidFill>
+              <a:schemeClr val="bg1">
+                <a:lumMod val="50000"/>
+                <a:alpha val="5000"/>
+              </a:schemeClr>
+            </a:solidFill>
+          </a:ln>
+        </p:spPr>
+        <p:style>
+          <a:lnRef idx="2">
+            <a:schemeClr val="accent1">
+              <a:shade val="50000"/>
+            </a:schemeClr>
+          </a:lnRef>
+          <a:fillRef idx="1">
+            <a:schemeClr val="accent1"/>
+          </a:fillRef>
+          <a:effectRef idx="0">
+            <a:schemeClr val="accent1"/>
+          </a:effectRef>
+          <a:fontRef idx="minor">
+            <a:schemeClr val="lt1"/>
+          </a:fontRef>
+        </p:style>
+        <p:txBody>
+          <a:bodyPr vert="horz" lIns="91440" tIns="45720" rIns="91440" bIns="45720" anchor="t" anchorCtr="0">
+            <a:normAutofit fontScale="85000" lnSpcReduction="20000"/>
+          </a:bodyPr>
+          <a:p>
+            <a:pPr marL="0" indent="0" algn="l" defTabSz="914400" rtl="0" eaLnBrk="1" latinLnBrk="1" hangingPunct="1">
+              <a:lnSpc>
+                <a:spcPct val="200000"/>
+              </a:lnSpc>
+              <a:spcBef>
+                <a:spcPts val="0"/>
+              </a:spcBef>
+              <a:spcAft>
+                <a:spcPts val="0"/>
+              </a:spcAft>
+              <a:buFont typeface="Arial"/>
+              <a:buNone/>
+              <a:defRPr/>
+            </a:pPr>
+            <a:r>
+              <a:rPr xmlns:mc="http://schemas.openxmlformats.org/markup-compatibility/2006" xmlns:hp="http://schemas.haansoft.com/office/presentation/8.0" kumimoji="0" lang="ko-KR" altLang="en-US" sz="2000" b="1" i="0" u="none" strike="noStrike" kern="1200" cap="none" spc="-60" normalizeH="0" baseline="0" mc:Ignorable="hp" hp:hslEmbossed="0">
+                <a:ln w="9525" cap="flat" cmpd="sng" algn="ctr">
+                  <a:solidFill>
+                    <a:schemeClr val="accent1">
+                      <a:alpha val="0"/>
+                    </a:schemeClr>
+                  </a:solidFill>
+                  <a:prstDash val="solid"/>
+                  <a:round/>
+                  <a:headEnd w="med" len="med"/>
+                  <a:tailEnd w="med" len="med"/>
+                </a:ln>
+                <a:solidFill>
+                  <a:schemeClr val="tx1">
+                    <a:lumMod val="50000"/>
+                    <a:lumOff val="50000"/>
+                  </a:schemeClr>
+                </a:solidFill>
+                <a:latin typeface="맑은 고딕"/>
+                <a:ea typeface="맑은 고딕"/>
+              </a:rPr>
+              <a:t>특수 공격</a:t>
+            </a:r>
+            <a:endParaRPr xmlns:mc="http://schemas.openxmlformats.org/markup-compatibility/2006" xmlns:hp="http://schemas.haansoft.com/office/presentation/8.0" kumimoji="0" lang="ko-KR" altLang="en-US" sz="2000" b="1" i="0" u="none" strike="noStrike" kern="1200" cap="none" spc="-60" normalizeH="0" baseline="0" mc:Ignorable="hp" hp:hslEmbossed="0">
+              <a:ln w="9525" cap="flat" cmpd="sng" algn="ctr">
+                <a:solidFill>
+                  <a:schemeClr val="accent1">
+                    <a:alpha val="0"/>
+                  </a:schemeClr>
+                </a:solidFill>
+                <a:prstDash val="solid"/>
+                <a:round/>
+                <a:headEnd w="med" len="med"/>
+                <a:tailEnd w="med" len="med"/>
+              </a:ln>
+              <a:solidFill>
+                <a:schemeClr val="tx1">
+                  <a:lumMod val="50000"/>
+                  <a:lumOff val="50000"/>
+                </a:schemeClr>
+              </a:solidFill>
+              <a:latin typeface="맑은 고딕"/>
+              <a:ea typeface="맑은 고딕"/>
+            </a:endParaRPr>
+          </a:p>
+          <a:p>
+            <a:pPr marL="0" indent="0" algn="l" defTabSz="914400" rtl="0" eaLnBrk="1" latinLnBrk="1" hangingPunct="1">
+              <a:lnSpc>
+                <a:spcPct val="200000"/>
+              </a:lnSpc>
+              <a:spcBef>
+                <a:spcPts val="0"/>
+              </a:spcBef>
+              <a:spcAft>
+                <a:spcPts val="0"/>
+              </a:spcAft>
+              <a:buFont typeface="Arial"/>
+              <a:buNone/>
+              <a:defRPr/>
+            </a:pPr>
+            <a:r>
+              <a:rPr xmlns:mc="http://schemas.openxmlformats.org/markup-compatibility/2006" xmlns:hp="http://schemas.haansoft.com/office/presentation/8.0" kumimoji="0" lang="en-US" altLang="ko-KR" sz="2000" b="0" i="0" u="none" strike="noStrike" kern="1200" cap="none" spc="-60" normalizeH="0" baseline="0" mc:Ignorable="hp" hp:hslEmbossed="0">
+                <a:ln w="9525" cap="flat" cmpd="sng" algn="ctr">
+                  <a:solidFill>
+                    <a:schemeClr val="accent1">
+                      <a:alpha val="0"/>
+                    </a:schemeClr>
+                  </a:solidFill>
+                  <a:prstDash val="solid"/>
+                  <a:round/>
+                  <a:headEnd w="med" len="med"/>
+                  <a:tailEnd w="med" len="med"/>
+                </a:ln>
+                <a:solidFill>
+                  <a:schemeClr val="tx1">
+                    <a:lumMod val="50000"/>
+                    <a:lumOff val="50000"/>
+                  </a:schemeClr>
+                </a:solidFill>
+                <a:latin typeface="맑은 고딕"/>
+                <a:ea typeface="맑은 고딕"/>
+              </a:rPr>
+              <a:t>-</a:t>
+            </a:r>
+            <a:r>
+              <a:rPr xmlns:mc="http://schemas.openxmlformats.org/markup-compatibility/2006" xmlns:hp="http://schemas.haansoft.com/office/presentation/8.0" kumimoji="0" lang="ko-KR" altLang="en-US" sz="2000" b="0" i="0" u="none" strike="noStrike" kern="1200" cap="none" spc="-60" normalizeH="0" baseline="0" mc:Ignorable="hp" hp:hslEmbossed="0">
+                <a:ln w="9525" cap="flat" cmpd="sng" algn="ctr">
+                  <a:solidFill>
+                    <a:schemeClr val="accent1">
+                      <a:alpha val="0"/>
+                    </a:schemeClr>
+                  </a:solidFill>
+                  <a:prstDash val="solid"/>
+                  <a:round/>
+                  <a:headEnd w="med" len="med"/>
+                  <a:tailEnd w="med" len="med"/>
+                </a:ln>
+                <a:solidFill>
+                  <a:schemeClr val="tx1">
+                    <a:lumMod val="50000"/>
+                    <a:lumOff val="50000"/>
+                  </a:schemeClr>
+                </a:solidFill>
+                <a:latin typeface="맑은 고딕"/>
+                <a:ea typeface="맑은 고딕"/>
+              </a:rPr>
+              <a:t> 플레이어가 총 쏘는 곳 뒤를 보면 동료 </a:t>
+            </a:r>
+            <a:r>
+              <a:rPr xmlns:mc="http://schemas.openxmlformats.org/markup-compatibility/2006" xmlns:hp="http://schemas.haansoft.com/office/presentation/8.0" kumimoji="0" lang="en-US" altLang="ko-KR" sz="2000" b="0" i="0" u="none" strike="noStrike" kern="1200" cap="none" spc="-60" normalizeH="0" baseline="0" mc:Ignorable="hp" hp:hslEmbossed="0">
+                <a:ln w="9525" cap="flat" cmpd="sng" algn="ctr">
+                  <a:solidFill>
+                    <a:schemeClr val="accent1">
+                      <a:alpha val="0"/>
+                    </a:schemeClr>
+                  </a:solidFill>
+                  <a:prstDash val="solid"/>
+                  <a:round/>
+                  <a:headEnd w="med" len="med"/>
+                  <a:tailEnd w="med" len="med"/>
+                </a:ln>
+                <a:solidFill>
+                  <a:schemeClr val="tx1">
+                    <a:lumMod val="50000"/>
+                    <a:lumOff val="50000"/>
+                  </a:schemeClr>
+                </a:solidFill>
+                <a:latin typeface="맑은 고딕"/>
+                <a:ea typeface="맑은 고딕"/>
+              </a:rPr>
+              <a:t>1</a:t>
+            </a:r>
+            <a:r>
+              <a:rPr xmlns:mc="http://schemas.openxmlformats.org/markup-compatibility/2006" xmlns:hp="http://schemas.haansoft.com/office/presentation/8.0" kumimoji="0" lang="ko-KR" altLang="en-US" sz="2000" b="0" i="0" u="none" strike="noStrike" kern="1200" cap="none" spc="-60" normalizeH="0" baseline="0" mc:Ignorable="hp" hp:hslEmbossed="0">
+                <a:ln w="9525" cap="flat" cmpd="sng" algn="ctr">
+                  <a:solidFill>
+                    <a:schemeClr val="accent1">
+                      <a:alpha val="0"/>
+                    </a:schemeClr>
+                  </a:solidFill>
+                  <a:prstDash val="solid"/>
+                  <a:round/>
+                  <a:headEnd w="med" len="med"/>
+                  <a:tailEnd w="med" len="med"/>
+                </a:ln>
+                <a:solidFill>
+                  <a:schemeClr val="tx1">
+                    <a:lumMod val="50000"/>
+                    <a:lumOff val="50000"/>
+                  </a:schemeClr>
+                </a:solidFill>
+                <a:latin typeface="맑은 고딕"/>
+                <a:ea typeface="맑은 고딕"/>
+              </a:rPr>
+              <a:t>명과 </a:t>
+            </a:r>
+            <a:r>
+              <a:rPr xmlns:mc="http://schemas.openxmlformats.org/markup-compatibility/2006" xmlns:hp="http://schemas.haansoft.com/office/presentation/8.0" kumimoji="0" lang="en-US" altLang="ko-KR" sz="2000" b="0" i="0" u="none" strike="noStrike" kern="1200" cap="none" spc="-60" normalizeH="0" baseline="0" mc:Ignorable="hp" hp:hslEmbossed="0">
+                <a:ln w="9525" cap="flat" cmpd="sng" algn="ctr">
+                  <a:solidFill>
+                    <a:schemeClr val="accent1">
+                      <a:alpha val="0"/>
+                    </a:schemeClr>
+                  </a:solidFill>
+                  <a:prstDash val="solid"/>
+                  <a:round/>
+                  <a:headEnd w="med" len="med"/>
+                  <a:tailEnd w="med" len="med"/>
+                </a:ln>
+                <a:solidFill>
+                  <a:schemeClr val="tx1">
+                    <a:lumMod val="50000"/>
+                    <a:lumOff val="50000"/>
+                  </a:schemeClr>
+                </a:solidFill>
+                <a:latin typeface="맑은 고딕"/>
+                <a:ea typeface="맑은 고딕"/>
+              </a:rPr>
+              <a:t>2</a:t>
+            </a:r>
+            <a:r>
+              <a:rPr xmlns:mc="http://schemas.openxmlformats.org/markup-compatibility/2006" xmlns:hp="http://schemas.haansoft.com/office/presentation/8.0" kumimoji="0" lang="ko-KR" altLang="en-US" sz="2000" b="0" i="0" u="none" strike="noStrike" kern="1200" cap="none" spc="-60" normalizeH="0" baseline="0" mc:Ignorable="hp" hp:hslEmbossed="0">
+                <a:ln w="9525" cap="flat" cmpd="sng" algn="ctr">
+                  <a:solidFill>
+                    <a:schemeClr val="accent1">
+                      <a:alpha val="0"/>
+                    </a:schemeClr>
+                  </a:solidFill>
+                  <a:prstDash val="solid"/>
+                  <a:round/>
+                  <a:headEnd w="med" len="med"/>
+                  <a:tailEnd w="med" len="med"/>
+                </a:ln>
+                <a:solidFill>
+                  <a:schemeClr val="tx1">
+                    <a:lumMod val="50000"/>
+                    <a:lumOff val="50000"/>
+                  </a:schemeClr>
+                </a:solidFill>
+                <a:latin typeface="맑은 고딕"/>
+                <a:ea typeface="맑은 고딕"/>
+              </a:rPr>
+              <a:t>개의 버튼이 있음</a:t>
+            </a:r>
+            <a:endParaRPr xmlns:mc="http://schemas.openxmlformats.org/markup-compatibility/2006" xmlns:hp="http://schemas.haansoft.com/office/presentation/8.0" kumimoji="0" lang="ko-KR" altLang="en-US" sz="2000" b="0" i="0" u="none" strike="noStrike" kern="1200" cap="none" spc="-60" normalizeH="0" baseline="0" mc:Ignorable="hp" hp:hslEmbossed="0">
+              <a:ln w="9525" cap="flat" cmpd="sng" algn="ctr">
+                <a:solidFill>
+                  <a:schemeClr val="accent1">
+                    <a:alpha val="0"/>
+                  </a:schemeClr>
+                </a:solidFill>
+                <a:prstDash val="solid"/>
+                <a:round/>
+                <a:headEnd w="med" len="med"/>
+                <a:tailEnd w="med" len="med"/>
+              </a:ln>
+              <a:solidFill>
+                <a:schemeClr val="tx1">
+                  <a:lumMod val="50000"/>
+                  <a:lumOff val="50000"/>
+                </a:schemeClr>
+              </a:solidFill>
+              <a:latin typeface="맑은 고딕"/>
+              <a:ea typeface="맑은 고딕"/>
+            </a:endParaRPr>
+          </a:p>
+          <a:p>
+            <a:pPr marL="0" indent="0" algn="l" defTabSz="914400" rtl="0" eaLnBrk="1" latinLnBrk="1" hangingPunct="1">
+              <a:lnSpc>
+                <a:spcPct val="200000"/>
+              </a:lnSpc>
+              <a:spcBef>
+                <a:spcPts val="0"/>
+              </a:spcBef>
+              <a:spcAft>
+                <a:spcPts val="0"/>
+              </a:spcAft>
+              <a:buFont typeface="Arial"/>
+              <a:buNone/>
+              <a:defRPr/>
+            </a:pPr>
+            <a:r>
+              <a:rPr xmlns:mc="http://schemas.openxmlformats.org/markup-compatibility/2006" xmlns:hp="http://schemas.haansoft.com/office/presentation/8.0" kumimoji="0" lang="en-US" altLang="ko-KR" sz="2000" b="0" i="0" u="none" strike="noStrike" kern="1200" cap="none" spc="-60" normalizeH="0" baseline="0" mc:Ignorable="hp" hp:hslEmbossed="0">
+                <a:ln w="9525" cap="flat" cmpd="sng" algn="ctr">
+                  <a:solidFill>
+                    <a:schemeClr val="accent1">
+                      <a:alpha val="0"/>
+                    </a:schemeClr>
+                  </a:solidFill>
+                  <a:prstDash val="solid"/>
+                  <a:round/>
+                  <a:headEnd w="med" len="med"/>
+                  <a:tailEnd w="med" len="med"/>
+                </a:ln>
+                <a:solidFill>
+                  <a:schemeClr val="tx1">
+                    <a:lumMod val="50000"/>
+                    <a:lumOff val="50000"/>
+                  </a:schemeClr>
+                </a:solidFill>
+                <a:latin typeface="맑은 고딕"/>
+                <a:ea typeface="맑은 고딕"/>
+              </a:rPr>
+              <a:t>-</a:t>
+            </a:r>
+            <a:r>
+              <a:rPr xmlns:mc="http://schemas.openxmlformats.org/markup-compatibility/2006" xmlns:hp="http://schemas.haansoft.com/office/presentation/8.0" kumimoji="0" lang="ko-KR" altLang="en-US" sz="2000" b="0" i="0" u="none" strike="noStrike" kern="1200" cap="none" spc="-60" normalizeH="0" baseline="0" mc:Ignorable="hp" hp:hslEmbossed="0">
+                <a:ln w="9525" cap="flat" cmpd="sng" algn="ctr">
+                  <a:solidFill>
+                    <a:schemeClr val="accent1">
+                      <a:alpha val="0"/>
+                    </a:schemeClr>
+                  </a:solidFill>
+                  <a:prstDash val="solid"/>
+                  <a:round/>
+                  <a:headEnd w="med" len="med"/>
+                  <a:tailEnd w="med" len="med"/>
+                </a:ln>
+                <a:solidFill>
+                  <a:schemeClr val="tx1">
+                    <a:lumMod val="50000"/>
+                    <a:lumOff val="50000"/>
+                  </a:schemeClr>
+                </a:solidFill>
+                <a:latin typeface="맑은 고딕"/>
+                <a:ea typeface="맑은 고딕"/>
+              </a:rPr>
+              <a:t> 적들을 제거하고 받은 스코어로 사용 가능</a:t>
+            </a:r>
+            <a:endParaRPr xmlns:mc="http://schemas.openxmlformats.org/markup-compatibility/2006" xmlns:hp="http://schemas.haansoft.com/office/presentation/8.0" kumimoji="0" lang="ko-KR" altLang="en-US" sz="2000" b="0" i="0" u="none" strike="noStrike" kern="1200" cap="none" spc="-60" normalizeH="0" baseline="0" mc:Ignorable="hp" hp:hslEmbossed="0">
+              <a:ln w="9525" cap="flat" cmpd="sng" algn="ctr">
+                <a:solidFill>
+                  <a:schemeClr val="accent1">
+                    <a:alpha val="0"/>
+                  </a:schemeClr>
+                </a:solidFill>
+                <a:prstDash val="solid"/>
+                <a:round/>
+                <a:headEnd w="med" len="med"/>
+                <a:tailEnd w="med" len="med"/>
+              </a:ln>
+              <a:solidFill>
+                <a:schemeClr val="tx1">
+                  <a:lumMod val="50000"/>
+                  <a:lumOff val="50000"/>
+                </a:schemeClr>
+              </a:solidFill>
+              <a:latin typeface="맑은 고딕"/>
+              <a:ea typeface="맑은 고딕"/>
+            </a:endParaRPr>
+          </a:p>
+          <a:p>
+            <a:pPr marL="0" indent="0" algn="l" defTabSz="914400" rtl="0" eaLnBrk="1" latinLnBrk="1" hangingPunct="1">
+              <a:lnSpc>
+                <a:spcPct val="200000"/>
+              </a:lnSpc>
+              <a:spcBef>
+                <a:spcPts val="0"/>
+              </a:spcBef>
+              <a:spcAft>
+                <a:spcPts val="0"/>
+              </a:spcAft>
+              <a:buFont typeface="Arial"/>
+              <a:buNone/>
+              <a:defRPr/>
+            </a:pPr>
+            <a:r>
+              <a:rPr xmlns:mc="http://schemas.openxmlformats.org/markup-compatibility/2006" xmlns:hp="http://schemas.haansoft.com/office/presentation/8.0" kumimoji="0" lang="en-US" altLang="ko-KR" sz="2000" b="0" i="0" u="none" strike="noStrike" kern="1200" cap="none" spc="-60" normalizeH="0" baseline="0" mc:Ignorable="hp" hp:hslEmbossed="0">
+                <a:ln w="9525" cap="flat" cmpd="sng" algn="ctr">
+                  <a:solidFill>
+                    <a:schemeClr val="accent1">
+                      <a:alpha val="0"/>
+                    </a:schemeClr>
+                  </a:solidFill>
+                  <a:prstDash val="solid"/>
+                  <a:round/>
+                  <a:headEnd w="med" len="med"/>
+                  <a:tailEnd w="med" len="med"/>
+                </a:ln>
+                <a:solidFill>
+                  <a:schemeClr val="tx1">
+                    <a:lumMod val="50000"/>
+                    <a:lumOff val="50000"/>
+                  </a:schemeClr>
+                </a:solidFill>
+                <a:latin typeface="맑은 고딕"/>
+                <a:ea typeface="맑은 고딕"/>
+              </a:rPr>
+              <a:t>-</a:t>
+            </a:r>
+            <a:r>
+              <a:rPr xmlns:mc="http://schemas.openxmlformats.org/markup-compatibility/2006" xmlns:hp="http://schemas.haansoft.com/office/presentation/8.0" kumimoji="0" lang="ko-KR" altLang="en-US" sz="2000" b="0" i="0" u="none" strike="noStrike" kern="1200" cap="none" spc="-60" normalizeH="0" baseline="0" mc:Ignorable="hp" hp:hslEmbossed="0">
+                <a:ln w="9525" cap="flat" cmpd="sng" algn="ctr">
+                  <a:solidFill>
+                    <a:schemeClr val="accent1">
+                      <a:alpha val="0"/>
+                    </a:schemeClr>
+                  </a:solidFill>
+                  <a:prstDash val="solid"/>
+                  <a:round/>
+                  <a:headEnd w="med" len="med"/>
+                  <a:tailEnd w="med" len="med"/>
+                </a:ln>
+                <a:solidFill>
+                  <a:schemeClr val="tx1">
+                    <a:lumMod val="50000"/>
+                    <a:lumOff val="50000"/>
+                  </a:schemeClr>
+                </a:solidFill>
+                <a:latin typeface="맑은 고딕"/>
+                <a:ea typeface="맑은 고딕"/>
+              </a:rPr>
+              <a:t> 동료 또는 버튼을 바라보면 초록색 게이지가 차고</a:t>
+            </a:r>
+            <a:r>
+              <a:rPr xmlns:mc="http://schemas.openxmlformats.org/markup-compatibility/2006" xmlns:hp="http://schemas.haansoft.com/office/presentation/8.0" kumimoji="0" lang="en-US" altLang="ko-KR" sz="2000" b="0" i="0" u="none" strike="noStrike" kern="1200" cap="none" spc="-60" normalizeH="0" baseline="0" mc:Ignorable="hp" hp:hslEmbossed="0">
+                <a:ln w="9525" cap="flat" cmpd="sng" algn="ctr">
+                  <a:solidFill>
+                    <a:schemeClr val="accent1">
+                      <a:alpha val="0"/>
+                    </a:schemeClr>
+                  </a:solidFill>
+                  <a:prstDash val="solid"/>
+                  <a:round/>
+                  <a:headEnd w="med" len="med"/>
+                  <a:tailEnd w="med" len="med"/>
+                </a:ln>
+                <a:solidFill>
+                  <a:schemeClr val="tx1">
+                    <a:lumMod val="50000"/>
+                    <a:lumOff val="50000"/>
+                  </a:schemeClr>
+                </a:solidFill>
+                <a:latin typeface="맑은 고딕"/>
+                <a:ea typeface="맑은 고딕"/>
+              </a:rPr>
+              <a:t>,</a:t>
+            </a:r>
+            <a:r>
+              <a:rPr xmlns:mc="http://schemas.openxmlformats.org/markup-compatibility/2006" xmlns:hp="http://schemas.haansoft.com/office/presentation/8.0" kumimoji="0" lang="ko-KR" altLang="en-US" sz="2000" b="0" i="0" u="none" strike="noStrike" kern="1200" cap="none" spc="-60" normalizeH="0" baseline="0" mc:Ignorable="hp" hp:hslEmbossed="0">
+                <a:ln w="9525" cap="flat" cmpd="sng" algn="ctr">
+                  <a:solidFill>
+                    <a:schemeClr val="accent1">
+                      <a:alpha val="0"/>
+                    </a:schemeClr>
+                  </a:solidFill>
+                  <a:prstDash val="solid"/>
+                  <a:round/>
+                  <a:headEnd w="med" len="med"/>
+                  <a:tailEnd w="med" len="med"/>
+                </a:ln>
+                <a:solidFill>
+                  <a:schemeClr val="tx1">
+                    <a:lumMod val="50000"/>
+                    <a:lumOff val="50000"/>
+                  </a:schemeClr>
+                </a:solidFill>
+                <a:latin typeface="맑은 고딕"/>
+                <a:ea typeface="맑은 고딕"/>
+              </a:rPr>
+              <a:t> 게이지가 다 차면 화면 터치</a:t>
+            </a:r>
+            <a:endParaRPr xmlns:mc="http://schemas.openxmlformats.org/markup-compatibility/2006" xmlns:hp="http://schemas.haansoft.com/office/presentation/8.0" kumimoji="0" lang="ko-KR" altLang="en-US" sz="2000" b="0" i="0" u="none" strike="noStrike" kern="1200" cap="none" spc="-60" normalizeH="0" baseline="0" mc:Ignorable="hp" hp:hslEmbossed="0">
+              <a:ln w="9525" cap="flat" cmpd="sng" algn="ctr">
+                <a:solidFill>
+                  <a:schemeClr val="accent1">
+                    <a:alpha val="0"/>
+                  </a:schemeClr>
+                </a:solidFill>
+                <a:prstDash val="solid"/>
+                <a:round/>
+                <a:headEnd w="med" len="med"/>
+                <a:tailEnd w="med" len="med"/>
+              </a:ln>
+              <a:solidFill>
+                <a:schemeClr val="tx1">
+                  <a:lumMod val="50000"/>
+                  <a:lumOff val="50000"/>
+                </a:schemeClr>
+              </a:solidFill>
+              <a:latin typeface="맑은 고딕"/>
+              <a:ea typeface="맑은 고딕"/>
+            </a:endParaRPr>
+          </a:p>
+          <a:p>
+            <a:pPr marL="0" indent="0" algn="l" defTabSz="914400" rtl="0" eaLnBrk="1" latinLnBrk="1" hangingPunct="1">
+              <a:lnSpc>
+                <a:spcPct val="200000"/>
+              </a:lnSpc>
+              <a:spcBef>
+                <a:spcPts val="0"/>
+              </a:spcBef>
+              <a:spcAft>
+                <a:spcPts val="0"/>
+              </a:spcAft>
+              <a:buFont typeface="Arial"/>
+              <a:buNone/>
+              <a:defRPr/>
+            </a:pPr>
+            <a:r>
+              <a:rPr xmlns:mc="http://schemas.openxmlformats.org/markup-compatibility/2006" xmlns:hp="http://schemas.haansoft.com/office/presentation/8.0" kumimoji="0" lang="ko-KR" altLang="en-US" sz="2000" b="0" i="0" u="none" strike="noStrike" kern="1200" cap="none" spc="-60" normalizeH="0" baseline="0" mc:Ignorable="hp" hp:hslEmbossed="0">
+                <a:ln w="9525" cap="flat" cmpd="sng" algn="ctr">
+                  <a:solidFill>
+                    <a:schemeClr val="accent1">
+                      <a:alpha val="0"/>
+                    </a:schemeClr>
+                  </a:solidFill>
+                  <a:prstDash val="solid"/>
+                  <a:round/>
+                  <a:headEnd w="med" len="med"/>
+                  <a:tailEnd w="med" len="med"/>
+                </a:ln>
+                <a:solidFill>
+                  <a:schemeClr val="tx1">
+                    <a:lumMod val="50000"/>
+                    <a:lumOff val="50000"/>
+                  </a:schemeClr>
+                </a:solidFill>
+                <a:latin typeface="맑은 고딕"/>
+                <a:ea typeface="맑은 고딕"/>
+              </a:rPr>
+              <a:t>동료</a:t>
+            </a:r>
+            <a:r>
+              <a:rPr xmlns:mc="http://schemas.openxmlformats.org/markup-compatibility/2006" xmlns:hp="http://schemas.haansoft.com/office/presentation/8.0" kumimoji="0" lang="en-US" altLang="ko-KR" sz="2000" b="0" i="0" u="none" strike="noStrike" kern="1200" cap="none" spc="-60" normalizeH="0" baseline="0" mc:Ignorable="hp" hp:hslEmbossed="0">
+                <a:ln w="9525" cap="flat" cmpd="sng" algn="ctr">
+                  <a:solidFill>
+                    <a:schemeClr val="accent1">
+                      <a:alpha val="0"/>
+                    </a:schemeClr>
+                  </a:solidFill>
+                  <a:prstDash val="solid"/>
+                  <a:round/>
+                  <a:headEnd w="med" len="med"/>
+                  <a:tailEnd w="med" len="med"/>
+                </a:ln>
+                <a:solidFill>
+                  <a:schemeClr val="tx1">
+                    <a:lumMod val="50000"/>
+                    <a:lumOff val="50000"/>
+                  </a:schemeClr>
+                </a:solidFill>
+                <a:latin typeface="맑은 고딕"/>
+                <a:ea typeface="맑은 고딕"/>
+              </a:rPr>
+              <a:t>(-100)</a:t>
+            </a:r>
+            <a:r>
+              <a:rPr xmlns:mc="http://schemas.openxmlformats.org/markup-compatibility/2006" xmlns:hp="http://schemas.haansoft.com/office/presentation/8.0" kumimoji="0" lang="ko-KR" altLang="en-US" sz="2000" b="0" i="0" u="none" strike="noStrike" kern="1200" cap="none" spc="-60" normalizeH="0" baseline="0" mc:Ignorable="hp" hp:hslEmbossed="0">
+                <a:ln w="9525" cap="flat" cmpd="sng" algn="ctr">
+                  <a:solidFill>
+                    <a:schemeClr val="accent1">
+                      <a:alpha val="0"/>
+                    </a:schemeClr>
+                  </a:solidFill>
+                  <a:prstDash val="solid"/>
+                  <a:round/>
+                  <a:headEnd w="med" len="med"/>
+                  <a:tailEnd w="med" len="med"/>
+                </a:ln>
+                <a:solidFill>
+                  <a:schemeClr val="tx1">
+                    <a:lumMod val="50000"/>
+                    <a:lumOff val="50000"/>
+                  </a:schemeClr>
+                </a:solidFill>
+                <a:latin typeface="맑은 고딕"/>
+                <a:ea typeface="맑은 고딕"/>
+              </a:rPr>
+              <a:t> </a:t>
+            </a:r>
+            <a:r>
+              <a:rPr xmlns:mc="http://schemas.openxmlformats.org/markup-compatibility/2006" xmlns:hp="http://schemas.haansoft.com/office/presentation/8.0" kumimoji="0" lang="en-US" altLang="ko-KR" sz="2000" b="0" i="0" u="none" strike="noStrike" kern="1200" cap="none" spc="-60" normalizeH="0" baseline="0" mc:Ignorable="hp" hp:hslEmbossed="0">
+                <a:ln w="9525" cap="flat" cmpd="sng" algn="ctr">
+                  <a:solidFill>
+                    <a:schemeClr val="accent1">
+                      <a:alpha val="0"/>
+                    </a:schemeClr>
+                  </a:solidFill>
+                  <a:prstDash val="solid"/>
+                  <a:round/>
+                  <a:headEnd w="med" len="med"/>
+                  <a:tailEnd w="med" len="med"/>
+                </a:ln>
+                <a:solidFill>
+                  <a:schemeClr val="tx1">
+                    <a:lumMod val="50000"/>
+                    <a:lumOff val="50000"/>
+                  </a:schemeClr>
+                </a:solidFill>
+                <a:latin typeface="맑은 고딕"/>
+                <a:ea typeface="맑은 고딕"/>
+              </a:rPr>
+              <a:t>-</a:t>
+            </a:r>
+            <a:r>
+              <a:rPr xmlns:mc="http://schemas.openxmlformats.org/markup-compatibility/2006" xmlns:hp="http://schemas.haansoft.com/office/presentation/8.0" kumimoji="0" lang="ko-KR" altLang="en-US" sz="2000" b="0" i="0" u="none" strike="noStrike" kern="1200" cap="none" spc="-60" normalizeH="0" baseline="0" mc:Ignorable="hp" hp:hslEmbossed="0">
+                <a:ln w="9525" cap="flat" cmpd="sng" algn="ctr">
+                  <a:solidFill>
+                    <a:schemeClr val="accent1">
+                      <a:alpha val="0"/>
+                    </a:schemeClr>
+                  </a:solidFill>
+                  <a:prstDash val="solid"/>
+                  <a:round/>
+                  <a:headEnd w="med" len="med"/>
+                  <a:tailEnd w="med" len="med"/>
+                </a:ln>
+                <a:solidFill>
+                  <a:schemeClr val="tx1">
+                    <a:lumMod val="50000"/>
+                    <a:lumOff val="50000"/>
+                  </a:schemeClr>
+                </a:solidFill>
+                <a:latin typeface="맑은 고딕"/>
+                <a:ea typeface="맑은 고딕"/>
+              </a:rPr>
+              <a:t> </a:t>
+            </a:r>
+            <a:endParaRPr xmlns:mc="http://schemas.openxmlformats.org/markup-compatibility/2006" xmlns:hp="http://schemas.haansoft.com/office/presentation/8.0" kumimoji="0" lang="ko-KR" altLang="en-US" sz="2000" b="0" i="0" u="none" strike="noStrike" kern="1200" cap="none" spc="-60" normalizeH="0" baseline="0" mc:Ignorable="hp" hp:hslEmbossed="0">
+              <a:ln w="9525" cap="flat" cmpd="sng" algn="ctr">
+                <a:solidFill>
+                  <a:schemeClr val="accent1">
+                    <a:alpha val="0"/>
+                  </a:schemeClr>
+                </a:solidFill>
+                <a:prstDash val="solid"/>
+                <a:round/>
+                <a:headEnd w="med" len="med"/>
+                <a:tailEnd w="med" len="med"/>
+              </a:ln>
+              <a:solidFill>
+                <a:schemeClr val="tx1">
+                  <a:lumMod val="50000"/>
+                  <a:lumOff val="50000"/>
+                </a:schemeClr>
+              </a:solidFill>
+              <a:latin typeface="맑은 고딕"/>
+              <a:ea typeface="맑은 고딕"/>
+            </a:endParaRPr>
+          </a:p>
+          <a:p>
+            <a:pPr marL="0" indent="0" algn="l" defTabSz="914400" rtl="0" eaLnBrk="1" latinLnBrk="1" hangingPunct="1">
+              <a:lnSpc>
+                <a:spcPct val="200000"/>
+              </a:lnSpc>
+              <a:spcBef>
+                <a:spcPts val="0"/>
+              </a:spcBef>
+              <a:spcAft>
+                <a:spcPts val="0"/>
+              </a:spcAft>
+              <a:buFont typeface="Arial"/>
+              <a:buNone/>
+              <a:defRPr/>
+            </a:pPr>
+            <a:r>
+              <a:rPr xmlns:mc="http://schemas.openxmlformats.org/markup-compatibility/2006" xmlns:hp="http://schemas.haansoft.com/office/presentation/8.0" kumimoji="0" lang="ko-KR" altLang="en-US" sz="2000" b="0" i="0" u="none" strike="noStrike" kern="1200" cap="none" spc="-60" normalizeH="0" baseline="0" mc:Ignorable="hp" hp:hslEmbossed="0">
+                <a:ln w="9525" cap="flat" cmpd="sng" algn="ctr">
+                  <a:solidFill>
+                    <a:schemeClr val="accent1">
+                      <a:alpha val="0"/>
+                    </a:schemeClr>
+                  </a:solidFill>
+                  <a:prstDash val="solid"/>
+                  <a:round/>
+                  <a:headEnd w="med" len="med"/>
+                  <a:tailEnd w="med" len="med"/>
+                </a:ln>
+                <a:solidFill>
+                  <a:schemeClr val="tx1">
+                    <a:lumMod val="50000"/>
+                    <a:lumOff val="50000"/>
+                  </a:schemeClr>
+                </a:solidFill>
+                <a:latin typeface="맑은 고딕"/>
+                <a:ea typeface="맑은 고딕"/>
+              </a:rPr>
+              <a:t>오른쪽버튼</a:t>
+            </a:r>
+            <a:r>
+              <a:rPr xmlns:mc="http://schemas.openxmlformats.org/markup-compatibility/2006" xmlns:hp="http://schemas.haansoft.com/office/presentation/8.0" kumimoji="0" lang="en-US" altLang="ko-KR" sz="2000" b="0" i="0" u="none" strike="noStrike" kern="1200" cap="none" spc="-60" normalizeH="0" baseline="0" mc:Ignorable="hp" hp:hslEmbossed="0">
+                <a:ln w="9525" cap="flat" cmpd="sng" algn="ctr">
+                  <a:solidFill>
+                    <a:schemeClr val="accent1">
+                      <a:alpha val="0"/>
+                    </a:schemeClr>
+                  </a:solidFill>
+                  <a:prstDash val="solid"/>
+                  <a:round/>
+                  <a:headEnd w="med" len="med"/>
+                  <a:tailEnd w="med" len="med"/>
+                </a:ln>
+                <a:solidFill>
+                  <a:schemeClr val="tx1">
+                    <a:lumMod val="50000"/>
+                    <a:lumOff val="50000"/>
+                  </a:schemeClr>
+                </a:solidFill>
+                <a:latin typeface="맑은 고딕"/>
+                <a:ea typeface="맑은 고딕"/>
+              </a:rPr>
+              <a:t>(-250)</a:t>
+            </a:r>
+            <a:r>
+              <a:rPr xmlns:mc="http://schemas.openxmlformats.org/markup-compatibility/2006" xmlns:hp="http://schemas.haansoft.com/office/presentation/8.0" kumimoji="0" lang="ko-KR" altLang="en-US" sz="2000" b="0" i="0" u="none" strike="noStrike" kern="1200" cap="none" spc="-60" normalizeH="0" baseline="0" mc:Ignorable="hp" hp:hslEmbossed="0">
+                <a:ln w="9525" cap="flat" cmpd="sng" algn="ctr">
+                  <a:solidFill>
+                    <a:schemeClr val="accent1">
+                      <a:alpha val="0"/>
+                    </a:schemeClr>
+                  </a:solidFill>
+                  <a:prstDash val="solid"/>
+                  <a:round/>
+                  <a:headEnd w="med" len="med"/>
+                  <a:tailEnd w="med" len="med"/>
+                </a:ln>
+                <a:solidFill>
+                  <a:schemeClr val="tx1">
+                    <a:lumMod val="50000"/>
+                    <a:lumOff val="50000"/>
+                  </a:schemeClr>
+                </a:solidFill>
+                <a:latin typeface="맑은 고딕"/>
+                <a:ea typeface="맑은 고딕"/>
+              </a:rPr>
+              <a:t> </a:t>
+            </a:r>
+            <a:r>
+              <a:rPr xmlns:mc="http://schemas.openxmlformats.org/markup-compatibility/2006" xmlns:hp="http://schemas.haansoft.com/office/presentation/8.0" kumimoji="0" lang="en-US" altLang="ko-KR" sz="2000" b="0" i="0" u="none" strike="noStrike" kern="1200" cap="none" spc="-60" normalizeH="0" baseline="0" mc:Ignorable="hp" hp:hslEmbossed="0">
+                <a:ln w="9525" cap="flat" cmpd="sng" algn="ctr">
+                  <a:solidFill>
+                    <a:schemeClr val="accent1">
+                      <a:alpha val="0"/>
+                    </a:schemeClr>
+                  </a:solidFill>
+                  <a:prstDash val="solid"/>
+                  <a:round/>
+                  <a:headEnd w="med" len="med"/>
+                  <a:tailEnd w="med" len="med"/>
+                </a:ln>
+                <a:solidFill>
+                  <a:schemeClr val="tx1">
+                    <a:lumMod val="50000"/>
+                    <a:lumOff val="50000"/>
+                  </a:schemeClr>
+                </a:solidFill>
+                <a:latin typeface="맑은 고딕"/>
+                <a:ea typeface="맑은 고딕"/>
+              </a:rPr>
+              <a:t>-</a:t>
+            </a:r>
+            <a:r>
+              <a:rPr xmlns:mc="http://schemas.openxmlformats.org/markup-compatibility/2006" xmlns:hp="http://schemas.haansoft.com/office/presentation/8.0" kumimoji="0" lang="ko-KR" altLang="en-US" sz="2000" b="0" i="0" u="none" strike="noStrike" kern="1200" cap="none" spc="-60" normalizeH="0" baseline="0" mc:Ignorable="hp" hp:hslEmbossed="0">
+                <a:ln w="9525" cap="flat" cmpd="sng" algn="ctr">
+                  <a:solidFill>
+                    <a:schemeClr val="accent1">
+                      <a:alpha val="0"/>
+                    </a:schemeClr>
+                  </a:solidFill>
+                  <a:prstDash val="solid"/>
+                  <a:round/>
+                  <a:headEnd w="med" len="med"/>
+                  <a:tailEnd w="med" len="med"/>
+                </a:ln>
+                <a:solidFill>
+                  <a:schemeClr val="tx1">
+                    <a:lumMod val="50000"/>
+                    <a:lumOff val="50000"/>
+                  </a:schemeClr>
+                </a:solidFill>
+                <a:latin typeface="맑은 고딕"/>
+                <a:ea typeface="맑은 고딕"/>
+              </a:rPr>
+              <a:t> 시간 딜레이</a:t>
+            </a:r>
+            <a:r>
+              <a:rPr xmlns:mc="http://schemas.openxmlformats.org/markup-compatibility/2006" xmlns:hp="http://schemas.haansoft.com/office/presentation/8.0" kumimoji="0" lang="en-US" altLang="ko-KR" sz="2000" b="0" i="0" u="none" strike="noStrike" kern="1200" cap="none" spc="-60" normalizeH="0" baseline="0" mc:Ignorable="hp" hp:hslEmbossed="0">
+                <a:ln w="9525" cap="flat" cmpd="sng" algn="ctr">
+                  <a:solidFill>
+                    <a:schemeClr val="accent1">
+                      <a:alpha val="0"/>
+                    </a:schemeClr>
+                  </a:solidFill>
+                  <a:prstDash val="solid"/>
+                  <a:round/>
+                  <a:headEnd w="med" len="med"/>
+                  <a:tailEnd w="med" len="med"/>
+                </a:ln>
+                <a:solidFill>
+                  <a:schemeClr val="tx1">
+                    <a:lumMod val="50000"/>
+                    <a:lumOff val="50000"/>
+                  </a:schemeClr>
+                </a:solidFill>
+                <a:latin typeface="맑은 고딕"/>
+                <a:ea typeface="맑은 고딕"/>
+              </a:rPr>
+              <a:t>?</a:t>
+            </a:r>
+            <a:endParaRPr xmlns:mc="http://schemas.openxmlformats.org/markup-compatibility/2006" xmlns:hp="http://schemas.haansoft.com/office/presentation/8.0" kumimoji="0" lang="en-US" altLang="ko-KR" sz="2000" b="0" i="0" u="none" strike="noStrike" kern="1200" cap="none" spc="-60" normalizeH="0" baseline="0" mc:Ignorable="hp" hp:hslEmbossed="0">
+              <a:ln w="9525" cap="flat" cmpd="sng" algn="ctr">
+                <a:solidFill>
+                  <a:schemeClr val="accent1">
+                    <a:alpha val="0"/>
+                  </a:schemeClr>
+                </a:solidFill>
+                <a:prstDash val="solid"/>
+                <a:round/>
+                <a:headEnd w="med" len="med"/>
+                <a:tailEnd w="med" len="med"/>
+              </a:ln>
+              <a:solidFill>
+                <a:schemeClr val="tx1">
+                  <a:lumMod val="50000"/>
+                  <a:lumOff val="50000"/>
+                </a:schemeClr>
+              </a:solidFill>
+              <a:latin typeface="맑은 고딕"/>
+              <a:ea typeface="맑은 고딕"/>
+            </a:endParaRPr>
+          </a:p>
+          <a:p>
+            <a:pPr marL="0" indent="0" algn="l" defTabSz="914400" rtl="0" eaLnBrk="1" latinLnBrk="1" hangingPunct="1">
+              <a:lnSpc>
+                <a:spcPct val="200000"/>
+              </a:lnSpc>
+              <a:spcBef>
+                <a:spcPts val="0"/>
+              </a:spcBef>
+              <a:spcAft>
+                <a:spcPts val="0"/>
+              </a:spcAft>
+              <a:buFont typeface="Arial"/>
+              <a:buNone/>
+              <a:defRPr/>
+            </a:pPr>
+            <a:r>
+              <a:rPr xmlns:mc="http://schemas.openxmlformats.org/markup-compatibility/2006" xmlns:hp="http://schemas.haansoft.com/office/presentation/8.0" kumimoji="0" lang="ko-KR" altLang="en-US" sz="2000" b="0" i="0" u="none" strike="noStrike" kern="1200" cap="none" spc="-60" normalizeH="0" baseline="0" mc:Ignorable="hp" hp:hslEmbossed="0">
+                <a:ln w="9525" cap="flat" cmpd="sng" algn="ctr">
+                  <a:solidFill>
+                    <a:schemeClr val="accent1">
+                      <a:alpha val="0"/>
+                    </a:schemeClr>
+                  </a:solidFill>
+                  <a:prstDash val="solid"/>
+                  <a:round/>
+                  <a:headEnd w="med" len="med"/>
+                  <a:tailEnd w="med" len="med"/>
+                </a:ln>
+                <a:solidFill>
+                  <a:schemeClr val="tx1">
+                    <a:lumMod val="50000"/>
+                    <a:lumOff val="50000"/>
+                  </a:schemeClr>
+                </a:solidFill>
+                <a:latin typeface="맑은 고딕"/>
+                <a:ea typeface="맑은 고딕"/>
+              </a:rPr>
+              <a:t>왼쪽버튼</a:t>
+            </a:r>
+            <a:r>
+              <a:rPr xmlns:mc="http://schemas.openxmlformats.org/markup-compatibility/2006" xmlns:hp="http://schemas.haansoft.com/office/presentation/8.0" kumimoji="0" lang="en-US" altLang="ko-KR" sz="2000" b="0" i="0" u="none" strike="noStrike" kern="1200" cap="none" spc="-60" normalizeH="0" baseline="0" mc:Ignorable="hp" hp:hslEmbossed="0">
+                <a:ln w="9525" cap="flat" cmpd="sng" algn="ctr">
+                  <a:solidFill>
+                    <a:schemeClr val="accent1">
+                      <a:alpha val="0"/>
+                    </a:schemeClr>
+                  </a:solidFill>
+                  <a:prstDash val="solid"/>
+                  <a:round/>
+                  <a:headEnd w="med" len="med"/>
+                  <a:tailEnd w="med" len="med"/>
+                </a:ln>
+                <a:solidFill>
+                  <a:schemeClr val="tx1">
+                    <a:lumMod val="50000"/>
+                    <a:lumOff val="50000"/>
+                  </a:schemeClr>
+                </a:solidFill>
+                <a:latin typeface="맑은 고딕"/>
+                <a:ea typeface="맑은 고딕"/>
+              </a:rPr>
+              <a:t>(-150)</a:t>
+            </a:r>
+            <a:r>
+              <a:rPr xmlns:mc="http://schemas.openxmlformats.org/markup-compatibility/2006" xmlns:hp="http://schemas.haansoft.com/office/presentation/8.0" kumimoji="0" lang="ko-KR" altLang="en-US" sz="2000" b="0" i="0" u="none" strike="noStrike" kern="1200" cap="none" spc="-60" normalizeH="0" baseline="0" mc:Ignorable="hp" hp:hslEmbossed="0">
+                <a:ln w="9525" cap="flat" cmpd="sng" algn="ctr">
+                  <a:solidFill>
+                    <a:schemeClr val="accent1">
+                      <a:alpha val="0"/>
+                    </a:schemeClr>
+                  </a:solidFill>
+                  <a:prstDash val="solid"/>
+                  <a:round/>
+                  <a:headEnd w="med" len="med"/>
+                  <a:tailEnd w="med" len="med"/>
+                </a:ln>
+                <a:solidFill>
+                  <a:schemeClr val="tx1">
+                    <a:lumMod val="50000"/>
+                    <a:lumOff val="50000"/>
+                  </a:schemeClr>
+                </a:solidFill>
+                <a:latin typeface="맑은 고딕"/>
+                <a:ea typeface="맑은 고딕"/>
+              </a:rPr>
+              <a:t> </a:t>
+            </a:r>
+            <a:r>
+              <a:rPr xmlns:mc="http://schemas.openxmlformats.org/markup-compatibility/2006" xmlns:hp="http://schemas.haansoft.com/office/presentation/8.0" kumimoji="0" lang="en-US" altLang="ko-KR" sz="2000" b="0" i="0" u="none" strike="noStrike" kern="1200" cap="none" spc="-60" normalizeH="0" baseline="0" mc:Ignorable="hp" hp:hslEmbossed="0">
+                <a:ln w="9525" cap="flat" cmpd="sng" algn="ctr">
+                  <a:solidFill>
+                    <a:schemeClr val="accent1">
+                      <a:alpha val="0"/>
+                    </a:schemeClr>
+                  </a:solidFill>
+                  <a:prstDash val="solid"/>
+                  <a:round/>
+                  <a:headEnd w="med" len="med"/>
+                  <a:tailEnd w="med" len="med"/>
+                </a:ln>
+                <a:solidFill>
+                  <a:schemeClr val="tx1">
+                    <a:lumMod val="50000"/>
+                    <a:lumOff val="50000"/>
+                  </a:schemeClr>
+                </a:solidFill>
+                <a:latin typeface="맑은 고딕"/>
+                <a:ea typeface="맑은 고딕"/>
+              </a:rPr>
+              <a:t>-</a:t>
+            </a:r>
+            <a:r>
+              <a:rPr xmlns:mc="http://schemas.openxmlformats.org/markup-compatibility/2006" xmlns:hp="http://schemas.haansoft.com/office/presentation/8.0" kumimoji="0" lang="ko-KR" altLang="en-US" sz="2000" b="0" i="0" u="none" strike="noStrike" kern="1200" cap="none" spc="-60" normalizeH="0" baseline="0" mc:Ignorable="hp" hp:hslEmbossed="0">
+                <a:ln w="9525" cap="flat" cmpd="sng" algn="ctr">
+                  <a:solidFill>
+                    <a:schemeClr val="accent1">
+                      <a:alpha val="0"/>
+                    </a:schemeClr>
+                  </a:solidFill>
+                  <a:prstDash val="solid"/>
+                  <a:round/>
+                  <a:headEnd w="med" len="med"/>
+                  <a:tailEnd w="med" len="med"/>
+                </a:ln>
+                <a:solidFill>
+                  <a:schemeClr val="tx1">
+                    <a:lumMod val="50000"/>
+                    <a:lumOff val="50000"/>
+                  </a:schemeClr>
+                </a:solidFill>
+                <a:latin typeface="맑은 고딕"/>
+                <a:ea typeface="맑은 고딕"/>
+              </a:rPr>
+              <a:t> 특별탄약 </a:t>
+            </a:r>
+            <a:r>
+              <a:rPr xmlns:mc="http://schemas.openxmlformats.org/markup-compatibility/2006" xmlns:hp="http://schemas.haansoft.com/office/presentation/8.0" kumimoji="0" lang="en-US" altLang="ko-KR" sz="2000" b="0" i="0" u="none" strike="noStrike" kern="1200" cap="none" spc="-60" normalizeH="0" baseline="0" mc:Ignorable="hp" hp:hslEmbossed="0">
+                <a:ln w="9525" cap="flat" cmpd="sng" algn="ctr">
+                  <a:solidFill>
+                    <a:schemeClr val="accent1">
+                      <a:alpha val="0"/>
+                    </a:schemeClr>
+                  </a:solidFill>
+                  <a:prstDash val="solid"/>
+                  <a:round/>
+                  <a:headEnd w="med" len="med"/>
+                  <a:tailEnd w="med" len="med"/>
+                </a:ln>
+                <a:solidFill>
+                  <a:schemeClr val="tx1">
+                    <a:lumMod val="50000"/>
+                    <a:lumOff val="50000"/>
+                  </a:schemeClr>
+                </a:solidFill>
+                <a:latin typeface="맑은 고딕"/>
+                <a:ea typeface="맑은 고딕"/>
+              </a:rPr>
+              <a:t>(</a:t>
+            </a:r>
+            <a:r>
+              <a:rPr xmlns:mc="http://schemas.openxmlformats.org/markup-compatibility/2006" xmlns:hp="http://schemas.haansoft.com/office/presentation/8.0" kumimoji="0" lang="ko-KR" altLang="en-US" sz="2000" b="0" i="0" u="none" strike="noStrike" kern="1200" cap="none" spc="-60" normalizeH="0" baseline="0" mc:Ignorable="hp" hp:hslEmbossed="0">
+                <a:ln w="9525" cap="flat" cmpd="sng" algn="ctr">
+                  <a:solidFill>
+                    <a:schemeClr val="accent1">
+                      <a:alpha val="0"/>
+                    </a:schemeClr>
+                  </a:solidFill>
+                  <a:prstDash val="solid"/>
+                  <a:round/>
+                  <a:headEnd w="med" len="med"/>
+                  <a:tailEnd w="med" len="med"/>
+                </a:ln>
+                <a:solidFill>
+                  <a:schemeClr val="tx1">
+                    <a:lumMod val="50000"/>
+                    <a:lumOff val="50000"/>
+                  </a:schemeClr>
+                </a:solidFill>
+                <a:latin typeface="맑은 고딕"/>
+                <a:ea typeface="맑은 고딕"/>
+              </a:rPr>
+              <a:t>설명</a:t>
+            </a:r>
+            <a:r>
+              <a:rPr xmlns:mc="http://schemas.openxmlformats.org/markup-compatibility/2006" xmlns:hp="http://schemas.haansoft.com/office/presentation/8.0" kumimoji="0" lang="en-US" altLang="ko-KR" sz="2000" b="0" i="0" u="none" strike="noStrike" kern="1200" cap="none" spc="-60" normalizeH="0" baseline="0" mc:Ignorable="hp" hp:hslEmbossed="0">
+                <a:ln w="9525" cap="flat" cmpd="sng" algn="ctr">
+                  <a:solidFill>
+                    <a:schemeClr val="accent1">
+                      <a:alpha val="0"/>
+                    </a:schemeClr>
+                  </a:solidFill>
+                  <a:prstDash val="solid"/>
+                  <a:round/>
+                  <a:headEnd w="med" len="med"/>
+                  <a:tailEnd w="med" len="med"/>
+                </a:ln>
+                <a:solidFill>
+                  <a:schemeClr val="tx1">
+                    <a:lumMod val="50000"/>
+                    <a:lumOff val="50000"/>
+                  </a:schemeClr>
+                </a:solidFill>
+                <a:latin typeface="맑은 고딕"/>
+                <a:ea typeface="맑은 고딕"/>
+              </a:rPr>
+              <a:t>)</a:t>
+            </a:r>
+            <a:endParaRPr xmlns:mc="http://schemas.openxmlformats.org/markup-compatibility/2006" xmlns:hp="http://schemas.haansoft.com/office/presentation/8.0" kumimoji="0" lang="en-US" altLang="ko-KR" sz="2000" b="0" i="0" u="none" strike="noStrike" kern="1200" cap="none" spc="-60" normalizeH="0" baseline="0" mc:Ignorable="hp" hp:hslEmbossed="0">
+              <a:ln w="9525" cap="flat" cmpd="sng" algn="ctr">
+                <a:solidFill>
+                  <a:schemeClr val="accent1">
+                    <a:alpha val="0"/>
+                  </a:schemeClr>
+                </a:solidFill>
+                <a:prstDash val="solid"/>
+                <a:round/>
+                <a:headEnd w="med" len="med"/>
+                <a:tailEnd w="med" len="med"/>
+              </a:ln>
+              <a:solidFill>
+                <a:schemeClr val="tx1">
+                  <a:lumMod val="50000"/>
+                  <a:lumOff val="50000"/>
+                </a:schemeClr>
+              </a:solidFill>
+              <a:latin typeface="맑은 고딕"/>
+              <a:ea typeface="맑은 고딕"/>
+            </a:endParaRPr>
+          </a:p>
+        </p:txBody>
+      </p:sp>
     </p:spTree>
   </p:cSld>
   <p:clrMapOvr>
@@ -17262,7 +18129,7 @@
                 <a:latin typeface="맑은 고딕"/>
                 <a:ea typeface="맑은 고딕"/>
               </a:rPr>
-              <a:t>사용한 에셋 및 출처</a:t>
+              <a:t>사용한 애셋 및 출처</a:t>
             </a:r>
             <a:endParaRPr lang="ko-KR" altLang="en-US">
               <a:latin typeface="맑은 고딕"/>
@@ -18036,7 +18903,7 @@
                 <a:latin typeface="맑은 고딕"/>
                 <a:ea typeface="맑은 고딕"/>
               </a:rPr>
-              <a:t>사용한 에셋 및 출처</a:t>
+              <a:t>사용한 애셋 및 출처</a:t>
             </a:r>
             <a:endParaRPr lang="ko-KR" altLang="en-US">
               <a:latin typeface="맑은 고딕"/>

--- a/텀프로젝트_결과발표_20205220이바다20205262최예찬.pptx
+++ b/텀프로젝트_결과발표_20205220이바다20205262최예찬.pptx
@@ -2,7 +2,7 @@
 <file path=ppt/presentation.xml><?xml version="1.0" encoding="utf-8"?>
 <p:presentation xmlns:r="http://schemas.openxmlformats.org/officeDocument/2006/relationships" xmlns:c="http://schemas.openxmlformats.org/drawingml/2006/chart" xmlns:a="http://schemas.openxmlformats.org/drawingml/2006/main" xmlns:dgm="http://schemas.openxmlformats.org/drawingml/2006/diagram" xmlns:dsp="http://schemas.microsoft.com/office/drawing/2008/diagram" xmlns:p="http://schemas.openxmlformats.org/presentationml/2006/main">
   <p:sldMasterIdLst>
-    <p:sldMasterId id="2147483689" r:id="rId1"/>
+    <p:sldMasterId id="2147483692" r:id="rId1"/>
   </p:sldMasterIdLst>
   <p:notesMasterIdLst>
     <p:notesMasterId r:id="rId2"/>
@@ -7545,6 +7545,30 @@
             </a:r>
             <a:endParaRPr lang="ko-KR" altLang="en-US"/>
           </a:p>
+          <a:p>
+            <a:pPr>
+              <a:defRPr/>
+            </a:pPr>
+            <a:r>
+              <a:rPr lang="ko-KR" altLang="en-US"/>
+              <a:t>공중적 공격 소리 </a:t>
+            </a:r>
+            <a:r>
+              <a:rPr lang="en-US" altLang="ko-KR"/>
+              <a:t>:</a:t>
+            </a:r>
+            <a:r>
+              <a:rPr lang="ko-KR" altLang="en-US"/>
+              <a:t> </a:t>
+            </a:r>
+            <a:r>
+              <a:rPr lang="ko-KR" altLang="en-US">
+                <a:hlinkClick r:id="rId11"/>
+              </a:rPr>
+              <a:t>https://www.youtube.com/watch?v=BudkVHSYQlo</a:t>
+            </a:r>
+            <a:endParaRPr lang="ko-KR" altLang="en-US"/>
+          </a:p>
         </p:txBody>
       </p:sp>
     </p:spTree>

--- a/텀프로젝트_결과발표_20205220이바다20205262최예찬.pptx
+++ b/텀프로젝트_결과발표_20205220이바다20205262최예찬.pptx
@@ -2,7 +2,7 @@
 <file path=ppt/presentation.xml><?xml version="1.0" encoding="utf-8"?>
 <p:presentation xmlns:r="http://schemas.openxmlformats.org/officeDocument/2006/relationships" xmlns:c="http://schemas.openxmlformats.org/drawingml/2006/chart" xmlns:a="http://schemas.openxmlformats.org/drawingml/2006/main" xmlns:dgm="http://schemas.openxmlformats.org/drawingml/2006/diagram" xmlns:dsp="http://schemas.microsoft.com/office/drawing/2008/diagram" xmlns:p="http://schemas.openxmlformats.org/presentationml/2006/main">
   <p:sldMasterIdLst>
-    <p:sldMasterId id="2147483692" r:id="rId1"/>
+    <p:sldMasterId id="2147483694" r:id="rId1"/>
   </p:sldMasterIdLst>
   <p:notesMasterIdLst>
     <p:notesMasterId r:id="rId2"/>
@@ -17833,32 +17833,25 @@
               <a:defRPr/>
             </a:pPr>
             <a:r>
+              <a:rPr lang="ko-KR" altLang="en-US" sz="1800">
+                <a:latin typeface="맑은 고딕"/>
+                <a:ea typeface="맑은 고딕"/>
+              </a:rPr>
+              <a:t>지상 맵 </a:t>
+            </a:r>
+            <a:r>
               <a:rPr lang="en-US" altLang="ko-KR" sz="1800">
                 <a:latin typeface="맑은 고딕"/>
                 <a:ea typeface="맑은 고딕"/>
               </a:rPr>
-              <a:t>22.05.01~22.05.07 (1</a:t>
+              <a:t>:</a:t>
             </a:r>
             <a:r>
               <a:rPr lang="ko-KR" altLang="en-US" sz="1800">
                 <a:latin typeface="맑은 고딕"/>
                 <a:ea typeface="맑은 고딕"/>
               </a:rPr>
-              <a:t>주차</a:t>
-            </a:r>
-            <a:r>
-              <a:rPr lang="en-US" altLang="ko-KR" sz="1800">
-                <a:latin typeface="맑은 고딕"/>
-                <a:ea typeface="맑은 고딕"/>
-              </a:rPr>
-              <a:t>) : </a:t>
-            </a:r>
-            <a:r>
-              <a:rPr lang="ko-KR" altLang="en-US" sz="1800">
-                <a:latin typeface="맑은 고딕"/>
-                <a:ea typeface="맑은 고딕"/>
-              </a:rPr>
-              <a:t>기획 마무리</a:t>
+              <a:t> 지상적과 건물</a:t>
             </a:r>
             <a:r>
               <a:rPr lang="en-US" altLang="ko-KR" sz="1800">
@@ -17872,209 +17865,35 @@
                 <a:latin typeface="맑은 고딕"/>
                 <a:ea typeface="맑은 고딕"/>
               </a:rPr>
-              <a:t> 에셋 찾기 및 에셋 적용 테스트</a:t>
-            </a:r>
-            <a:endParaRPr lang="ko-KR" altLang="en-US" sz="1800">
-              <a:latin typeface="맑은 고딕"/>
-              <a:ea typeface="맑은 고딕"/>
-            </a:endParaRPr>
-          </a:p>
-          <a:p>
-            <a:pPr algn="l">
-              <a:lnSpc>
-                <a:spcPct val="220000"/>
-              </a:lnSpc>
-              <a:defRPr/>
-            </a:pPr>
+              <a:t> 폭발물을 랜덤으로 생성되게 구현하고 싶었지만 사용한 바닥 애셋이 울퉁불퉁하여 하나하나 배치하고</a:t>
+            </a:r>
             <a:r>
               <a:rPr lang="en-US" altLang="ko-KR" sz="1800">
                 <a:latin typeface="맑은 고딕"/>
                 <a:ea typeface="맑은 고딕"/>
               </a:rPr>
-              <a:t>22.05.08~22.05.14 (2</a:t>
+              <a:t>,</a:t>
             </a:r>
             <a:r>
               <a:rPr lang="ko-KR" altLang="en-US" sz="1800">
                 <a:latin typeface="맑은 고딕"/>
                 <a:ea typeface="맑은 고딕"/>
               </a:rPr>
-              <a:t>주차</a:t>
+              <a:t> 위치를 조정하였다</a:t>
             </a:r>
             <a:r>
               <a:rPr lang="en-US" altLang="ko-KR" sz="1800">
                 <a:latin typeface="맑은 고딕"/>
                 <a:ea typeface="맑은 고딕"/>
               </a:rPr>
-              <a:t>) : </a:t>
+              <a:t>.</a:t>
             </a:r>
             <a:r>
               <a:rPr lang="ko-KR" altLang="en-US" sz="1800">
                 <a:latin typeface="맑은 고딕"/>
                 <a:ea typeface="맑은 고딕"/>
               </a:rPr>
-              <a:t>기초 기능 구현</a:t>
-            </a:r>
-            <a:endParaRPr lang="ko-KR" altLang="en-US" sz="1800">
-              <a:latin typeface="맑은 고딕"/>
-              <a:ea typeface="맑은 고딕"/>
-            </a:endParaRPr>
-          </a:p>
-          <a:p>
-            <a:pPr algn="l">
-              <a:lnSpc>
-                <a:spcPct val="220000"/>
-              </a:lnSpc>
-              <a:defRPr/>
-            </a:pPr>
-            <a:r>
-              <a:rPr lang="en-US" altLang="ko-KR" sz="1800">
-                <a:latin typeface="맑은 고딕"/>
-                <a:ea typeface="맑은 고딕"/>
-              </a:rPr>
-              <a:t>22.05.15~22.05.21 (3</a:t>
-            </a:r>
-            <a:r>
-              <a:rPr lang="ko-KR" altLang="en-US" sz="1800">
-                <a:latin typeface="맑은 고딕"/>
-                <a:ea typeface="맑은 고딕"/>
-              </a:rPr>
-              <a:t>주차</a:t>
-            </a:r>
-            <a:r>
-              <a:rPr lang="en-US" altLang="ko-KR" sz="1800">
-                <a:latin typeface="맑은 고딕"/>
-                <a:ea typeface="맑은 고딕"/>
-              </a:rPr>
-              <a:t>) : </a:t>
-            </a:r>
-            <a:r>
-              <a:rPr lang="ko-KR" altLang="en-US" sz="1800">
-                <a:latin typeface="맑은 고딕"/>
-                <a:ea typeface="맑은 고딕"/>
-              </a:rPr>
-              <a:t>레벨 디자인</a:t>
-            </a:r>
-            <a:endParaRPr lang="ko-KR" altLang="en-US" sz="1800">
-              <a:latin typeface="맑은 고딕"/>
-              <a:ea typeface="맑은 고딕"/>
-            </a:endParaRPr>
-          </a:p>
-          <a:p>
-            <a:pPr algn="l">
-              <a:lnSpc>
-                <a:spcPct val="220000"/>
-              </a:lnSpc>
-              <a:defRPr/>
-            </a:pPr>
-            <a:r>
-              <a:rPr lang="en-US" altLang="ko-KR" sz="1800">
-                <a:latin typeface="맑은 고딕"/>
-                <a:ea typeface="맑은 고딕"/>
-              </a:rPr>
-              <a:t>22.05.22~22.05.28 (4</a:t>
-            </a:r>
-            <a:r>
-              <a:rPr lang="ko-KR" altLang="en-US" sz="1800">
-                <a:latin typeface="맑은 고딕"/>
-                <a:ea typeface="맑은 고딕"/>
-              </a:rPr>
-              <a:t>주차</a:t>
-            </a:r>
-            <a:r>
-              <a:rPr lang="en-US" altLang="ko-KR" sz="1800">
-                <a:latin typeface="맑은 고딕"/>
-                <a:ea typeface="맑은 고딕"/>
-              </a:rPr>
-              <a:t>) : </a:t>
-            </a:r>
-            <a:r>
-              <a:rPr lang="ko-KR" altLang="en-US" sz="1800">
-                <a:latin typeface="맑은 고딕"/>
-                <a:ea typeface="맑은 고딕"/>
-              </a:rPr>
-              <a:t>세부 디자인 및 부족한 기능 추가</a:t>
-            </a:r>
-            <a:endParaRPr lang="ko-KR" altLang="en-US" sz="1800">
-              <a:latin typeface="맑은 고딕"/>
-              <a:ea typeface="맑은 고딕"/>
-            </a:endParaRPr>
-          </a:p>
-          <a:p>
-            <a:pPr algn="l">
-              <a:lnSpc>
-                <a:spcPct val="220000"/>
-              </a:lnSpc>
-              <a:defRPr/>
-            </a:pPr>
-            <a:r>
-              <a:rPr lang="en-US" altLang="ko-KR" sz="1800">
-                <a:latin typeface="맑은 고딕"/>
-                <a:ea typeface="맑은 고딕"/>
-              </a:rPr>
-              <a:t>22.05.29~22.06.02 (5</a:t>
-            </a:r>
-            <a:r>
-              <a:rPr lang="ko-KR" altLang="en-US" sz="1800">
-                <a:latin typeface="맑은 고딕"/>
-                <a:ea typeface="맑은 고딕"/>
-              </a:rPr>
-              <a:t>주차</a:t>
-            </a:r>
-            <a:r>
-              <a:rPr lang="en-US" altLang="ko-KR" sz="1800">
-                <a:latin typeface="맑은 고딕"/>
-                <a:ea typeface="맑은 고딕"/>
-              </a:rPr>
-              <a:t>) : </a:t>
-            </a:r>
-            <a:r>
-              <a:rPr lang="ko-KR" altLang="en-US" sz="1800">
-                <a:latin typeface="맑은 고딕"/>
-                <a:ea typeface="맑은 고딕"/>
-              </a:rPr>
-              <a:t>마무리 및 게임해보고 피드백</a:t>
-            </a:r>
-            <a:r>
-              <a:rPr lang="en-US" altLang="ko-KR" sz="1800">
-                <a:latin typeface="맑은 고딕"/>
-                <a:ea typeface="맑은 고딕"/>
-              </a:rPr>
-              <a:t>, </a:t>
-            </a:r>
-            <a:r>
-              <a:rPr lang="ko-KR" altLang="en-US" sz="1800">
-                <a:latin typeface="맑은 고딕"/>
-                <a:ea typeface="맑은 고딕"/>
-              </a:rPr>
-              <a:t>발표 </a:t>
-            </a:r>
-            <a:r>
-              <a:rPr lang="en-US" altLang="ko-KR" sz="1800">
-                <a:latin typeface="맑은 고딕"/>
-                <a:ea typeface="맑은 고딕"/>
-              </a:rPr>
-              <a:t>ppt</a:t>
-            </a:r>
-            <a:r>
-              <a:rPr lang="ko-KR" altLang="en-US" sz="1800">
-                <a:latin typeface="맑은 고딕"/>
-                <a:ea typeface="맑은 고딕"/>
-              </a:rPr>
-              <a:t> 제작</a:t>
-            </a:r>
-            <a:r>
-              <a:rPr lang="en-US" altLang="ko-KR" sz="1800">
-                <a:latin typeface="맑은 고딕"/>
-                <a:ea typeface="맑은 고딕"/>
-              </a:rPr>
               <a:t> </a:t>
-            </a:r>
-            <a:r>
-              <a:rPr lang="ko-KR" altLang="en-US" sz="1800">
-                <a:latin typeface="맑은 고딕"/>
-                <a:ea typeface="맑은 고딕"/>
-              </a:rPr>
-              <a:t>및 제출</a:t>
             </a:r>
             <a:endParaRPr lang="ko-KR" altLang="en-US" sz="1800">
               <a:latin typeface="맑은 고딕"/>

--- a/텀프로젝트_결과발표_20205220이바다20205262최예찬.pptx
+++ b/텀프로젝트_결과발표_20205220이바다20205262최예찬.pptx
@@ -2,7 +2,7 @@
 <file path=ppt/presentation.xml><?xml version="1.0" encoding="utf-8"?>
 <p:presentation xmlns:r="http://schemas.openxmlformats.org/officeDocument/2006/relationships" xmlns:c="http://schemas.openxmlformats.org/drawingml/2006/chart" xmlns:a="http://schemas.openxmlformats.org/drawingml/2006/main" xmlns:dgm="http://schemas.openxmlformats.org/drawingml/2006/diagram" xmlns:dsp="http://schemas.microsoft.com/office/drawing/2008/diagram" xmlns:p="http://schemas.openxmlformats.org/presentationml/2006/main">
   <p:sldMasterIdLst>
-    <p:sldMasterId id="2147483694" r:id="rId1"/>
+    <p:sldMasterId id="2147483696" r:id="rId1"/>
   </p:sldMasterIdLst>
   <p:notesMasterIdLst>
     <p:notesMasterId r:id="rId2"/>
@@ -16992,33 +16992,7 @@
                 <a:latin typeface="맑은 고딕"/>
                 <a:ea typeface="맑은 고딕"/>
               </a:rPr>
-              <a:t> 기획 의도에 맞는 에셋 찾기</a:t>
-            </a:r>
-            <a:r>
-              <a:rPr lang="en-US" altLang="ko-KR" sz="2200">
-                <a:solidFill>
-                  <a:schemeClr val="tx1">
-                    <a:lumMod val="50000"/>
-                    <a:lumOff val="50000"/>
-                  </a:schemeClr>
-                </a:solidFill>
-                <a:latin typeface="맑은 고딕"/>
-                <a:ea typeface="맑은 고딕"/>
-              </a:rPr>
-              <a:t>, </a:t>
-            </a:r>
-            <a:r>
-              <a:rPr lang="ko-KR" altLang="en-US" sz="2200">
-                <a:solidFill>
-                  <a:schemeClr val="tx1">
-                    <a:lumMod val="50000"/>
-                    <a:lumOff val="50000"/>
-                  </a:schemeClr>
-                </a:solidFill>
-                <a:latin typeface="맑은 고딕"/>
-                <a:ea typeface="맑은 고딕"/>
-              </a:rPr>
-              <a:t>맵 디자인 구성하기가 어려울 것 같다</a:t>
+              <a:t> 지상에 있는 폭발물을 공격하여 폭발시키면 주변에 있는 지상 적에게 데미지를 준다</a:t>
             </a:r>
             <a:r>
               <a:rPr lang="en-US" altLang="ko-KR" sz="2200">
@@ -17045,16 +17019,16 @@
             </a:endParaRPr>
           </a:p>
           <a:p>
-            <a:pPr marL="228600" indent="-228600" algn="l">
+            <a:pPr marL="0" indent="0" algn="l">
               <a:lnSpc>
                 <a:spcPct val="200000"/>
               </a:lnSpc>
               <a:buFont typeface="+mj-lt"/>
-              <a:buAutoNum type="arabicPeriod"/>
+              <a:buNone/>
               <a:defRPr/>
             </a:pPr>
             <a:r>
-              <a:rPr lang="ko-KR" altLang="en-US" sz="2200">
+              <a:rPr lang="en-US" altLang="ko-KR" sz="2200">
                 <a:solidFill>
                   <a:schemeClr val="tx1">
                     <a:lumMod val="50000"/>
@@ -17064,10 +17038,10 @@
                 <a:latin typeface="맑은 고딕"/>
                 <a:ea typeface="맑은 고딕"/>
               </a:rPr>
-              <a:t> 여러 개의 스테이지와 스토리까지 구현하게 된다면 게임의 볼륨이 늘어나서 일정을 맞출 수 있을지 확실하지 않다</a:t>
-            </a:r>
-            <a:r>
-              <a:rPr lang="en-US" altLang="ko-KR" sz="2200">
+              <a:t>-&gt;</a:t>
+            </a:r>
+            <a:r>
+              <a:rPr lang="ko-KR" altLang="en-US" sz="2200">
                 <a:solidFill>
                   <a:schemeClr val="tx1">
                     <a:lumMod val="50000"/>
@@ -17077,30 +17051,10 @@
                 <a:latin typeface="맑은 고딕"/>
                 <a:ea typeface="맑은 고딕"/>
               </a:rPr>
-              <a:t>.</a:t>
-            </a:r>
-            <a:endParaRPr lang="en-US" altLang="ko-KR" sz="2200">
-              <a:solidFill>
-                <a:schemeClr val="tx1">
-                  <a:lumMod val="50000"/>
-                  <a:lumOff val="50000"/>
-                </a:schemeClr>
-              </a:solidFill>
-              <a:latin typeface="맑은 고딕"/>
-              <a:ea typeface="맑은 고딕"/>
-            </a:endParaRPr>
-          </a:p>
-          <a:p>
-            <a:pPr marL="228600" indent="-228600" algn="l">
-              <a:lnSpc>
-                <a:spcPct val="200000"/>
-              </a:lnSpc>
-              <a:buFont typeface="+mj-lt"/>
-              <a:buAutoNum type="arabicPeriod"/>
-              <a:defRPr/>
-            </a:pPr>
-            <a:r>
-              <a:rPr lang="ko-KR" altLang="en-US" sz="2200">
+              <a:t> 폭발 이펙트에 </a:t>
+            </a:r>
+            <a:r>
+              <a:rPr lang="en-US" altLang="ko-KR" sz="2200">
                 <a:solidFill>
                   <a:schemeClr val="tx1">
                     <a:lumMod val="50000"/>
@@ -17110,7 +17064,46 @@
                 <a:latin typeface="맑은 고딕"/>
                 <a:ea typeface="맑은 고딕"/>
               </a:rPr>
-              <a:t> 씬의 규모를 크게 잡으면 최적화 문제를 해결할 때 시간이 오래 걸릴 것 같다</a:t>
+              <a:t>Sphere </a:t>
+            </a:r>
+            <a:r>
+              <a:rPr lang="ko-KR" altLang="en-US" sz="2200">
+                <a:solidFill>
+                  <a:schemeClr val="tx1">
+                    <a:lumMod val="50000"/>
+                    <a:lumOff val="50000"/>
+                  </a:schemeClr>
+                </a:solidFill>
+                <a:latin typeface="맑은 고딕"/>
+                <a:ea typeface="맑은 고딕"/>
+              </a:rPr>
+              <a:t>콜라이더를 주고</a:t>
+            </a:r>
+            <a:r>
+              <a:rPr lang="en-US" altLang="ko-KR" sz="2200">
+                <a:solidFill>
+                  <a:schemeClr val="tx1">
+                    <a:lumMod val="50000"/>
+                    <a:lumOff val="50000"/>
+                  </a:schemeClr>
+                </a:solidFill>
+                <a:latin typeface="맑은 고딕"/>
+                <a:ea typeface="맑은 고딕"/>
+              </a:rPr>
+              <a:t>,</a:t>
+            </a:r>
+            <a:r>
+              <a:rPr lang="ko-KR" altLang="en-US" sz="2200">
+                <a:solidFill>
+                  <a:schemeClr val="tx1">
+                    <a:lumMod val="50000"/>
+                    <a:lumOff val="50000"/>
+                  </a:schemeClr>
+                </a:solidFill>
+                <a:latin typeface="맑은 고딕"/>
+                <a:ea typeface="맑은 고딕"/>
+              </a:rPr>
+              <a:t> 이 콜라이더와 닿는 적에게 데미지를 주도록 구현하였다</a:t>
             </a:r>
             <a:r>
               <a:rPr lang="en-US" altLang="ko-KR" sz="2200">

--- a/텀프로젝트_결과발표_20205220이바다20205262최예찬.pptx
+++ b/텀프로젝트_결과발표_20205220이바다20205262최예찬.pptx
@@ -2,7 +2,7 @@
 <file path=ppt/presentation.xml><?xml version="1.0" encoding="utf-8"?>
 <p:presentation xmlns:r="http://schemas.openxmlformats.org/officeDocument/2006/relationships" xmlns:c="http://schemas.openxmlformats.org/drawingml/2006/chart" xmlns:a="http://schemas.openxmlformats.org/drawingml/2006/main" xmlns:dgm="http://schemas.openxmlformats.org/drawingml/2006/diagram" xmlns:dsp="http://schemas.microsoft.com/office/drawing/2008/diagram" xmlns:p="http://schemas.openxmlformats.org/presentationml/2006/main">
   <p:sldMasterIdLst>
-    <p:sldMasterId id="2147483696" r:id="rId1"/>
+    <p:sldMasterId id="2147483700" r:id="rId1"/>
   </p:sldMasterIdLst>
   <p:notesMasterIdLst>
     <p:notesMasterId r:id="rId2"/>
@@ -13762,7 +13762,7 @@
                 <a:latin typeface="맑은 고딕"/>
                 <a:ea typeface="맑은 고딕"/>
               </a:rPr>
-              <a:t>플레이어를 방해하는 공중 적과 특정 건물을 공격하는 지상 적을 제거하며 자동으로 이동하는 헬기를 타고 최종 목적지에 도착하는 것</a:t>
+              <a:t>플레이어를 방해하는 공중 적과 건물을 공격하는 지상 적을 제거하며 자동으로 이동하는 헬기를 타고 최종 목적지에 도착하는 것</a:t>
             </a:r>
             <a:endParaRPr lang="ko-KR" altLang="en-US" sz="1600">
               <a:solidFill>
@@ -13793,7 +13793,7 @@
                 <a:latin typeface="맑은 고딕"/>
                 <a:ea typeface="맑은 고딕"/>
               </a:rPr>
-              <a:t>- </a:t>
+              <a:t>-</a:t>
             </a:r>
             <a:r>
               <a:rPr lang="ko-KR" altLang="en-US" sz="1600">
@@ -13806,7 +13806,7 @@
                 <a:latin typeface="맑은 고딕"/>
                 <a:ea typeface="맑은 고딕"/>
               </a:rPr>
-              <a:t>적들의 공격을 받아 </a:t>
+              <a:t> </a:t>
             </a:r>
             <a:r>
               <a:rPr lang="en-US" altLang="ko-KR" sz="1600">
@@ -13819,7 +13819,7 @@
                 <a:latin typeface="맑은 고딕"/>
                 <a:ea typeface="맑은 고딕"/>
               </a:rPr>
-              <a:t>HP</a:t>
+              <a:t>3</a:t>
             </a:r>
             <a:r>
               <a:rPr lang="ko-KR" altLang="en-US" sz="1600">
@@ -13832,7 +13832,7 @@
                 <a:latin typeface="맑은 고딕"/>
                 <a:ea typeface="맑은 고딕"/>
               </a:rPr>
-              <a:t>가 </a:t>
+              <a:t>개의 사막맵에서 </a:t>
             </a:r>
             <a:r>
               <a:rPr lang="en-US" altLang="ko-KR" sz="1600">
@@ -13845,7 +13845,7 @@
                 <a:latin typeface="맑은 고딕"/>
                 <a:ea typeface="맑은 고딕"/>
               </a:rPr>
-              <a:t>0</a:t>
+              <a:t>‘Bank’, ‘Shop’, ‘Store’</a:t>
             </a:r>
             <a:r>
               <a:rPr lang="ko-KR" altLang="en-US" sz="1600">
@@ -13858,7 +13858,33 @@
                 <a:latin typeface="맑은 고딕"/>
                 <a:ea typeface="맑은 고딕"/>
               </a:rPr>
-              <a:t>이 되면 패배</a:t>
+              <a:t> 건물을 지키고</a:t>
+            </a:r>
+            <a:r>
+              <a:rPr lang="en-US" altLang="ko-KR" sz="1600">
+                <a:solidFill>
+                  <a:schemeClr val="tx1">
+                    <a:lumMod val="50000"/>
+                    <a:lumOff val="50000"/>
+                  </a:schemeClr>
+                </a:solidFill>
+                <a:latin typeface="맑은 고딕"/>
+                <a:ea typeface="맑은 고딕"/>
+              </a:rPr>
+              <a:t>,</a:t>
+            </a:r>
+            <a:r>
+              <a:rPr lang="ko-KR" altLang="en-US" sz="1600">
+                <a:solidFill>
+                  <a:schemeClr val="tx1">
+                    <a:lumMod val="50000"/>
+                    <a:lumOff val="50000"/>
+                  </a:schemeClr>
+                </a:solidFill>
+                <a:latin typeface="맑은 고딕"/>
+                <a:ea typeface="맑은 고딕"/>
+              </a:rPr>
+              <a:t> 마지막으로 숲맵에 있는 보스를 제거하면 미션 성공</a:t>
             </a:r>
             <a:endParaRPr lang="ko-KR" altLang="en-US" sz="1600">
               <a:solidFill>
@@ -13889,7 +13915,7 @@
                 <a:latin typeface="맑은 고딕"/>
                 <a:ea typeface="맑은 고딕"/>
               </a:rPr>
-              <a:t>-</a:t>
+              <a:t>- </a:t>
             </a:r>
             <a:r>
               <a:rPr lang="ko-KR" altLang="en-US" sz="1600">
@@ -13902,7 +13928,103 @@
                 <a:latin typeface="맑은 고딕"/>
                 <a:ea typeface="맑은 고딕"/>
               </a:rPr>
-              <a:t> 특정 건물이 지상 적의 공격으로 인해 폭파되면 패배</a:t>
+              <a:t>적의 공격을 받아 </a:t>
+            </a:r>
+            <a:r>
+              <a:rPr lang="en-US" altLang="ko-KR" sz="1600">
+                <a:solidFill>
+                  <a:schemeClr val="tx1">
+                    <a:lumMod val="50000"/>
+                    <a:lumOff val="50000"/>
+                  </a:schemeClr>
+                </a:solidFill>
+                <a:latin typeface="맑은 고딕"/>
+                <a:ea typeface="맑은 고딕"/>
+              </a:rPr>
+              <a:t>HP</a:t>
+            </a:r>
+            <a:r>
+              <a:rPr lang="ko-KR" altLang="en-US" sz="1600">
+                <a:solidFill>
+                  <a:schemeClr val="tx1">
+                    <a:lumMod val="50000"/>
+                    <a:lumOff val="50000"/>
+                  </a:schemeClr>
+                </a:solidFill>
+                <a:latin typeface="맑은 고딕"/>
+                <a:ea typeface="맑은 고딕"/>
+              </a:rPr>
+              <a:t>가 </a:t>
+            </a:r>
+            <a:r>
+              <a:rPr lang="en-US" altLang="ko-KR" sz="1600">
+                <a:solidFill>
+                  <a:schemeClr val="tx1">
+                    <a:lumMod val="50000"/>
+                    <a:lumOff val="50000"/>
+                  </a:schemeClr>
+                </a:solidFill>
+                <a:latin typeface="맑은 고딕"/>
+                <a:ea typeface="맑은 고딕"/>
+              </a:rPr>
+              <a:t>0</a:t>
+            </a:r>
+            <a:r>
+              <a:rPr lang="ko-KR" altLang="en-US" sz="1600">
+                <a:solidFill>
+                  <a:schemeClr val="tx1">
+                    <a:lumMod val="50000"/>
+                    <a:lumOff val="50000"/>
+                  </a:schemeClr>
+                </a:solidFill>
+                <a:latin typeface="맑은 고딕"/>
+                <a:ea typeface="맑은 고딕"/>
+              </a:rPr>
+              <a:t>이 되면 패배</a:t>
+            </a:r>
+            <a:endParaRPr lang="ko-KR" altLang="en-US" sz="1600">
+              <a:solidFill>
+                <a:schemeClr val="tx1">
+                  <a:lumMod val="50000"/>
+                  <a:lumOff val="50000"/>
+                </a:schemeClr>
+              </a:solidFill>
+              <a:latin typeface="맑은 고딕"/>
+              <a:ea typeface="맑은 고딕"/>
+            </a:endParaRPr>
+          </a:p>
+          <a:p>
+            <a:pPr algn="l">
+              <a:lnSpc>
+                <a:spcPct val="150000"/>
+              </a:lnSpc>
+              <a:defRPr/>
+            </a:pPr>
+            <a:r>
+              <a:rPr lang="en-US" altLang="ko-KR" sz="1600">
+                <a:solidFill>
+                  <a:schemeClr val="tx1">
+                    <a:lumMod val="50000"/>
+                    <a:lumOff val="50000"/>
+                  </a:schemeClr>
+                </a:solidFill>
+                <a:latin typeface="맑은 고딕"/>
+                <a:ea typeface="맑은 고딕"/>
+              </a:rPr>
+              <a:t>-</a:t>
+            </a:r>
+            <a:r>
+              <a:rPr lang="ko-KR" altLang="en-US" sz="1600">
+                <a:solidFill>
+                  <a:schemeClr val="tx1">
+                    <a:lumMod val="50000"/>
+                    <a:lumOff val="50000"/>
+                  </a:schemeClr>
+                </a:solidFill>
+                <a:latin typeface="맑은 고딕"/>
+                <a:ea typeface="맑은 고딕"/>
+              </a:rPr>
+              <a:t> 건물이 지상 적의 공격으로 인해 폭파되면 패배</a:t>
             </a:r>
             <a:endParaRPr lang="ko-KR" altLang="en-US" sz="1600">
               <a:solidFill>
@@ -14517,7 +14639,7 @@
         </p:spPr>
         <p:txBody>
           <a:bodyPr anchor="t">
-            <a:normAutofit lnSpcReduction="10000"/>
+            <a:normAutofit fontScale="85000" lnSpcReduction="20000"/>
           </a:bodyPr>
           <a:lstStyle/>
           <a:p>
@@ -14668,7 +14790,33 @@
                 <a:latin typeface="맑은 고딕"/>
                 <a:ea typeface="맑은 고딕"/>
               </a:rPr>
-              <a:t> 전체적인 맵 구현 </a:t>
+              <a:t> 전체적인 맵</a:t>
+            </a:r>
+            <a:r>
+              <a:rPr lang="en-US" altLang="ko-KR" sz="1800">
+                <a:solidFill>
+                  <a:schemeClr val="tx1">
+                    <a:lumMod val="50000"/>
+                    <a:lumOff val="50000"/>
+                  </a:schemeClr>
+                </a:solidFill>
+                <a:latin typeface="맑은 고딕"/>
+                <a:ea typeface="맑은 고딕"/>
+              </a:rPr>
+              <a:t>,</a:t>
+            </a:r>
+            <a:r>
+              <a:rPr lang="ko-KR" altLang="en-US" sz="1800">
+                <a:solidFill>
+                  <a:schemeClr val="tx1">
+                    <a:lumMod val="50000"/>
+                    <a:lumOff val="50000"/>
+                  </a:schemeClr>
+                </a:solidFill>
+                <a:latin typeface="맑은 고딕"/>
+                <a:ea typeface="맑은 고딕"/>
+              </a:rPr>
+              <a:t> 헬기 이동 경로 구현</a:t>
             </a:r>
             <a:endParaRPr lang="ko-KR" altLang="en-US" sz="1800">
               <a:solidFill>
@@ -14791,7 +14939,7 @@
       </p:pic>
       <p:pic>
         <p:nvPicPr>
-          <p:cNvPr id="20" name=""/>
+          <p:cNvPr id="21" name=""/>
           <p:cNvPicPr>
             <a:picLocks noChangeAspect="1"/>
           </p:cNvPicPr>
@@ -14805,32 +14953,8 @@
         </p:blipFill>
         <p:spPr>
           <a:xfrm>
-            <a:off x="2765338" y="1645301"/>
-            <a:ext cx="1531130" cy="1556564"/>
-          </a:xfrm>
-          <a:prstGeom prst="rect">
-            <a:avLst/>
-          </a:prstGeom>
-        </p:spPr>
-      </p:pic>
-      <p:pic>
-        <p:nvPicPr>
-          <p:cNvPr id="21" name=""/>
-          <p:cNvPicPr>
-            <a:picLocks noChangeAspect="1"/>
-          </p:cNvPicPr>
-          <p:nvPr/>
-        </p:nvPicPr>
-        <p:blipFill rotWithShape="1">
-          <a:blip r:embed="rId4"/>
-          <a:stretch>
-            <a:fillRect/>
-          </a:stretch>
-        </p:blipFill>
-        <p:spPr>
-          <a:xfrm>
-            <a:off x="4388750" y="1715315"/>
-            <a:ext cx="1484225" cy="1274069"/>
+            <a:off x="2650437" y="1631971"/>
+            <a:ext cx="1781882" cy="1529580"/>
           </a:xfrm>
           <a:prstGeom prst="rect">
             <a:avLst/>
@@ -14846,7 +14970,7 @@
           <p:nvPr/>
         </p:nvPicPr>
         <p:blipFill rotWithShape="1">
-          <a:blip r:embed="rId5"/>
+          <a:blip r:embed="rId4"/>
           <a:stretch>
             <a:fillRect/>
           </a:stretch>
@@ -16349,7 +16473,7 @@
                 <a:latin typeface="맑은 고딕"/>
                 <a:ea typeface="맑은 고딕"/>
               </a:rPr>
-              <a:t> </a:t>
+              <a:t> 지원 사격</a:t>
             </a:r>
             <a:endParaRPr xmlns:mc="http://schemas.openxmlformats.org/markup-compatibility/2006" xmlns:hp="http://schemas.haansoft.com/office/presentation/8.0" kumimoji="0" lang="ko-KR" altLang="en-US" sz="2000" b="0" i="0" u="none" strike="noStrike" kern="1200" cap="none" spc="-60" normalizeH="0" baseline="0" mc:Ignorable="hp" hp:hslEmbossed="0">
               <a:ln w="9525" cap="flat" cmpd="sng" algn="ctr">

--- a/텀프로젝트_결과발표_20205220이바다20205262최예찬.pptx
+++ b/텀프로젝트_결과발표_20205220이바다20205262최예찬.pptx
@@ -2,7 +2,7 @@
 <file path=ppt/presentation.xml><?xml version="1.0" encoding="utf-8"?>
 <p:presentation xmlns:r="http://schemas.openxmlformats.org/officeDocument/2006/relationships" xmlns:c="http://schemas.openxmlformats.org/drawingml/2006/chart" xmlns:a="http://schemas.openxmlformats.org/drawingml/2006/main" xmlns:dgm="http://schemas.openxmlformats.org/drawingml/2006/diagram" xmlns:dsp="http://schemas.microsoft.com/office/drawing/2008/diagram" xmlns:p="http://schemas.openxmlformats.org/presentationml/2006/main">
   <p:sldMasterIdLst>
-    <p:sldMasterId id="2147483700" r:id="rId1"/>
+    <p:sldMasterId id="2147483702" r:id="rId1"/>
   </p:sldMasterIdLst>
   <p:notesMasterIdLst>
     <p:notesMasterId r:id="rId2"/>
@@ -18800,6 +18800,30 @@
             </a:r>
             <a:endParaRPr lang="ko-KR" altLang="en-US"/>
           </a:p>
+          <a:p>
+            <a:pPr>
+              <a:defRPr/>
+            </a:pPr>
+            <a:r>
+              <a:rPr lang="ko-KR" altLang="en-US"/>
+              <a:t>보스 </a:t>
+            </a:r>
+            <a:r>
+              <a:rPr lang="en-US" altLang="ko-KR"/>
+              <a:t>:</a:t>
+            </a:r>
+            <a:r>
+              <a:rPr lang="ko-KR" altLang="en-US"/>
+              <a:t> </a:t>
+            </a:r>
+            <a:r>
+              <a:rPr lang="ko-KR" altLang="en-US">
+                <a:hlinkClick r:id="rId16"/>
+              </a:rPr>
+              <a:t>https://assetstore.unity.com/packages/3d/characters/robots/the-assault-mech-90395</a:t>
+            </a:r>
+            <a:endParaRPr lang="ko-KR" altLang="en-US"/>
+          </a:p>
         </p:txBody>
       </p:sp>
     </p:spTree>

--- a/텀프로젝트_결과발표_20205220이바다20205262최예찬.pptx
+++ b/텀프로젝트_결과발표_20205220이바다20205262최예찬.pptx
@@ -2,7 +2,7 @@
 <file path=ppt/presentation.xml><?xml version="1.0" encoding="utf-8"?>
 <p:presentation xmlns:r="http://schemas.openxmlformats.org/officeDocument/2006/relationships" xmlns:c="http://schemas.openxmlformats.org/drawingml/2006/chart" xmlns:a="http://schemas.openxmlformats.org/drawingml/2006/main" xmlns:dgm="http://schemas.openxmlformats.org/drawingml/2006/diagram" xmlns:dsp="http://schemas.microsoft.com/office/drawing/2008/diagram" xmlns:p="http://schemas.openxmlformats.org/presentationml/2006/main">
   <p:sldMasterIdLst>
-    <p:sldMasterId id="2147483702" r:id="rId1"/>
+    <p:sldMasterId id="2147483705" r:id="rId1"/>
   </p:sldMasterIdLst>
   <p:notesMasterIdLst>
     <p:notesMasterId r:id="rId2"/>
@@ -14338,21 +14338,9 @@
                 <a:latin typeface="맑은 고딕"/>
                 <a:ea typeface="맑은 고딕"/>
               </a:rPr>
-              <a:t>: </a:t>
-            </a:r>
-            <a:r>
-              <a:rPr lang="ko-KR" altLang="en-US" sz="1600" b="1">
-                <a:solidFill>
-                  <a:schemeClr val="bg1">
-                    <a:lumMod val="75000"/>
-                  </a:schemeClr>
-                </a:solidFill>
-                <a:latin typeface="맑은 고딕"/>
-                <a:ea typeface="맑은 고딕"/>
-              </a:rPr>
-              <a:t>미정</a:t>
-            </a:r>
-            <a:endParaRPr lang="ko-KR" altLang="en-US" sz="1600" b="1">
+              <a:t>: HeliFire</a:t>
+            </a:r>
+            <a:endParaRPr lang="en-US" altLang="ko-KR" sz="1600" b="1">
               <a:solidFill>
                 <a:schemeClr val="bg1">
                   <a:lumMod val="75000"/>
@@ -14961,30 +14949,6 @@
           </a:prstGeom>
         </p:spPr>
       </p:pic>
-      <p:pic>
-        <p:nvPicPr>
-          <p:cNvPr id="22" name=""/>
-          <p:cNvPicPr>
-            <a:picLocks noChangeAspect="1"/>
-          </p:cNvPicPr>
-          <p:nvPr/>
-        </p:nvPicPr>
-        <p:blipFill rotWithShape="1">
-          <a:blip r:embed="rId4"/>
-          <a:stretch>
-            <a:fillRect/>
-          </a:stretch>
-        </p:blipFill>
-        <p:spPr>
-          <a:xfrm>
-            <a:off x="800507" y="4447443"/>
-            <a:ext cx="2065704" cy="1396979"/>
-          </a:xfrm>
-          <a:prstGeom prst="rect">
-            <a:avLst/>
-          </a:prstGeom>
-        </p:spPr>
-      </p:pic>
       <p:sp>
         <p:nvSpPr>
           <p:cNvPr id="23" name="텍스트 개체 틀 8"/>
@@ -15144,6 +15108,30 @@
           </a:p>
         </p:txBody>
       </p:sp>
+      <p:pic>
+        <p:nvPicPr>
+          <p:cNvPr id="24" name=""/>
+          <p:cNvPicPr>
+            <a:picLocks noChangeAspect="1"/>
+          </p:cNvPicPr>
+          <p:nvPr/>
+        </p:nvPicPr>
+        <p:blipFill rotWithShape="1">
+          <a:blip r:embed="rId4"/>
+          <a:stretch>
+            <a:fillRect/>
+          </a:stretch>
+        </p:blipFill>
+        <p:spPr>
+          <a:xfrm>
+            <a:off x="2586877" y="4381498"/>
+            <a:ext cx="2153510" cy="1488282"/>
+          </a:xfrm>
+          <a:prstGeom prst="rect">
+            <a:avLst/>
+          </a:prstGeom>
+        </p:spPr>
+      </p:pic>
     </p:spTree>
   </p:cSld>
   <p:clrMapOvr>
